--- a/Abgabe_Gruppe_C/Abschlusspräsentation.pptx
+++ b/Abgabe_Gruppe_C/Abschlusspräsentation.pptx
@@ -1,41 +1,41 @@
 
 <file path=ppt/presentation.xml><?xml version="1.0" encoding="utf-8"?>
-<p:presentation xmlns:a="http://schemas.openxmlformats.org/drawingml/2006/main" xmlns:r="http://schemas.openxmlformats.org/officeDocument/2006/relationships" xmlns:mc="http://schemas.openxmlformats.org/markup-compatibility/2006" xmlns:mv="urn:schemas-microsoft-com:mac:vml" xmlns:p="http://schemas.openxmlformats.org/presentationml/2006/main" xmlns:c="http://schemas.openxmlformats.org/drawingml/2006/chart" xmlns:dgm="http://schemas.openxmlformats.org/drawingml/2006/diagram" xmlns:o="urn:schemas-microsoft-com:office:office" xmlns:v="urn:schemas-microsoft-com:vml" xmlns:pvml="urn:schemas-microsoft-com:office:powerpoint" xmlns:com="http://schemas.openxmlformats.org/drawingml/2006/compatibility" xmlns:p14="http://schemas.microsoft.com/office/powerpoint/2010/main" xmlns:p15="http://schemas.microsoft.com/office/powerpoint/2012/main" xmlns:ahyp="http://schemas.microsoft.com/office/drawing/2018/hyperlinkcolor" autoCompressPictures="0" embedTrueTypeFonts="1" strictFirstAndLastChars="0" saveSubsetFonts="1" showSpecialPlsOnTitleSld="0">
+<p:presentation xmlns:a="http://schemas.openxmlformats.org/drawingml/2006/main" xmlns:r="http://schemas.openxmlformats.org/officeDocument/2006/relationships" xmlns:p="http://schemas.openxmlformats.org/presentationml/2006/main" showSpecialPlsOnTitleSld="0" strictFirstAndLastChars="0" embedTrueTypeFonts="1" saveSubsetFonts="1" autoCompressPictures="0">
   <p:sldMasterIdLst>
-    <p:sldMasterId id="2147483659" r:id="rId5"/>
+    <p:sldMasterId id="2147483659" r:id="rId1"/>
   </p:sldMasterIdLst>
   <p:notesMasterIdLst>
-    <p:notesMasterId r:id="rId6"/>
+    <p:notesMasterId r:id="rId16"/>
   </p:notesMasterIdLst>
   <p:sldIdLst>
-    <p:sldId id="256" r:id="rId7"/>
-    <p:sldId id="257" r:id="rId8"/>
-    <p:sldId id="258" r:id="rId9"/>
-    <p:sldId id="259" r:id="rId10"/>
-    <p:sldId id="260" r:id="rId11"/>
-    <p:sldId id="261" r:id="rId12"/>
-    <p:sldId id="262" r:id="rId13"/>
-    <p:sldId id="263" r:id="rId14"/>
-    <p:sldId id="264" r:id="rId15"/>
-    <p:sldId id="265" r:id="rId16"/>
-    <p:sldId id="266" r:id="rId17"/>
-    <p:sldId id="267" r:id="rId18"/>
-    <p:sldId id="268" r:id="rId19"/>
-    <p:sldId id="269" r:id="rId20"/>
+    <p:sldId id="256" r:id="rId2"/>
+    <p:sldId id="257" r:id="rId3"/>
+    <p:sldId id="258" r:id="rId4"/>
+    <p:sldId id="259" r:id="rId5"/>
+    <p:sldId id="260" r:id="rId6"/>
+    <p:sldId id="261" r:id="rId7"/>
+    <p:sldId id="262" r:id="rId8"/>
+    <p:sldId id="263" r:id="rId9"/>
+    <p:sldId id="264" r:id="rId10"/>
+    <p:sldId id="265" r:id="rId11"/>
+    <p:sldId id="266" r:id="rId12"/>
+    <p:sldId id="267" r:id="rId13"/>
+    <p:sldId id="268" r:id="rId14"/>
+    <p:sldId id="269" r:id="rId15"/>
   </p:sldIdLst>
-  <p:sldSz cy="5143500" cx="9144000"/>
+  <p:sldSz cx="9144000" cy="5143500" type="screen16x9"/>
   <p:notesSz cx="6858000" cy="9144000"/>
   <p:embeddedFontLst>
     <p:embeddedFont>
-      <p:font typeface="Proxima Nova"/>
-      <p:regular r:id="rId21"/>
-      <p:bold r:id="rId22"/>
-      <p:italic r:id="rId23"/>
-      <p:boldItalic r:id="rId24"/>
+      <p:font typeface="Proxima Nova" panose="020B0604020202020204" charset="0"/>
+      <p:regular r:id="rId17"/>
+      <p:bold r:id="rId18"/>
+      <p:italic r:id="rId19"/>
+      <p:boldItalic r:id="rId20"/>
     </p:embeddedFont>
   </p:embeddedFontLst>
   <p:defaultTextStyle>
-    <a:defPPr lvl="0" marR="0" rtl="0" algn="l">
+    <a:defPPr marR="0" lvl="0" algn="l" rtl="0">
       <a:lnSpc>
         <a:spcPct val="100000"/>
       </a:lnSpc>
@@ -46,7 +46,7 @@
         <a:spcPts val="0"/>
       </a:spcAft>
     </a:defPPr>
-    <a:lvl1pPr lvl="0" marR="0" rtl="0" algn="l">
+    <a:lvl1pPr marR="0" lvl="0" algn="l" rtl="0">
       <a:lnSpc>
         <a:spcPct val="100000"/>
       </a:lnSpc>
@@ -60,7 +60,7 @@
         <a:srgbClr val="000000"/>
       </a:buClr>
       <a:buFont typeface="Arial"/>
-      <a:defRPr b="0" i="0" sz="1400" u="none" cap="none" strike="noStrike">
+      <a:defRPr sz="1400" b="0" i="0" u="none" strike="noStrike" cap="none">
         <a:solidFill>
           <a:srgbClr val="000000"/>
         </a:solidFill>
@@ -70,7 +70,7 @@
         <a:sym typeface="Arial"/>
       </a:defRPr>
     </a:lvl1pPr>
-    <a:lvl2pPr lvl="1" marR="0" rtl="0" algn="l">
+    <a:lvl2pPr marR="0" lvl="1" algn="l" rtl="0">
       <a:lnSpc>
         <a:spcPct val="100000"/>
       </a:lnSpc>
@@ -84,7 +84,7 @@
         <a:srgbClr val="000000"/>
       </a:buClr>
       <a:buFont typeface="Arial"/>
-      <a:defRPr b="0" i="0" sz="1400" u="none" cap="none" strike="noStrike">
+      <a:defRPr sz="1400" b="0" i="0" u="none" strike="noStrike" cap="none">
         <a:solidFill>
           <a:srgbClr val="000000"/>
         </a:solidFill>
@@ -94,7 +94,7 @@
         <a:sym typeface="Arial"/>
       </a:defRPr>
     </a:lvl2pPr>
-    <a:lvl3pPr lvl="2" marR="0" rtl="0" algn="l">
+    <a:lvl3pPr marR="0" lvl="2" algn="l" rtl="0">
       <a:lnSpc>
         <a:spcPct val="100000"/>
       </a:lnSpc>
@@ -108,7 +108,7 @@
         <a:srgbClr val="000000"/>
       </a:buClr>
       <a:buFont typeface="Arial"/>
-      <a:defRPr b="0" i="0" sz="1400" u="none" cap="none" strike="noStrike">
+      <a:defRPr sz="1400" b="0" i="0" u="none" strike="noStrike" cap="none">
         <a:solidFill>
           <a:srgbClr val="000000"/>
         </a:solidFill>
@@ -118,7 +118,7 @@
         <a:sym typeface="Arial"/>
       </a:defRPr>
     </a:lvl3pPr>
-    <a:lvl4pPr lvl="3" marR="0" rtl="0" algn="l">
+    <a:lvl4pPr marR="0" lvl="3" algn="l" rtl="0">
       <a:lnSpc>
         <a:spcPct val="100000"/>
       </a:lnSpc>
@@ -132,7 +132,7 @@
         <a:srgbClr val="000000"/>
       </a:buClr>
       <a:buFont typeface="Arial"/>
-      <a:defRPr b="0" i="0" sz="1400" u="none" cap="none" strike="noStrike">
+      <a:defRPr sz="1400" b="0" i="0" u="none" strike="noStrike" cap="none">
         <a:solidFill>
           <a:srgbClr val="000000"/>
         </a:solidFill>
@@ -142,7 +142,7 @@
         <a:sym typeface="Arial"/>
       </a:defRPr>
     </a:lvl4pPr>
-    <a:lvl5pPr lvl="4" marR="0" rtl="0" algn="l">
+    <a:lvl5pPr marR="0" lvl="4" algn="l" rtl="0">
       <a:lnSpc>
         <a:spcPct val="100000"/>
       </a:lnSpc>
@@ -156,7 +156,7 @@
         <a:srgbClr val="000000"/>
       </a:buClr>
       <a:buFont typeface="Arial"/>
-      <a:defRPr b="0" i="0" sz="1400" u="none" cap="none" strike="noStrike">
+      <a:defRPr sz="1400" b="0" i="0" u="none" strike="noStrike" cap="none">
         <a:solidFill>
           <a:srgbClr val="000000"/>
         </a:solidFill>
@@ -166,7 +166,7 @@
         <a:sym typeface="Arial"/>
       </a:defRPr>
     </a:lvl5pPr>
-    <a:lvl6pPr lvl="5" marR="0" rtl="0" algn="l">
+    <a:lvl6pPr marR="0" lvl="5" algn="l" rtl="0">
       <a:lnSpc>
         <a:spcPct val="100000"/>
       </a:lnSpc>
@@ -180,7 +180,7 @@
         <a:srgbClr val="000000"/>
       </a:buClr>
       <a:buFont typeface="Arial"/>
-      <a:defRPr b="0" i="0" sz="1400" u="none" cap="none" strike="noStrike">
+      <a:defRPr sz="1400" b="0" i="0" u="none" strike="noStrike" cap="none">
         <a:solidFill>
           <a:srgbClr val="000000"/>
         </a:solidFill>
@@ -190,7 +190,7 @@
         <a:sym typeface="Arial"/>
       </a:defRPr>
     </a:lvl6pPr>
-    <a:lvl7pPr lvl="6" marR="0" rtl="0" algn="l">
+    <a:lvl7pPr marR="0" lvl="6" algn="l" rtl="0">
       <a:lnSpc>
         <a:spcPct val="100000"/>
       </a:lnSpc>
@@ -204,7 +204,7 @@
         <a:srgbClr val="000000"/>
       </a:buClr>
       <a:buFont typeface="Arial"/>
-      <a:defRPr b="0" i="0" sz="1400" u="none" cap="none" strike="noStrike">
+      <a:defRPr sz="1400" b="0" i="0" u="none" strike="noStrike" cap="none">
         <a:solidFill>
           <a:srgbClr val="000000"/>
         </a:solidFill>
@@ -214,7 +214,7 @@
         <a:sym typeface="Arial"/>
       </a:defRPr>
     </a:lvl7pPr>
-    <a:lvl8pPr lvl="7" marR="0" rtl="0" algn="l">
+    <a:lvl8pPr marR="0" lvl="7" algn="l" rtl="0">
       <a:lnSpc>
         <a:spcPct val="100000"/>
       </a:lnSpc>
@@ -228,7 +228,7 @@
         <a:srgbClr val="000000"/>
       </a:buClr>
       <a:buFont typeface="Arial"/>
-      <a:defRPr b="0" i="0" sz="1400" u="none" cap="none" strike="noStrike">
+      <a:defRPr sz="1400" b="0" i="0" u="none" strike="noStrike" cap="none">
         <a:solidFill>
           <a:srgbClr val="000000"/>
         </a:solidFill>
@@ -238,7 +238,7 @@
         <a:sym typeface="Arial"/>
       </a:defRPr>
     </a:lvl8pPr>
-    <a:lvl9pPr lvl="8" marR="0" rtl="0" algn="l">
+    <a:lvl9pPr marR="0" lvl="8" algn="l" rtl="0">
       <a:lnSpc>
         <a:spcPct val="100000"/>
       </a:lnSpc>
@@ -252,7 +252,7 @@
         <a:srgbClr val="000000"/>
       </a:buClr>
       <a:buFont typeface="Arial"/>
-      <a:defRPr b="0" i="0" sz="1400" u="none" cap="none" strike="noStrike">
+      <a:defRPr sz="1400" b="0" i="0" u="none" strike="noStrike" cap="none">
         <a:solidFill>
           <a:srgbClr val="000000"/>
         </a:solidFill>
@@ -265,7 +265,7 @@
   </p:defaultTextStyle>
   <p:extLst>
     <p:ext uri="{EFAFB233-063F-42B5-8137-9DF3F51BA10A}">
-      <p15:sldGuideLst>
+      <p15:sldGuideLst xmlns:p15="http://schemas.microsoft.com/office/powerpoint/2012/main">
         <p15:guide id="1" orient="horz" pos="1620">
           <p15:clr>
             <a:srgbClr val="A4A3A4"/>
@@ -283,11 +283,16 @@
 </file>
 
 <file path=ppt/notesMasters/notesMaster1.xml><?xml version="1.0" encoding="utf-8"?>
-<p:notesMaster xmlns:a="http://schemas.openxmlformats.org/drawingml/2006/main" xmlns:r="http://schemas.openxmlformats.org/officeDocument/2006/relationships" xmlns:mc="http://schemas.openxmlformats.org/markup-compatibility/2006" xmlns:mv="urn:schemas-microsoft-com:mac:vml" xmlns:p="http://schemas.openxmlformats.org/presentationml/2006/main" xmlns:c="http://schemas.openxmlformats.org/drawingml/2006/chart" xmlns:dgm="http://schemas.openxmlformats.org/drawingml/2006/diagram" xmlns:o="urn:schemas-microsoft-com:office:office" xmlns:v="urn:schemas-microsoft-com:vml" xmlns:pvml="urn:schemas-microsoft-com:office:powerpoint" xmlns:com="http://schemas.openxmlformats.org/drawingml/2006/compatibility" xmlns:p14="http://schemas.microsoft.com/office/powerpoint/2010/main" xmlns:p15="http://schemas.microsoft.com/office/powerpoint/2012/main" xmlns:ahyp="http://schemas.microsoft.com/office/drawing/2018/hyperlinkcolor">
+<p:notesMaster xmlns:a="http://schemas.openxmlformats.org/drawingml/2006/main" xmlns:r="http://schemas.openxmlformats.org/officeDocument/2006/relationships" xmlns:p="http://schemas.openxmlformats.org/presentationml/2006/main">
   <p:cSld>
+    <p:bg>
+      <p:bgRef idx="1001">
+        <a:schemeClr val="bg1"/>
+      </p:bgRef>
+    </p:bg>
     <p:spTree>
       <p:nvGrpSpPr>
-        <p:cNvPr id="2" name="Shape 2"/>
+        <p:cNvPr id="1" name="Shape 2"/>
         <p:cNvGrpSpPr/>
         <p:nvPr/>
       </p:nvGrpSpPr>
@@ -302,9 +307,11 @@
       <p:sp>
         <p:nvSpPr>
           <p:cNvPr id="3" name="Google Shape;3;n"/>
-          <p:cNvSpPr/>
+          <p:cNvSpPr>
+            <a:spLocks noGrp="1" noRot="1" noChangeAspect="1"/>
+          </p:cNvSpPr>
           <p:nvPr>
-            <p:ph idx="2" type="sldImg"/>
+            <p:ph type="sldImg" idx="2"/>
           </p:nvPr>
         </p:nvSpPr>
         <p:spPr>
@@ -313,9 +320,13 @@
             <a:ext cx="6096075" cy="3429000"/>
           </a:xfrm>
           <a:custGeom>
-            <a:rect b="b" l="l" r="r" t="t"/>
+            <a:avLst/>
+            <a:gdLst/>
+            <a:ahLst/>
+            <a:cxnLst/>
+            <a:rect l="l" t="t" r="r" b="b"/>
             <a:pathLst>
-              <a:path extrusionOk="0" h="120000" w="120000">
+              <a:path w="120000" h="120000" extrusionOk="0">
                 <a:moveTo>
                   <a:pt x="0" y="0"/>
                 </a:moveTo>
@@ -333,23 +344,25 @@
             </a:pathLst>
           </a:custGeom>
           <a:noFill/>
-          <a:ln cap="flat" cmpd="sng" w="9525">
+          <a:ln w="9525" cap="flat" cmpd="sng">
             <a:solidFill>
               <a:srgbClr val="000000"/>
             </a:solidFill>
             <a:prstDash val="solid"/>
             <a:round/>
-            <a:headEnd len="sm" w="sm" type="none"/>
-            <a:tailEnd len="sm" w="sm" type="none"/>
+            <a:headEnd type="none" w="sm" len="sm"/>
+            <a:tailEnd type="none" w="sm" len="sm"/>
           </a:ln>
         </p:spPr>
       </p:sp>
       <p:sp>
         <p:nvSpPr>
           <p:cNvPr id="4" name="Google Shape;4;n"/>
-          <p:cNvSpPr txBox="1"/>
+          <p:cNvSpPr txBox="1">
+            <a:spLocks noGrp="1"/>
+          </p:cNvSpPr>
           <p:nvPr>
-            <p:ph idx="1" type="body"/>
+            <p:ph type="body" idx="1"/>
           </p:nvPr>
         </p:nvSpPr>
         <p:spPr>
@@ -366,11 +379,11 @@
           </a:ln>
         </p:spPr>
         <p:txBody>
-          <a:bodyPr anchorCtr="0" anchor="t" bIns="91425" lIns="91425" spcFirstLastPara="1" rIns="91425" wrap="square" tIns="91425">
+          <a:bodyPr spcFirstLastPara="1" wrap="square" lIns="91425" tIns="91425" rIns="91425" bIns="91425" anchor="t" anchorCtr="0">
             <a:noAutofit/>
           </a:bodyPr>
           <a:lstStyle>
-            <a:lvl1pPr indent="-298450" lvl="0" marL="457200">
+            <a:lvl1pPr marL="457200" lvl="0" indent="-298450">
               <a:spcBef>
                 <a:spcPts val="0"/>
               </a:spcBef>
@@ -381,7 +394,7 @@
               <a:buChar char="●"/>
               <a:defRPr sz="1100"/>
             </a:lvl1pPr>
-            <a:lvl2pPr indent="-298450" lvl="1" marL="914400">
+            <a:lvl2pPr marL="914400" lvl="1" indent="-298450">
               <a:spcBef>
                 <a:spcPts val="0"/>
               </a:spcBef>
@@ -392,7 +405,7 @@
               <a:buChar char="○"/>
               <a:defRPr sz="1100"/>
             </a:lvl2pPr>
-            <a:lvl3pPr indent="-298450" lvl="2" marL="1371600">
+            <a:lvl3pPr marL="1371600" lvl="2" indent="-298450">
               <a:spcBef>
                 <a:spcPts val="0"/>
               </a:spcBef>
@@ -403,7 +416,7 @@
               <a:buChar char="■"/>
               <a:defRPr sz="1100"/>
             </a:lvl3pPr>
-            <a:lvl4pPr indent="-298450" lvl="3" marL="1828800">
+            <a:lvl4pPr marL="1828800" lvl="3" indent="-298450">
               <a:spcBef>
                 <a:spcPts val="0"/>
               </a:spcBef>
@@ -414,7 +427,7 @@
               <a:buChar char="●"/>
               <a:defRPr sz="1100"/>
             </a:lvl4pPr>
-            <a:lvl5pPr indent="-298450" lvl="4" marL="2286000">
+            <a:lvl5pPr marL="2286000" lvl="4" indent="-298450">
               <a:spcBef>
                 <a:spcPts val="0"/>
               </a:spcBef>
@@ -425,7 +438,7 @@
               <a:buChar char="○"/>
               <a:defRPr sz="1100"/>
             </a:lvl5pPr>
-            <a:lvl6pPr indent="-298450" lvl="5" marL="2743200">
+            <a:lvl6pPr marL="2743200" lvl="5" indent="-298450">
               <a:spcBef>
                 <a:spcPts val="0"/>
               </a:spcBef>
@@ -436,7 +449,7 @@
               <a:buChar char="■"/>
               <a:defRPr sz="1100"/>
             </a:lvl6pPr>
-            <a:lvl7pPr indent="-298450" lvl="6" marL="3200400">
+            <a:lvl7pPr marL="3200400" lvl="6" indent="-298450">
               <a:spcBef>
                 <a:spcPts val="0"/>
               </a:spcBef>
@@ -447,7 +460,7 @@
               <a:buChar char="●"/>
               <a:defRPr sz="1100"/>
             </a:lvl7pPr>
-            <a:lvl8pPr indent="-298450" lvl="7" marL="3657600">
+            <a:lvl8pPr marL="3657600" lvl="7" indent="-298450">
               <a:spcBef>
                 <a:spcPts val="0"/>
               </a:spcBef>
@@ -458,7 +471,7 @@
               <a:buChar char="○"/>
               <a:defRPr sz="1100"/>
             </a:lvl8pPr>
-            <a:lvl9pPr indent="-298450" lvl="8" marL="4114800">
+            <a:lvl9pPr marL="4114800" lvl="8" indent="-298450">
               <a:spcBef>
                 <a:spcPts val="0"/>
               </a:spcBef>
@@ -470,14 +483,16 @@
               <a:defRPr sz="1100"/>
             </a:lvl9pPr>
           </a:lstStyle>
-          <a:p/>
+          <a:p>
+            <a:endParaRPr/>
+          </a:p>
         </p:txBody>
       </p:sp>
     </p:spTree>
   </p:cSld>
-  <p:clrMap accent1="accent1" accent2="accent2" accent3="accent3" accent4="accent4" accent5="accent5" accent6="accent6" bg1="lt1" bg2="dk2" tx1="dk1" tx2="lt2" folHlink="folHlink" hlink="hlink"/>
+  <p:clrMap bg1="lt1" tx1="dk1" bg2="dk2" tx2="lt2" accent1="accent1" accent2="accent2" accent3="accent3" accent4="accent4" accent5="accent5" accent6="accent6" hlink="hlink" folHlink="folHlink"/>
   <p:notesStyle>
-    <a:defPPr lvl="0" marR="0" rtl="0" algn="l">
+    <a:defPPr marR="0" lvl="0" algn="l" rtl="0">
       <a:lnSpc>
         <a:spcPct val="100000"/>
       </a:lnSpc>
@@ -488,7 +503,7 @@
         <a:spcPts val="0"/>
       </a:spcAft>
     </a:defPPr>
-    <a:lvl1pPr lvl="0" marR="0" rtl="0" algn="l">
+    <a:lvl1pPr marR="0" lvl="0" algn="l" rtl="0">
       <a:lnSpc>
         <a:spcPct val="100000"/>
       </a:lnSpc>
@@ -502,7 +517,7 @@
         <a:srgbClr val="000000"/>
       </a:buClr>
       <a:buFont typeface="Arial"/>
-      <a:defRPr b="0" i="0" sz="1400" u="none" cap="none" strike="noStrike">
+      <a:defRPr sz="1400" b="0" i="0" u="none" strike="noStrike" cap="none">
         <a:solidFill>
           <a:srgbClr val="000000"/>
         </a:solidFill>
@@ -512,7 +527,7 @@
         <a:sym typeface="Arial"/>
       </a:defRPr>
     </a:lvl1pPr>
-    <a:lvl2pPr lvl="1" marR="0" rtl="0" algn="l">
+    <a:lvl2pPr marR="0" lvl="1" algn="l" rtl="0">
       <a:lnSpc>
         <a:spcPct val="100000"/>
       </a:lnSpc>
@@ -526,7 +541,7 @@
         <a:srgbClr val="000000"/>
       </a:buClr>
       <a:buFont typeface="Arial"/>
-      <a:defRPr b="0" i="0" sz="1400" u="none" cap="none" strike="noStrike">
+      <a:defRPr sz="1400" b="0" i="0" u="none" strike="noStrike" cap="none">
         <a:solidFill>
           <a:srgbClr val="000000"/>
         </a:solidFill>
@@ -536,7 +551,7 @@
         <a:sym typeface="Arial"/>
       </a:defRPr>
     </a:lvl2pPr>
-    <a:lvl3pPr lvl="2" marR="0" rtl="0" algn="l">
+    <a:lvl3pPr marR="0" lvl="2" algn="l" rtl="0">
       <a:lnSpc>
         <a:spcPct val="100000"/>
       </a:lnSpc>
@@ -550,7 +565,7 @@
         <a:srgbClr val="000000"/>
       </a:buClr>
       <a:buFont typeface="Arial"/>
-      <a:defRPr b="0" i="0" sz="1400" u="none" cap="none" strike="noStrike">
+      <a:defRPr sz="1400" b="0" i="0" u="none" strike="noStrike" cap="none">
         <a:solidFill>
           <a:srgbClr val="000000"/>
         </a:solidFill>
@@ -560,7 +575,7 @@
         <a:sym typeface="Arial"/>
       </a:defRPr>
     </a:lvl3pPr>
-    <a:lvl4pPr lvl="3" marR="0" rtl="0" algn="l">
+    <a:lvl4pPr marR="0" lvl="3" algn="l" rtl="0">
       <a:lnSpc>
         <a:spcPct val="100000"/>
       </a:lnSpc>
@@ -574,7 +589,7 @@
         <a:srgbClr val="000000"/>
       </a:buClr>
       <a:buFont typeface="Arial"/>
-      <a:defRPr b="0" i="0" sz="1400" u="none" cap="none" strike="noStrike">
+      <a:defRPr sz="1400" b="0" i="0" u="none" strike="noStrike" cap="none">
         <a:solidFill>
           <a:srgbClr val="000000"/>
         </a:solidFill>
@@ -584,7 +599,7 @@
         <a:sym typeface="Arial"/>
       </a:defRPr>
     </a:lvl4pPr>
-    <a:lvl5pPr lvl="4" marR="0" rtl="0" algn="l">
+    <a:lvl5pPr marR="0" lvl="4" algn="l" rtl="0">
       <a:lnSpc>
         <a:spcPct val="100000"/>
       </a:lnSpc>
@@ -598,7 +613,7 @@
         <a:srgbClr val="000000"/>
       </a:buClr>
       <a:buFont typeface="Arial"/>
-      <a:defRPr b="0" i="0" sz="1400" u="none" cap="none" strike="noStrike">
+      <a:defRPr sz="1400" b="0" i="0" u="none" strike="noStrike" cap="none">
         <a:solidFill>
           <a:srgbClr val="000000"/>
         </a:solidFill>
@@ -608,7 +623,7 @@
         <a:sym typeface="Arial"/>
       </a:defRPr>
     </a:lvl5pPr>
-    <a:lvl6pPr lvl="5" marR="0" rtl="0" algn="l">
+    <a:lvl6pPr marR="0" lvl="5" algn="l" rtl="0">
       <a:lnSpc>
         <a:spcPct val="100000"/>
       </a:lnSpc>
@@ -622,7 +637,7 @@
         <a:srgbClr val="000000"/>
       </a:buClr>
       <a:buFont typeface="Arial"/>
-      <a:defRPr b="0" i="0" sz="1400" u="none" cap="none" strike="noStrike">
+      <a:defRPr sz="1400" b="0" i="0" u="none" strike="noStrike" cap="none">
         <a:solidFill>
           <a:srgbClr val="000000"/>
         </a:solidFill>
@@ -632,7 +647,7 @@
         <a:sym typeface="Arial"/>
       </a:defRPr>
     </a:lvl6pPr>
-    <a:lvl7pPr lvl="6" marR="0" rtl="0" algn="l">
+    <a:lvl7pPr marR="0" lvl="6" algn="l" rtl="0">
       <a:lnSpc>
         <a:spcPct val="100000"/>
       </a:lnSpc>
@@ -646,7 +661,7 @@
         <a:srgbClr val="000000"/>
       </a:buClr>
       <a:buFont typeface="Arial"/>
-      <a:defRPr b="0" i="0" sz="1400" u="none" cap="none" strike="noStrike">
+      <a:defRPr sz="1400" b="0" i="0" u="none" strike="noStrike" cap="none">
         <a:solidFill>
           <a:srgbClr val="000000"/>
         </a:solidFill>
@@ -656,7 +671,7 @@
         <a:sym typeface="Arial"/>
       </a:defRPr>
     </a:lvl7pPr>
-    <a:lvl8pPr lvl="7" marR="0" rtl="0" algn="l">
+    <a:lvl8pPr marR="0" lvl="7" algn="l" rtl="0">
       <a:lnSpc>
         <a:spcPct val="100000"/>
       </a:lnSpc>
@@ -670,7 +685,7 @@
         <a:srgbClr val="000000"/>
       </a:buClr>
       <a:buFont typeface="Arial"/>
-      <a:defRPr b="0" i="0" sz="1400" u="none" cap="none" strike="noStrike">
+      <a:defRPr sz="1400" b="0" i="0" u="none" strike="noStrike" cap="none">
         <a:solidFill>
           <a:srgbClr val="000000"/>
         </a:solidFill>
@@ -680,7 +695,7 @@
         <a:sym typeface="Arial"/>
       </a:defRPr>
     </a:lvl8pPr>
-    <a:lvl9pPr lvl="8" marR="0" rtl="0" algn="l">
+    <a:lvl9pPr marR="0" lvl="8" algn="l" rtl="0">
       <a:lnSpc>
         <a:spcPct val="100000"/>
       </a:lnSpc>
@@ -694,7 +709,7 @@
         <a:srgbClr val="000000"/>
       </a:buClr>
       <a:buFont typeface="Arial"/>
-      <a:defRPr b="0" i="0" sz="1400" u="none" cap="none" strike="noStrike">
+      <a:defRPr sz="1400" b="0" i="0" u="none" strike="noStrike" cap="none">
         <a:solidFill>
           <a:srgbClr val="000000"/>
         </a:solidFill>
@@ -709,11 +724,11 @@
 </file>
 
 <file path=ppt/notesSlides/notesSlide1.xml><?xml version="1.0" encoding="utf-8"?>
-<p:notes xmlns:a="http://schemas.openxmlformats.org/drawingml/2006/main" xmlns:r="http://schemas.openxmlformats.org/officeDocument/2006/relationships" xmlns:mc="http://schemas.openxmlformats.org/markup-compatibility/2006" xmlns:mv="urn:schemas-microsoft-com:mac:vml" xmlns:p="http://schemas.openxmlformats.org/presentationml/2006/main" xmlns:c="http://schemas.openxmlformats.org/drawingml/2006/chart" xmlns:dgm="http://schemas.openxmlformats.org/drawingml/2006/diagram" xmlns:o="urn:schemas-microsoft-com:office:office" xmlns:v="urn:schemas-microsoft-com:vml" xmlns:pvml="urn:schemas-microsoft-com:office:powerpoint" xmlns:com="http://schemas.openxmlformats.org/drawingml/2006/compatibility" xmlns:p14="http://schemas.microsoft.com/office/powerpoint/2010/main" xmlns:p15="http://schemas.microsoft.com/office/powerpoint/2012/main" xmlns:ahyp="http://schemas.microsoft.com/office/drawing/2018/hyperlinkcolor" showMasterPhAnim="0" showMasterSp="0">
+<p:notes xmlns:a="http://schemas.openxmlformats.org/drawingml/2006/main" xmlns:r="http://schemas.openxmlformats.org/officeDocument/2006/relationships" xmlns:p="http://schemas.openxmlformats.org/presentationml/2006/main" showMasterSp="0" showMasterPhAnim="0">
   <p:cSld>
     <p:spTree>
       <p:nvGrpSpPr>
-        <p:cNvPr id="55" name="Shape 55"/>
+        <p:cNvPr id="1" name="Shape 55"/>
         <p:cNvGrpSpPr/>
         <p:nvPr/>
       </p:nvGrpSpPr>
@@ -728,9 +743,11 @@
       <p:sp>
         <p:nvSpPr>
           <p:cNvPr id="56" name="Google Shape;56;p:notes"/>
-          <p:cNvSpPr/>
+          <p:cNvSpPr>
+            <a:spLocks noGrp="1" noRot="1" noChangeAspect="1"/>
+          </p:cNvSpPr>
           <p:nvPr>
-            <p:ph idx="2" type="sldImg"/>
+            <p:ph type="sldImg" idx="2"/>
           </p:nvPr>
         </p:nvSpPr>
         <p:spPr>
@@ -739,9 +756,13 @@
             <a:ext cx="6096075" cy="3429000"/>
           </a:xfrm>
           <a:custGeom>
-            <a:rect b="b" l="l" r="r" t="t"/>
+            <a:avLst/>
+            <a:gdLst/>
+            <a:ahLst/>
+            <a:cxnLst/>
+            <a:rect l="l" t="t" r="r" b="b"/>
             <a:pathLst>
-              <a:path extrusionOk="0" h="120000" w="120000">
+              <a:path w="120000" h="120000" extrusionOk="0">
                 <a:moveTo>
                   <a:pt x="0" y="0"/>
                 </a:moveTo>
@@ -763,9 +784,11 @@
       <p:sp>
         <p:nvSpPr>
           <p:cNvPr id="57" name="Google Shape;57;p:notes"/>
-          <p:cNvSpPr txBox="1"/>
+          <p:cNvSpPr txBox="1">
+            <a:spLocks noGrp="1"/>
+          </p:cNvSpPr>
           <p:nvPr>
-            <p:ph idx="1" type="body"/>
+            <p:ph type="body" idx="1"/>
           </p:nvPr>
         </p:nvSpPr>
         <p:spPr>
@@ -778,12 +801,12 @@
           </a:prstGeom>
         </p:spPr>
         <p:txBody>
-          <a:bodyPr anchorCtr="0" anchor="t" bIns="91425" lIns="91425" spcFirstLastPara="1" rIns="91425" wrap="square" tIns="91425">
+          <a:bodyPr spcFirstLastPara="1" wrap="square" lIns="91425" tIns="91425" rIns="91425" bIns="91425" anchor="t" anchorCtr="0">
             <a:noAutofit/>
           </a:bodyPr>
           <a:lstStyle/>
           <a:p>
-            <a:pPr indent="0" lvl="0" marL="0" rtl="0" algn="l">
+            <a:pPr marL="0" lvl="0" indent="0" algn="l" rtl="0">
               <a:spcBef>
                 <a:spcPts val="0"/>
               </a:spcBef>
@@ -792,9 +815,6 @@
               </a:spcAft>
               <a:buNone/>
             </a:pPr>
-            <a:r>
-              <a:t/>
-            </a:r>
             <a:endParaRPr/>
           </a:p>
         </p:txBody>
@@ -808,11 +828,11 @@
 </file>
 
 <file path=ppt/notesSlides/notesSlide10.xml><?xml version="1.0" encoding="utf-8"?>
-<p:notes xmlns:a="http://schemas.openxmlformats.org/drawingml/2006/main" xmlns:r="http://schemas.openxmlformats.org/officeDocument/2006/relationships" xmlns:mc="http://schemas.openxmlformats.org/markup-compatibility/2006" xmlns:mv="urn:schemas-microsoft-com:mac:vml" xmlns:p="http://schemas.openxmlformats.org/presentationml/2006/main" xmlns:c="http://schemas.openxmlformats.org/drawingml/2006/chart" xmlns:dgm="http://schemas.openxmlformats.org/drawingml/2006/diagram" xmlns:o="urn:schemas-microsoft-com:office:office" xmlns:v="urn:schemas-microsoft-com:vml" xmlns:pvml="urn:schemas-microsoft-com:office:powerpoint" xmlns:com="http://schemas.openxmlformats.org/drawingml/2006/compatibility" xmlns:p14="http://schemas.microsoft.com/office/powerpoint/2010/main" xmlns:p15="http://schemas.microsoft.com/office/powerpoint/2012/main" xmlns:ahyp="http://schemas.microsoft.com/office/drawing/2018/hyperlinkcolor" showMasterPhAnim="0" showMasterSp="0">
+<p:notes xmlns:a="http://schemas.openxmlformats.org/drawingml/2006/main" xmlns:r="http://schemas.openxmlformats.org/officeDocument/2006/relationships" xmlns:p="http://schemas.openxmlformats.org/presentationml/2006/main" showMasterSp="0" showMasterPhAnim="0">
   <p:cSld>
     <p:spTree>
       <p:nvGrpSpPr>
-        <p:cNvPr id="127" name="Shape 127"/>
+        <p:cNvPr id="1" name="Shape 127"/>
         <p:cNvGrpSpPr/>
         <p:nvPr/>
       </p:nvGrpSpPr>
@@ -827,20 +847,26 @@
       <p:sp>
         <p:nvSpPr>
           <p:cNvPr id="128" name="Google Shape;128;g1111eeffdcd_0_8:notes"/>
-          <p:cNvSpPr/>
+          <p:cNvSpPr>
+            <a:spLocks noGrp="1" noRot="1" noChangeAspect="1"/>
+          </p:cNvSpPr>
           <p:nvPr>
-            <p:ph idx="2" type="sldImg"/>
+            <p:ph type="sldImg" idx="2"/>
           </p:nvPr>
         </p:nvSpPr>
         <p:spPr>
           <a:xfrm>
-            <a:off x="381300" y="685800"/>
+            <a:off x="381000" y="685800"/>
             <a:ext cx="6096000" cy="3429000"/>
           </a:xfrm>
           <a:custGeom>
-            <a:rect b="b" l="l" r="r" t="t"/>
+            <a:avLst/>
+            <a:gdLst/>
+            <a:ahLst/>
+            <a:cxnLst/>
+            <a:rect l="l" t="t" r="r" b="b"/>
             <a:pathLst>
-              <a:path extrusionOk="0" h="120000" w="120000">
+              <a:path w="120000" h="120000" extrusionOk="0">
                 <a:moveTo>
                   <a:pt x="0" y="0"/>
                 </a:moveTo>
@@ -862,9 +888,11 @@
       <p:sp>
         <p:nvSpPr>
           <p:cNvPr id="129" name="Google Shape;129;g1111eeffdcd_0_8:notes"/>
-          <p:cNvSpPr txBox="1"/>
+          <p:cNvSpPr txBox="1">
+            <a:spLocks noGrp="1"/>
+          </p:cNvSpPr>
           <p:nvPr>
-            <p:ph idx="1" type="body"/>
+            <p:ph type="body" idx="1"/>
           </p:nvPr>
         </p:nvSpPr>
         <p:spPr>
@@ -877,12 +905,12 @@
           </a:prstGeom>
         </p:spPr>
         <p:txBody>
-          <a:bodyPr anchorCtr="0" anchor="t" bIns="91425" lIns="91425" spcFirstLastPara="1" rIns="91425" wrap="square" tIns="91425">
+          <a:bodyPr spcFirstLastPara="1" wrap="square" lIns="91425" tIns="91425" rIns="91425" bIns="91425" anchor="t" anchorCtr="0">
             <a:noAutofit/>
           </a:bodyPr>
           <a:lstStyle/>
           <a:p>
-            <a:pPr indent="0" lvl="0" marL="0" rtl="0" algn="l">
+            <a:pPr marL="0" lvl="0" indent="0" algn="l" rtl="0">
               <a:spcBef>
                 <a:spcPts val="0"/>
               </a:spcBef>
@@ -891,9 +919,6 @@
               </a:spcAft>
               <a:buNone/>
             </a:pPr>
-            <a:r>
-              <a:t/>
-            </a:r>
             <a:endParaRPr/>
           </a:p>
         </p:txBody>
@@ -907,11 +932,11 @@
 </file>
 
 <file path=ppt/notesSlides/notesSlide11.xml><?xml version="1.0" encoding="utf-8"?>
-<p:notes xmlns:a="http://schemas.openxmlformats.org/drawingml/2006/main" xmlns:r="http://schemas.openxmlformats.org/officeDocument/2006/relationships" xmlns:mc="http://schemas.openxmlformats.org/markup-compatibility/2006" xmlns:mv="urn:schemas-microsoft-com:mac:vml" xmlns:p="http://schemas.openxmlformats.org/presentationml/2006/main" xmlns:c="http://schemas.openxmlformats.org/drawingml/2006/chart" xmlns:dgm="http://schemas.openxmlformats.org/drawingml/2006/diagram" xmlns:o="urn:schemas-microsoft-com:office:office" xmlns:v="urn:schemas-microsoft-com:vml" xmlns:pvml="urn:schemas-microsoft-com:office:powerpoint" xmlns:com="http://schemas.openxmlformats.org/drawingml/2006/compatibility" xmlns:p14="http://schemas.microsoft.com/office/powerpoint/2010/main" xmlns:p15="http://schemas.microsoft.com/office/powerpoint/2012/main" xmlns:ahyp="http://schemas.microsoft.com/office/drawing/2018/hyperlinkcolor" showMasterPhAnim="0" showMasterSp="0">
+<p:notes xmlns:a="http://schemas.openxmlformats.org/drawingml/2006/main" xmlns:r="http://schemas.openxmlformats.org/officeDocument/2006/relationships" xmlns:p="http://schemas.openxmlformats.org/presentationml/2006/main" showMasterSp="0" showMasterPhAnim="0">
   <p:cSld>
     <p:spTree>
       <p:nvGrpSpPr>
-        <p:cNvPr id="134" name="Shape 134"/>
+        <p:cNvPr id="1" name="Shape 134"/>
         <p:cNvGrpSpPr/>
         <p:nvPr/>
       </p:nvGrpSpPr>
@@ -926,20 +951,26 @@
       <p:sp>
         <p:nvSpPr>
           <p:cNvPr id="135" name="Google Shape;135;g1111eeffdcd_2_0:notes"/>
-          <p:cNvSpPr/>
+          <p:cNvSpPr>
+            <a:spLocks noGrp="1" noRot="1" noChangeAspect="1"/>
+          </p:cNvSpPr>
           <p:nvPr>
-            <p:ph idx="2" type="sldImg"/>
+            <p:ph type="sldImg" idx="2"/>
           </p:nvPr>
         </p:nvSpPr>
         <p:spPr>
           <a:xfrm>
-            <a:off x="381300" y="685800"/>
+            <a:off x="381000" y="685800"/>
             <a:ext cx="6096000" cy="3429000"/>
           </a:xfrm>
           <a:custGeom>
-            <a:rect b="b" l="l" r="r" t="t"/>
+            <a:avLst/>
+            <a:gdLst/>
+            <a:ahLst/>
+            <a:cxnLst/>
+            <a:rect l="l" t="t" r="r" b="b"/>
             <a:pathLst>
-              <a:path extrusionOk="0" h="120000" w="120000">
+              <a:path w="120000" h="120000" extrusionOk="0">
                 <a:moveTo>
                   <a:pt x="0" y="0"/>
                 </a:moveTo>
@@ -961,9 +992,11 @@
       <p:sp>
         <p:nvSpPr>
           <p:cNvPr id="136" name="Google Shape;136;g1111eeffdcd_2_0:notes"/>
-          <p:cNvSpPr txBox="1"/>
+          <p:cNvSpPr txBox="1">
+            <a:spLocks noGrp="1"/>
+          </p:cNvSpPr>
           <p:nvPr>
-            <p:ph idx="1" type="body"/>
+            <p:ph type="body" idx="1"/>
           </p:nvPr>
         </p:nvSpPr>
         <p:spPr>
@@ -976,12 +1009,12 @@
           </a:prstGeom>
         </p:spPr>
         <p:txBody>
-          <a:bodyPr anchorCtr="0" anchor="t" bIns="91425" lIns="91425" spcFirstLastPara="1" rIns="91425" wrap="square" tIns="91425">
+          <a:bodyPr spcFirstLastPara="1" wrap="square" lIns="91425" tIns="91425" rIns="91425" bIns="91425" anchor="t" anchorCtr="0">
             <a:noAutofit/>
           </a:bodyPr>
           <a:lstStyle/>
           <a:p>
-            <a:pPr indent="0" lvl="0" marL="0" rtl="0" algn="l">
+            <a:pPr marL="0" lvl="0" indent="0" algn="l" rtl="0">
               <a:spcBef>
                 <a:spcPts val="0"/>
               </a:spcBef>
@@ -990,9 +1023,6 @@
               </a:spcAft>
               <a:buNone/>
             </a:pPr>
-            <a:r>
-              <a:t/>
-            </a:r>
             <a:endParaRPr/>
           </a:p>
         </p:txBody>
@@ -1006,11 +1036,11 @@
 </file>
 
 <file path=ppt/notesSlides/notesSlide12.xml><?xml version="1.0" encoding="utf-8"?>
-<p:notes xmlns:a="http://schemas.openxmlformats.org/drawingml/2006/main" xmlns:r="http://schemas.openxmlformats.org/officeDocument/2006/relationships" xmlns:mc="http://schemas.openxmlformats.org/markup-compatibility/2006" xmlns:mv="urn:schemas-microsoft-com:mac:vml" xmlns:p="http://schemas.openxmlformats.org/presentationml/2006/main" xmlns:c="http://schemas.openxmlformats.org/drawingml/2006/chart" xmlns:dgm="http://schemas.openxmlformats.org/drawingml/2006/diagram" xmlns:o="urn:schemas-microsoft-com:office:office" xmlns:v="urn:schemas-microsoft-com:vml" xmlns:pvml="urn:schemas-microsoft-com:office:powerpoint" xmlns:com="http://schemas.openxmlformats.org/drawingml/2006/compatibility" xmlns:p14="http://schemas.microsoft.com/office/powerpoint/2010/main" xmlns:p15="http://schemas.microsoft.com/office/powerpoint/2012/main" xmlns:ahyp="http://schemas.microsoft.com/office/drawing/2018/hyperlinkcolor" showMasterPhAnim="0" showMasterSp="0">
+<p:notes xmlns:a="http://schemas.openxmlformats.org/drawingml/2006/main" xmlns:r="http://schemas.openxmlformats.org/officeDocument/2006/relationships" xmlns:p="http://schemas.openxmlformats.org/presentationml/2006/main" showMasterSp="0" showMasterPhAnim="0">
   <p:cSld>
     <p:spTree>
       <p:nvGrpSpPr>
-        <p:cNvPr id="143" name="Shape 143"/>
+        <p:cNvPr id="1" name="Shape 143"/>
         <p:cNvGrpSpPr/>
         <p:nvPr/>
       </p:nvGrpSpPr>
@@ -1025,9 +1055,11 @@
       <p:sp>
         <p:nvSpPr>
           <p:cNvPr id="144" name="Google Shape;144;g1111eeffdcd_1_8:notes"/>
-          <p:cNvSpPr/>
+          <p:cNvSpPr>
+            <a:spLocks noGrp="1" noRot="1" noChangeAspect="1"/>
+          </p:cNvSpPr>
           <p:nvPr>
-            <p:ph idx="2" type="sldImg"/>
+            <p:ph type="sldImg" idx="2"/>
           </p:nvPr>
         </p:nvSpPr>
         <p:spPr>
@@ -1036,9 +1068,13 @@
             <a:ext cx="6096000" cy="3429000"/>
           </a:xfrm>
           <a:custGeom>
-            <a:rect b="b" l="l" r="r" t="t"/>
+            <a:avLst/>
+            <a:gdLst/>
+            <a:ahLst/>
+            <a:cxnLst/>
+            <a:rect l="l" t="t" r="r" b="b"/>
             <a:pathLst>
-              <a:path extrusionOk="0" h="120000" w="120000">
+              <a:path w="120000" h="120000" extrusionOk="0">
                 <a:moveTo>
                   <a:pt x="0" y="0"/>
                 </a:moveTo>
@@ -1060,9 +1096,11 @@
       <p:sp>
         <p:nvSpPr>
           <p:cNvPr id="145" name="Google Shape;145;g1111eeffdcd_1_8:notes"/>
-          <p:cNvSpPr txBox="1"/>
+          <p:cNvSpPr txBox="1">
+            <a:spLocks noGrp="1"/>
+          </p:cNvSpPr>
           <p:nvPr>
-            <p:ph idx="1" type="body"/>
+            <p:ph type="body" idx="1"/>
           </p:nvPr>
         </p:nvSpPr>
         <p:spPr>
@@ -1075,12 +1113,12 @@
           </a:prstGeom>
         </p:spPr>
         <p:txBody>
-          <a:bodyPr anchorCtr="0" anchor="t" bIns="91425" lIns="91425" spcFirstLastPara="1" rIns="91425" wrap="square" tIns="91425">
+          <a:bodyPr spcFirstLastPara="1" wrap="square" lIns="91425" tIns="91425" rIns="91425" bIns="91425" anchor="t" anchorCtr="0">
             <a:noAutofit/>
           </a:bodyPr>
           <a:lstStyle/>
           <a:p>
-            <a:pPr indent="0" lvl="0" marL="0" rtl="0" algn="l">
+            <a:pPr marL="0" lvl="0" indent="0" algn="l" rtl="0">
               <a:spcBef>
                 <a:spcPts val="0"/>
               </a:spcBef>
@@ -1089,9 +1127,6 @@
               </a:spcAft>
               <a:buNone/>
             </a:pPr>
-            <a:r>
-              <a:t/>
-            </a:r>
             <a:endParaRPr/>
           </a:p>
         </p:txBody>
@@ -1105,11 +1140,11 @@
 </file>
 
 <file path=ppt/notesSlides/notesSlide13.xml><?xml version="1.0" encoding="utf-8"?>
-<p:notes xmlns:a="http://schemas.openxmlformats.org/drawingml/2006/main" xmlns:r="http://schemas.openxmlformats.org/officeDocument/2006/relationships" xmlns:mc="http://schemas.openxmlformats.org/markup-compatibility/2006" xmlns:mv="urn:schemas-microsoft-com:mac:vml" xmlns:p="http://schemas.openxmlformats.org/presentationml/2006/main" xmlns:c="http://schemas.openxmlformats.org/drawingml/2006/chart" xmlns:dgm="http://schemas.openxmlformats.org/drawingml/2006/diagram" xmlns:o="urn:schemas-microsoft-com:office:office" xmlns:v="urn:schemas-microsoft-com:vml" xmlns:pvml="urn:schemas-microsoft-com:office:powerpoint" xmlns:com="http://schemas.openxmlformats.org/drawingml/2006/compatibility" xmlns:p14="http://schemas.microsoft.com/office/powerpoint/2010/main" xmlns:p15="http://schemas.microsoft.com/office/powerpoint/2012/main" xmlns:ahyp="http://schemas.microsoft.com/office/drawing/2018/hyperlinkcolor" showMasterPhAnim="0" showMasterSp="0">
+<p:notes xmlns:a="http://schemas.openxmlformats.org/drawingml/2006/main" xmlns:r="http://schemas.openxmlformats.org/officeDocument/2006/relationships" xmlns:p="http://schemas.openxmlformats.org/presentationml/2006/main" showMasterSp="0" showMasterPhAnim="0">
   <p:cSld>
     <p:spTree>
       <p:nvGrpSpPr>
-        <p:cNvPr id="150" name="Shape 150"/>
+        <p:cNvPr id="1" name="Shape 150"/>
         <p:cNvGrpSpPr/>
         <p:nvPr/>
       </p:nvGrpSpPr>
@@ -1124,9 +1159,11 @@
       <p:sp>
         <p:nvSpPr>
           <p:cNvPr id="151" name="Google Shape;151;g1111eeffdcd_1_16:notes"/>
-          <p:cNvSpPr/>
+          <p:cNvSpPr>
+            <a:spLocks noGrp="1" noRot="1" noChangeAspect="1"/>
+          </p:cNvSpPr>
           <p:nvPr>
-            <p:ph idx="2" type="sldImg"/>
+            <p:ph type="sldImg" idx="2"/>
           </p:nvPr>
         </p:nvSpPr>
         <p:spPr>
@@ -1135,9 +1172,13 @@
             <a:ext cx="6096000" cy="3429000"/>
           </a:xfrm>
           <a:custGeom>
-            <a:rect b="b" l="l" r="r" t="t"/>
+            <a:avLst/>
+            <a:gdLst/>
+            <a:ahLst/>
+            <a:cxnLst/>
+            <a:rect l="l" t="t" r="r" b="b"/>
             <a:pathLst>
-              <a:path extrusionOk="0" h="120000" w="120000">
+              <a:path w="120000" h="120000" extrusionOk="0">
                 <a:moveTo>
                   <a:pt x="0" y="0"/>
                 </a:moveTo>
@@ -1159,9 +1200,11 @@
       <p:sp>
         <p:nvSpPr>
           <p:cNvPr id="152" name="Google Shape;152;g1111eeffdcd_1_16:notes"/>
-          <p:cNvSpPr txBox="1"/>
+          <p:cNvSpPr txBox="1">
+            <a:spLocks noGrp="1"/>
+          </p:cNvSpPr>
           <p:nvPr>
-            <p:ph idx="1" type="body"/>
+            <p:ph type="body" idx="1"/>
           </p:nvPr>
         </p:nvSpPr>
         <p:spPr>
@@ -1174,12 +1217,12 @@
           </a:prstGeom>
         </p:spPr>
         <p:txBody>
-          <a:bodyPr anchorCtr="0" anchor="t" bIns="91425" lIns="91425" spcFirstLastPara="1" rIns="91425" wrap="square" tIns="91425">
+          <a:bodyPr spcFirstLastPara="1" wrap="square" lIns="91425" tIns="91425" rIns="91425" bIns="91425" anchor="t" anchorCtr="0">
             <a:noAutofit/>
           </a:bodyPr>
           <a:lstStyle/>
           <a:p>
-            <a:pPr indent="0" lvl="0" marL="0" rtl="0" algn="l">
+            <a:pPr marL="0" lvl="0" indent="0" algn="l" rtl="0">
               <a:spcBef>
                 <a:spcPts val="0"/>
               </a:spcBef>
@@ -1188,9 +1231,6 @@
               </a:spcAft>
               <a:buNone/>
             </a:pPr>
-            <a:r>
-              <a:t/>
-            </a:r>
             <a:endParaRPr/>
           </a:p>
         </p:txBody>
@@ -1204,11 +1244,11 @@
 </file>
 
 <file path=ppt/notesSlides/notesSlide14.xml><?xml version="1.0" encoding="utf-8"?>
-<p:notes xmlns:a="http://schemas.openxmlformats.org/drawingml/2006/main" xmlns:r="http://schemas.openxmlformats.org/officeDocument/2006/relationships" xmlns:mc="http://schemas.openxmlformats.org/markup-compatibility/2006" xmlns:mv="urn:schemas-microsoft-com:mac:vml" xmlns:p="http://schemas.openxmlformats.org/presentationml/2006/main" xmlns:c="http://schemas.openxmlformats.org/drawingml/2006/chart" xmlns:dgm="http://schemas.openxmlformats.org/drawingml/2006/diagram" xmlns:o="urn:schemas-microsoft-com:office:office" xmlns:v="urn:schemas-microsoft-com:vml" xmlns:pvml="urn:schemas-microsoft-com:office:powerpoint" xmlns:com="http://schemas.openxmlformats.org/drawingml/2006/compatibility" xmlns:p14="http://schemas.microsoft.com/office/powerpoint/2010/main" xmlns:p15="http://schemas.microsoft.com/office/powerpoint/2012/main" xmlns:ahyp="http://schemas.microsoft.com/office/drawing/2018/hyperlinkcolor" showMasterPhAnim="0" showMasterSp="0">
+<p:notes xmlns:a="http://schemas.openxmlformats.org/drawingml/2006/main" xmlns:r="http://schemas.openxmlformats.org/officeDocument/2006/relationships" xmlns:p="http://schemas.openxmlformats.org/presentationml/2006/main" showMasterSp="0" showMasterPhAnim="0">
   <p:cSld>
     <p:spTree>
       <p:nvGrpSpPr>
-        <p:cNvPr id="171" name="Shape 171"/>
+        <p:cNvPr id="1" name="Shape 171"/>
         <p:cNvGrpSpPr/>
         <p:nvPr/>
       </p:nvGrpSpPr>
@@ -1223,9 +1263,11 @@
       <p:sp>
         <p:nvSpPr>
           <p:cNvPr id="172" name="Google Shape;172;g107d555c46c_0_11:notes"/>
-          <p:cNvSpPr/>
+          <p:cNvSpPr>
+            <a:spLocks noGrp="1" noRot="1" noChangeAspect="1"/>
+          </p:cNvSpPr>
           <p:nvPr>
-            <p:ph idx="2" type="sldImg"/>
+            <p:ph type="sldImg" idx="2"/>
           </p:nvPr>
         </p:nvSpPr>
         <p:spPr>
@@ -1234,9 +1276,13 @@
             <a:ext cx="6096000" cy="3429000"/>
           </a:xfrm>
           <a:custGeom>
-            <a:rect b="b" l="l" r="r" t="t"/>
+            <a:avLst/>
+            <a:gdLst/>
+            <a:ahLst/>
+            <a:cxnLst/>
+            <a:rect l="l" t="t" r="r" b="b"/>
             <a:pathLst>
-              <a:path extrusionOk="0" h="120000" w="120000">
+              <a:path w="120000" h="120000" extrusionOk="0">
                 <a:moveTo>
                   <a:pt x="0" y="0"/>
                 </a:moveTo>
@@ -1258,9 +1304,11 @@
       <p:sp>
         <p:nvSpPr>
           <p:cNvPr id="173" name="Google Shape;173;g107d555c46c_0_11:notes"/>
-          <p:cNvSpPr txBox="1"/>
+          <p:cNvSpPr txBox="1">
+            <a:spLocks noGrp="1"/>
+          </p:cNvSpPr>
           <p:nvPr>
-            <p:ph idx="1" type="body"/>
+            <p:ph type="body" idx="1"/>
           </p:nvPr>
         </p:nvSpPr>
         <p:spPr>
@@ -1273,12 +1321,12 @@
           </a:prstGeom>
         </p:spPr>
         <p:txBody>
-          <a:bodyPr anchorCtr="0" anchor="t" bIns="91425" lIns="91425" spcFirstLastPara="1" rIns="91425" wrap="square" tIns="91425">
+          <a:bodyPr spcFirstLastPara="1" wrap="square" lIns="91425" tIns="91425" rIns="91425" bIns="91425" anchor="t" anchorCtr="0">
             <a:noAutofit/>
           </a:bodyPr>
           <a:lstStyle/>
           <a:p>
-            <a:pPr indent="0" lvl="0" marL="0" rtl="0" algn="l">
+            <a:pPr marL="0" lvl="0" indent="0" algn="l" rtl="0">
               <a:spcBef>
                 <a:spcPts val="0"/>
               </a:spcBef>
@@ -1287,9 +1335,6 @@
               </a:spcAft>
               <a:buNone/>
             </a:pPr>
-            <a:r>
-              <a:t/>
-            </a:r>
             <a:endParaRPr/>
           </a:p>
         </p:txBody>
@@ -1303,11 +1348,11 @@
 </file>
 
 <file path=ppt/notesSlides/notesSlide2.xml><?xml version="1.0" encoding="utf-8"?>
-<p:notes xmlns:a="http://schemas.openxmlformats.org/drawingml/2006/main" xmlns:r="http://schemas.openxmlformats.org/officeDocument/2006/relationships" xmlns:mc="http://schemas.openxmlformats.org/markup-compatibility/2006" xmlns:mv="urn:schemas-microsoft-com:mac:vml" xmlns:p="http://schemas.openxmlformats.org/presentationml/2006/main" xmlns:c="http://schemas.openxmlformats.org/drawingml/2006/chart" xmlns:dgm="http://schemas.openxmlformats.org/drawingml/2006/diagram" xmlns:o="urn:schemas-microsoft-com:office:office" xmlns:v="urn:schemas-microsoft-com:vml" xmlns:pvml="urn:schemas-microsoft-com:office:powerpoint" xmlns:com="http://schemas.openxmlformats.org/drawingml/2006/compatibility" xmlns:p14="http://schemas.microsoft.com/office/powerpoint/2010/main" xmlns:p15="http://schemas.microsoft.com/office/powerpoint/2012/main" xmlns:ahyp="http://schemas.microsoft.com/office/drawing/2018/hyperlinkcolor" showMasterPhAnim="0" showMasterSp="0">
+<p:notes xmlns:a="http://schemas.openxmlformats.org/drawingml/2006/main" xmlns:r="http://schemas.openxmlformats.org/officeDocument/2006/relationships" xmlns:p="http://schemas.openxmlformats.org/presentationml/2006/main" showMasterSp="0" showMasterPhAnim="0">
   <p:cSld>
     <p:spTree>
       <p:nvGrpSpPr>
-        <p:cNvPr id="62" name="Shape 62"/>
+        <p:cNvPr id="1" name="Shape 62"/>
         <p:cNvGrpSpPr/>
         <p:nvPr/>
       </p:nvGrpSpPr>
@@ -1322,9 +1367,11 @@
       <p:sp>
         <p:nvSpPr>
           <p:cNvPr id="63" name="Google Shape;63;g106609bcf6f_0_47:notes"/>
-          <p:cNvSpPr/>
+          <p:cNvSpPr>
+            <a:spLocks noGrp="1" noRot="1" noChangeAspect="1"/>
+          </p:cNvSpPr>
           <p:nvPr>
-            <p:ph idx="2" type="sldImg"/>
+            <p:ph type="sldImg" idx="2"/>
           </p:nvPr>
         </p:nvSpPr>
         <p:spPr>
@@ -1333,9 +1380,13 @@
             <a:ext cx="6096000" cy="3429000"/>
           </a:xfrm>
           <a:custGeom>
-            <a:rect b="b" l="l" r="r" t="t"/>
+            <a:avLst/>
+            <a:gdLst/>
+            <a:ahLst/>
+            <a:cxnLst/>
+            <a:rect l="l" t="t" r="r" b="b"/>
             <a:pathLst>
-              <a:path extrusionOk="0" h="120000" w="120000">
+              <a:path w="120000" h="120000" extrusionOk="0">
                 <a:moveTo>
                   <a:pt x="0" y="0"/>
                 </a:moveTo>
@@ -1357,9 +1408,11 @@
       <p:sp>
         <p:nvSpPr>
           <p:cNvPr id="64" name="Google Shape;64;g106609bcf6f_0_47:notes"/>
-          <p:cNvSpPr txBox="1"/>
+          <p:cNvSpPr txBox="1">
+            <a:spLocks noGrp="1"/>
+          </p:cNvSpPr>
           <p:nvPr>
-            <p:ph idx="1" type="body"/>
+            <p:ph type="body" idx="1"/>
           </p:nvPr>
         </p:nvSpPr>
         <p:spPr>
@@ -1372,12 +1425,12 @@
           </a:prstGeom>
         </p:spPr>
         <p:txBody>
-          <a:bodyPr anchorCtr="0" anchor="t" bIns="91425" lIns="91425" spcFirstLastPara="1" rIns="91425" wrap="square" tIns="91425">
+          <a:bodyPr spcFirstLastPara="1" wrap="square" lIns="91425" tIns="91425" rIns="91425" bIns="91425" anchor="t" anchorCtr="0">
             <a:noAutofit/>
           </a:bodyPr>
           <a:lstStyle/>
           <a:p>
-            <a:pPr indent="0" lvl="0" marL="0" rtl="0" algn="l">
+            <a:pPr marL="0" lvl="0" indent="0" algn="l" rtl="0">
               <a:spcBef>
                 <a:spcPts val="0"/>
               </a:spcBef>
@@ -1386,9 +1439,6 @@
               </a:spcAft>
               <a:buNone/>
             </a:pPr>
-            <a:r>
-              <a:t/>
-            </a:r>
             <a:endParaRPr/>
           </a:p>
         </p:txBody>
@@ -1402,11 +1452,11 @@
 </file>
 
 <file path=ppt/notesSlides/notesSlide3.xml><?xml version="1.0" encoding="utf-8"?>
-<p:notes xmlns:a="http://schemas.openxmlformats.org/drawingml/2006/main" xmlns:r="http://schemas.openxmlformats.org/officeDocument/2006/relationships" xmlns:mc="http://schemas.openxmlformats.org/markup-compatibility/2006" xmlns:mv="urn:schemas-microsoft-com:mac:vml" xmlns:p="http://schemas.openxmlformats.org/presentationml/2006/main" xmlns:c="http://schemas.openxmlformats.org/drawingml/2006/chart" xmlns:dgm="http://schemas.openxmlformats.org/drawingml/2006/diagram" xmlns:o="urn:schemas-microsoft-com:office:office" xmlns:v="urn:schemas-microsoft-com:vml" xmlns:pvml="urn:schemas-microsoft-com:office:powerpoint" xmlns:com="http://schemas.openxmlformats.org/drawingml/2006/compatibility" xmlns:p14="http://schemas.microsoft.com/office/powerpoint/2010/main" xmlns:p15="http://schemas.microsoft.com/office/powerpoint/2012/main" xmlns:ahyp="http://schemas.microsoft.com/office/drawing/2018/hyperlinkcolor" showMasterPhAnim="0" showMasterSp="0">
+<p:notes xmlns:a="http://schemas.openxmlformats.org/drawingml/2006/main" xmlns:r="http://schemas.openxmlformats.org/officeDocument/2006/relationships" xmlns:p="http://schemas.openxmlformats.org/presentationml/2006/main" showMasterSp="0" showMasterPhAnim="0">
   <p:cSld>
     <p:spTree>
       <p:nvGrpSpPr>
-        <p:cNvPr id="71" name="Shape 71"/>
+        <p:cNvPr id="1" name="Shape 71"/>
         <p:cNvGrpSpPr/>
         <p:nvPr/>
       </p:nvGrpSpPr>
@@ -1421,9 +1471,11 @@
       <p:sp>
         <p:nvSpPr>
           <p:cNvPr id="72" name="Google Shape;72;g106609bcf6f_0_898:notes"/>
-          <p:cNvSpPr/>
+          <p:cNvSpPr>
+            <a:spLocks noGrp="1" noRot="1" noChangeAspect="1"/>
+          </p:cNvSpPr>
           <p:nvPr>
-            <p:ph idx="2" type="sldImg"/>
+            <p:ph type="sldImg" idx="2"/>
           </p:nvPr>
         </p:nvSpPr>
         <p:spPr>
@@ -1432,9 +1484,13 @@
             <a:ext cx="6096000" cy="3429000"/>
           </a:xfrm>
           <a:custGeom>
-            <a:rect b="b" l="l" r="r" t="t"/>
+            <a:avLst/>
+            <a:gdLst/>
+            <a:ahLst/>
+            <a:cxnLst/>
+            <a:rect l="l" t="t" r="r" b="b"/>
             <a:pathLst>
-              <a:path extrusionOk="0" h="120000" w="120000">
+              <a:path w="120000" h="120000" extrusionOk="0">
                 <a:moveTo>
                   <a:pt x="0" y="0"/>
                 </a:moveTo>
@@ -1456,9 +1512,11 @@
       <p:sp>
         <p:nvSpPr>
           <p:cNvPr id="73" name="Google Shape;73;g106609bcf6f_0_898:notes"/>
-          <p:cNvSpPr txBox="1"/>
+          <p:cNvSpPr txBox="1">
+            <a:spLocks noGrp="1"/>
+          </p:cNvSpPr>
           <p:nvPr>
-            <p:ph idx="1" type="body"/>
+            <p:ph type="body" idx="1"/>
           </p:nvPr>
         </p:nvSpPr>
         <p:spPr>
@@ -1471,12 +1529,12 @@
           </a:prstGeom>
         </p:spPr>
         <p:txBody>
-          <a:bodyPr anchorCtr="0" anchor="t" bIns="91425" lIns="91425" spcFirstLastPara="1" rIns="91425" wrap="square" tIns="91425">
+          <a:bodyPr spcFirstLastPara="1" wrap="square" lIns="91425" tIns="91425" rIns="91425" bIns="91425" anchor="t" anchorCtr="0">
             <a:noAutofit/>
           </a:bodyPr>
           <a:lstStyle/>
           <a:p>
-            <a:pPr indent="0" lvl="0" marL="0" rtl="0" algn="l">
+            <a:pPr marL="0" lvl="0" indent="0" algn="l" rtl="0">
               <a:spcBef>
                 <a:spcPts val="0"/>
               </a:spcBef>
@@ -1485,9 +1543,6 @@
               </a:spcAft>
               <a:buNone/>
             </a:pPr>
-            <a:r>
-              <a:t/>
-            </a:r>
             <a:endParaRPr/>
           </a:p>
         </p:txBody>
@@ -1501,11 +1556,11 @@
 </file>
 
 <file path=ppt/notesSlides/notesSlide4.xml><?xml version="1.0" encoding="utf-8"?>
-<p:notes xmlns:a="http://schemas.openxmlformats.org/drawingml/2006/main" xmlns:r="http://schemas.openxmlformats.org/officeDocument/2006/relationships" xmlns:mc="http://schemas.openxmlformats.org/markup-compatibility/2006" xmlns:mv="urn:schemas-microsoft-com:mac:vml" xmlns:p="http://schemas.openxmlformats.org/presentationml/2006/main" xmlns:c="http://schemas.openxmlformats.org/drawingml/2006/chart" xmlns:dgm="http://schemas.openxmlformats.org/drawingml/2006/diagram" xmlns:o="urn:schemas-microsoft-com:office:office" xmlns:v="urn:schemas-microsoft-com:vml" xmlns:pvml="urn:schemas-microsoft-com:office:powerpoint" xmlns:com="http://schemas.openxmlformats.org/drawingml/2006/compatibility" xmlns:p14="http://schemas.microsoft.com/office/powerpoint/2010/main" xmlns:p15="http://schemas.microsoft.com/office/powerpoint/2012/main" xmlns:ahyp="http://schemas.microsoft.com/office/drawing/2018/hyperlinkcolor" showMasterPhAnim="0" showMasterSp="0">
+<p:notes xmlns:a="http://schemas.openxmlformats.org/drawingml/2006/main" xmlns:r="http://schemas.openxmlformats.org/officeDocument/2006/relationships" xmlns:p="http://schemas.openxmlformats.org/presentationml/2006/main" showMasterSp="0" showMasterPhAnim="0">
   <p:cSld>
     <p:spTree>
       <p:nvGrpSpPr>
-        <p:cNvPr id="79" name="Shape 79"/>
+        <p:cNvPr id="1" name="Shape 79"/>
         <p:cNvGrpSpPr/>
         <p:nvPr/>
       </p:nvGrpSpPr>
@@ -1520,9 +1575,11 @@
       <p:sp>
         <p:nvSpPr>
           <p:cNvPr id="80" name="Google Shape;80;g106609bcf6f_0_924:notes"/>
-          <p:cNvSpPr/>
+          <p:cNvSpPr>
+            <a:spLocks noGrp="1" noRot="1" noChangeAspect="1"/>
+          </p:cNvSpPr>
           <p:nvPr>
-            <p:ph idx="2" type="sldImg"/>
+            <p:ph type="sldImg" idx="2"/>
           </p:nvPr>
         </p:nvSpPr>
         <p:spPr>
@@ -1531,9 +1588,13 @@
             <a:ext cx="6096000" cy="3429000"/>
           </a:xfrm>
           <a:custGeom>
-            <a:rect b="b" l="l" r="r" t="t"/>
+            <a:avLst/>
+            <a:gdLst/>
+            <a:ahLst/>
+            <a:cxnLst/>
+            <a:rect l="l" t="t" r="r" b="b"/>
             <a:pathLst>
-              <a:path extrusionOk="0" h="120000" w="120000">
+              <a:path w="120000" h="120000" extrusionOk="0">
                 <a:moveTo>
                   <a:pt x="0" y="0"/>
                 </a:moveTo>
@@ -1555,9 +1616,11 @@
       <p:sp>
         <p:nvSpPr>
           <p:cNvPr id="81" name="Google Shape;81;g106609bcf6f_0_924:notes"/>
-          <p:cNvSpPr txBox="1"/>
+          <p:cNvSpPr txBox="1">
+            <a:spLocks noGrp="1"/>
+          </p:cNvSpPr>
           <p:nvPr>
-            <p:ph idx="1" type="body"/>
+            <p:ph type="body" idx="1"/>
           </p:nvPr>
         </p:nvSpPr>
         <p:spPr>
@@ -1570,12 +1633,12 @@
           </a:prstGeom>
         </p:spPr>
         <p:txBody>
-          <a:bodyPr anchorCtr="0" anchor="t" bIns="91425" lIns="91425" spcFirstLastPara="1" rIns="91425" wrap="square" tIns="91425">
+          <a:bodyPr spcFirstLastPara="1" wrap="square" lIns="91425" tIns="91425" rIns="91425" bIns="91425" anchor="t" anchorCtr="0">
             <a:noAutofit/>
           </a:bodyPr>
           <a:lstStyle/>
           <a:p>
-            <a:pPr indent="0" lvl="0" marL="0" rtl="0" algn="l">
+            <a:pPr marL="0" lvl="0" indent="0" algn="l" rtl="0">
               <a:spcBef>
                 <a:spcPts val="0"/>
               </a:spcBef>
@@ -1584,9 +1647,6 @@
               </a:spcAft>
               <a:buNone/>
             </a:pPr>
-            <a:r>
-              <a:t/>
-            </a:r>
             <a:endParaRPr/>
           </a:p>
         </p:txBody>
@@ -1600,11 +1660,11 @@
 </file>
 
 <file path=ppt/notesSlides/notesSlide5.xml><?xml version="1.0" encoding="utf-8"?>
-<p:notes xmlns:a="http://schemas.openxmlformats.org/drawingml/2006/main" xmlns:r="http://schemas.openxmlformats.org/officeDocument/2006/relationships" xmlns:mc="http://schemas.openxmlformats.org/markup-compatibility/2006" xmlns:mv="urn:schemas-microsoft-com:mac:vml" xmlns:p="http://schemas.openxmlformats.org/presentationml/2006/main" xmlns:c="http://schemas.openxmlformats.org/drawingml/2006/chart" xmlns:dgm="http://schemas.openxmlformats.org/drawingml/2006/diagram" xmlns:o="urn:schemas-microsoft-com:office:office" xmlns:v="urn:schemas-microsoft-com:vml" xmlns:pvml="urn:schemas-microsoft-com:office:powerpoint" xmlns:com="http://schemas.openxmlformats.org/drawingml/2006/compatibility" xmlns:p14="http://schemas.microsoft.com/office/powerpoint/2010/main" xmlns:p15="http://schemas.microsoft.com/office/powerpoint/2012/main" xmlns:ahyp="http://schemas.microsoft.com/office/drawing/2018/hyperlinkcolor" showMasterPhAnim="0" showMasterSp="0">
+<p:notes xmlns:a="http://schemas.openxmlformats.org/drawingml/2006/main" xmlns:r="http://schemas.openxmlformats.org/officeDocument/2006/relationships" xmlns:p="http://schemas.openxmlformats.org/presentationml/2006/main" showMasterSp="0" showMasterPhAnim="0">
   <p:cSld>
     <p:spTree>
       <p:nvGrpSpPr>
-        <p:cNvPr id="87" name="Shape 87"/>
+        <p:cNvPr id="1" name="Shape 87"/>
         <p:cNvGrpSpPr/>
         <p:nvPr/>
       </p:nvGrpSpPr>
@@ -1619,9 +1679,11 @@
       <p:sp>
         <p:nvSpPr>
           <p:cNvPr id="88" name="Google Shape;88;g107d555c46c_0_0:notes"/>
-          <p:cNvSpPr/>
+          <p:cNvSpPr>
+            <a:spLocks noGrp="1" noRot="1" noChangeAspect="1"/>
+          </p:cNvSpPr>
           <p:nvPr>
-            <p:ph idx="2" type="sldImg"/>
+            <p:ph type="sldImg" idx="2"/>
           </p:nvPr>
         </p:nvSpPr>
         <p:spPr>
@@ -1630,9 +1692,13 @@
             <a:ext cx="6096000" cy="3429000"/>
           </a:xfrm>
           <a:custGeom>
-            <a:rect b="b" l="l" r="r" t="t"/>
+            <a:avLst/>
+            <a:gdLst/>
+            <a:ahLst/>
+            <a:cxnLst/>
+            <a:rect l="l" t="t" r="r" b="b"/>
             <a:pathLst>
-              <a:path extrusionOk="0" h="120000" w="120000">
+              <a:path w="120000" h="120000" extrusionOk="0">
                 <a:moveTo>
                   <a:pt x="0" y="0"/>
                 </a:moveTo>
@@ -1654,9 +1720,11 @@
       <p:sp>
         <p:nvSpPr>
           <p:cNvPr id="89" name="Google Shape;89;g107d555c46c_0_0:notes"/>
-          <p:cNvSpPr txBox="1"/>
+          <p:cNvSpPr txBox="1">
+            <a:spLocks noGrp="1"/>
+          </p:cNvSpPr>
           <p:nvPr>
-            <p:ph idx="1" type="body"/>
+            <p:ph type="body" idx="1"/>
           </p:nvPr>
         </p:nvSpPr>
         <p:spPr>
@@ -1669,12 +1737,12 @@
           </a:prstGeom>
         </p:spPr>
         <p:txBody>
-          <a:bodyPr anchorCtr="0" anchor="t" bIns="91425" lIns="91425" spcFirstLastPara="1" rIns="91425" wrap="square" tIns="91425">
+          <a:bodyPr spcFirstLastPara="1" wrap="square" lIns="91425" tIns="91425" rIns="91425" bIns="91425" anchor="t" anchorCtr="0">
             <a:noAutofit/>
           </a:bodyPr>
           <a:lstStyle/>
           <a:p>
-            <a:pPr indent="0" lvl="0" marL="0" rtl="0" algn="l">
+            <a:pPr marL="0" lvl="0" indent="0" algn="l" rtl="0">
               <a:spcBef>
                 <a:spcPts val="0"/>
               </a:spcBef>
@@ -1683,9 +1751,6 @@
               </a:spcAft>
               <a:buNone/>
             </a:pPr>
-            <a:r>
-              <a:t/>
-            </a:r>
             <a:endParaRPr/>
           </a:p>
         </p:txBody>
@@ -1699,11 +1764,11 @@
 </file>
 
 <file path=ppt/notesSlides/notesSlide6.xml><?xml version="1.0" encoding="utf-8"?>
-<p:notes xmlns:a="http://schemas.openxmlformats.org/drawingml/2006/main" xmlns:r="http://schemas.openxmlformats.org/officeDocument/2006/relationships" xmlns:mc="http://schemas.openxmlformats.org/markup-compatibility/2006" xmlns:mv="urn:schemas-microsoft-com:mac:vml" xmlns:p="http://schemas.openxmlformats.org/presentationml/2006/main" xmlns:c="http://schemas.openxmlformats.org/drawingml/2006/chart" xmlns:dgm="http://schemas.openxmlformats.org/drawingml/2006/diagram" xmlns:o="urn:schemas-microsoft-com:office:office" xmlns:v="urn:schemas-microsoft-com:vml" xmlns:pvml="urn:schemas-microsoft-com:office:powerpoint" xmlns:com="http://schemas.openxmlformats.org/drawingml/2006/compatibility" xmlns:p14="http://schemas.microsoft.com/office/powerpoint/2010/main" xmlns:p15="http://schemas.microsoft.com/office/powerpoint/2012/main" xmlns:ahyp="http://schemas.microsoft.com/office/drawing/2018/hyperlinkcolor" showMasterPhAnim="0" showMasterSp="0">
+<p:notes xmlns:a="http://schemas.openxmlformats.org/drawingml/2006/main" xmlns:r="http://schemas.openxmlformats.org/officeDocument/2006/relationships" xmlns:p="http://schemas.openxmlformats.org/presentationml/2006/main" showMasterSp="0" showMasterPhAnim="0">
   <p:cSld>
     <p:spTree>
       <p:nvGrpSpPr>
-        <p:cNvPr id="96" name="Shape 96"/>
+        <p:cNvPr id="1" name="Shape 96"/>
         <p:cNvGrpSpPr/>
         <p:nvPr/>
       </p:nvGrpSpPr>
@@ -1718,9 +1783,11 @@
       <p:sp>
         <p:nvSpPr>
           <p:cNvPr id="97" name="Google Shape;97;g106d0d4de67_0_5:notes"/>
-          <p:cNvSpPr/>
+          <p:cNvSpPr>
+            <a:spLocks noGrp="1" noRot="1" noChangeAspect="1"/>
+          </p:cNvSpPr>
           <p:nvPr>
-            <p:ph idx="2" type="sldImg"/>
+            <p:ph type="sldImg" idx="2"/>
           </p:nvPr>
         </p:nvSpPr>
         <p:spPr>
@@ -1729,9 +1796,13 @@
             <a:ext cx="6096000" cy="3429000"/>
           </a:xfrm>
           <a:custGeom>
-            <a:rect b="b" l="l" r="r" t="t"/>
+            <a:avLst/>
+            <a:gdLst/>
+            <a:ahLst/>
+            <a:cxnLst/>
+            <a:rect l="l" t="t" r="r" b="b"/>
             <a:pathLst>
-              <a:path extrusionOk="0" h="120000" w="120000">
+              <a:path w="120000" h="120000" extrusionOk="0">
                 <a:moveTo>
                   <a:pt x="0" y="0"/>
                 </a:moveTo>
@@ -1753,9 +1824,11 @@
       <p:sp>
         <p:nvSpPr>
           <p:cNvPr id="98" name="Google Shape;98;g106d0d4de67_0_5:notes"/>
-          <p:cNvSpPr txBox="1"/>
+          <p:cNvSpPr txBox="1">
+            <a:spLocks noGrp="1"/>
+          </p:cNvSpPr>
           <p:nvPr>
-            <p:ph idx="1" type="body"/>
+            <p:ph type="body" idx="1"/>
           </p:nvPr>
         </p:nvSpPr>
         <p:spPr>
@@ -1768,12 +1841,12 @@
           </a:prstGeom>
         </p:spPr>
         <p:txBody>
-          <a:bodyPr anchorCtr="0" anchor="t" bIns="91425" lIns="91425" spcFirstLastPara="1" rIns="91425" wrap="square" tIns="91425">
+          <a:bodyPr spcFirstLastPara="1" wrap="square" lIns="91425" tIns="91425" rIns="91425" bIns="91425" anchor="t" anchorCtr="0">
             <a:noAutofit/>
           </a:bodyPr>
           <a:lstStyle/>
           <a:p>
-            <a:pPr indent="0" lvl="0" marL="0" rtl="0" algn="l">
+            <a:pPr marL="0" lvl="0" indent="0" algn="l" rtl="0">
               <a:spcBef>
                 <a:spcPts val="0"/>
               </a:spcBef>
@@ -1782,9 +1855,6 @@
               </a:spcAft>
               <a:buNone/>
             </a:pPr>
-            <a:r>
-              <a:t/>
-            </a:r>
             <a:endParaRPr/>
           </a:p>
         </p:txBody>
@@ -1798,11 +1868,11 @@
 </file>
 
 <file path=ppt/notesSlides/notesSlide7.xml><?xml version="1.0" encoding="utf-8"?>
-<p:notes xmlns:a="http://schemas.openxmlformats.org/drawingml/2006/main" xmlns:r="http://schemas.openxmlformats.org/officeDocument/2006/relationships" xmlns:mc="http://schemas.openxmlformats.org/markup-compatibility/2006" xmlns:mv="urn:schemas-microsoft-com:mac:vml" xmlns:p="http://schemas.openxmlformats.org/presentationml/2006/main" xmlns:c="http://schemas.openxmlformats.org/drawingml/2006/chart" xmlns:dgm="http://schemas.openxmlformats.org/drawingml/2006/diagram" xmlns:o="urn:schemas-microsoft-com:office:office" xmlns:v="urn:schemas-microsoft-com:vml" xmlns:pvml="urn:schemas-microsoft-com:office:powerpoint" xmlns:com="http://schemas.openxmlformats.org/drawingml/2006/compatibility" xmlns:p14="http://schemas.microsoft.com/office/powerpoint/2010/main" xmlns:p15="http://schemas.microsoft.com/office/powerpoint/2012/main" xmlns:ahyp="http://schemas.microsoft.com/office/drawing/2018/hyperlinkcolor" showMasterPhAnim="0" showMasterSp="0">
+<p:notes xmlns:a="http://schemas.openxmlformats.org/drawingml/2006/main" xmlns:r="http://schemas.openxmlformats.org/officeDocument/2006/relationships" xmlns:p="http://schemas.openxmlformats.org/presentationml/2006/main" showMasterSp="0" showMasterPhAnim="0">
   <p:cSld>
     <p:spTree>
       <p:nvGrpSpPr>
-        <p:cNvPr id="103" name="Shape 103"/>
+        <p:cNvPr id="1" name="Shape 103"/>
         <p:cNvGrpSpPr/>
         <p:nvPr/>
       </p:nvGrpSpPr>
@@ -1817,9 +1887,11 @@
       <p:sp>
         <p:nvSpPr>
           <p:cNvPr id="104" name="Google Shape;104;g106d0d4de67_0_0:notes"/>
-          <p:cNvSpPr/>
+          <p:cNvSpPr>
+            <a:spLocks noGrp="1" noRot="1" noChangeAspect="1"/>
+          </p:cNvSpPr>
           <p:nvPr>
-            <p:ph idx="2" type="sldImg"/>
+            <p:ph type="sldImg" idx="2"/>
           </p:nvPr>
         </p:nvSpPr>
         <p:spPr>
@@ -1828,9 +1900,13 @@
             <a:ext cx="6096000" cy="3429000"/>
           </a:xfrm>
           <a:custGeom>
-            <a:rect b="b" l="l" r="r" t="t"/>
+            <a:avLst/>
+            <a:gdLst/>
+            <a:ahLst/>
+            <a:cxnLst/>
+            <a:rect l="l" t="t" r="r" b="b"/>
             <a:pathLst>
-              <a:path extrusionOk="0" h="120000" w="120000">
+              <a:path w="120000" h="120000" extrusionOk="0">
                 <a:moveTo>
                   <a:pt x="0" y="0"/>
                 </a:moveTo>
@@ -1852,9 +1928,11 @@
       <p:sp>
         <p:nvSpPr>
           <p:cNvPr id="105" name="Google Shape;105;g106d0d4de67_0_0:notes"/>
-          <p:cNvSpPr txBox="1"/>
+          <p:cNvSpPr txBox="1">
+            <a:spLocks noGrp="1"/>
+          </p:cNvSpPr>
           <p:nvPr>
-            <p:ph idx="1" type="body"/>
+            <p:ph type="body" idx="1"/>
           </p:nvPr>
         </p:nvSpPr>
         <p:spPr>
@@ -1867,12 +1945,12 @@
           </a:prstGeom>
         </p:spPr>
         <p:txBody>
-          <a:bodyPr anchorCtr="0" anchor="t" bIns="91425" lIns="91425" spcFirstLastPara="1" rIns="91425" wrap="square" tIns="91425">
+          <a:bodyPr spcFirstLastPara="1" wrap="square" lIns="91425" tIns="91425" rIns="91425" bIns="91425" anchor="t" anchorCtr="0">
             <a:noAutofit/>
           </a:bodyPr>
           <a:lstStyle/>
           <a:p>
-            <a:pPr indent="0" lvl="0" marL="0" rtl="0" algn="l">
+            <a:pPr marL="0" lvl="0" indent="0" algn="l" rtl="0">
               <a:spcBef>
                 <a:spcPts val="0"/>
               </a:spcBef>
@@ -1881,9 +1959,6 @@
               </a:spcAft>
               <a:buNone/>
             </a:pPr>
-            <a:r>
-              <a:t/>
-            </a:r>
             <a:endParaRPr/>
           </a:p>
         </p:txBody>
@@ -1897,11 +1972,11 @@
 </file>
 
 <file path=ppt/notesSlides/notesSlide8.xml><?xml version="1.0" encoding="utf-8"?>
-<p:notes xmlns:a="http://schemas.openxmlformats.org/drawingml/2006/main" xmlns:r="http://schemas.openxmlformats.org/officeDocument/2006/relationships" xmlns:mc="http://schemas.openxmlformats.org/markup-compatibility/2006" xmlns:mv="urn:schemas-microsoft-com:mac:vml" xmlns:p="http://schemas.openxmlformats.org/presentationml/2006/main" xmlns:c="http://schemas.openxmlformats.org/drawingml/2006/chart" xmlns:dgm="http://schemas.openxmlformats.org/drawingml/2006/diagram" xmlns:o="urn:schemas-microsoft-com:office:office" xmlns:v="urn:schemas-microsoft-com:vml" xmlns:pvml="urn:schemas-microsoft-com:office:powerpoint" xmlns:com="http://schemas.openxmlformats.org/drawingml/2006/compatibility" xmlns:p14="http://schemas.microsoft.com/office/powerpoint/2010/main" xmlns:p15="http://schemas.microsoft.com/office/powerpoint/2012/main" xmlns:ahyp="http://schemas.microsoft.com/office/drawing/2018/hyperlinkcolor" showMasterPhAnim="0" showMasterSp="0">
+<p:notes xmlns:a="http://schemas.openxmlformats.org/drawingml/2006/main" xmlns:r="http://schemas.openxmlformats.org/officeDocument/2006/relationships" xmlns:p="http://schemas.openxmlformats.org/presentationml/2006/main" showMasterSp="0" showMasterPhAnim="0">
   <p:cSld>
     <p:spTree>
       <p:nvGrpSpPr>
-        <p:cNvPr id="111" name="Shape 111"/>
+        <p:cNvPr id="1" name="Shape 111"/>
         <p:cNvGrpSpPr/>
         <p:nvPr/>
       </p:nvGrpSpPr>
@@ -1916,9 +1991,11 @@
       <p:sp>
         <p:nvSpPr>
           <p:cNvPr id="112" name="Google Shape;112;g1111eeffdcd_0_2:notes"/>
-          <p:cNvSpPr/>
+          <p:cNvSpPr>
+            <a:spLocks noGrp="1" noRot="1" noChangeAspect="1"/>
+          </p:cNvSpPr>
           <p:nvPr>
-            <p:ph idx="2" type="sldImg"/>
+            <p:ph type="sldImg" idx="2"/>
           </p:nvPr>
         </p:nvSpPr>
         <p:spPr>
@@ -1927,9 +2004,13 @@
             <a:ext cx="6096000" cy="3429000"/>
           </a:xfrm>
           <a:custGeom>
-            <a:rect b="b" l="l" r="r" t="t"/>
+            <a:avLst/>
+            <a:gdLst/>
+            <a:ahLst/>
+            <a:cxnLst/>
+            <a:rect l="l" t="t" r="r" b="b"/>
             <a:pathLst>
-              <a:path extrusionOk="0" h="120000" w="120000">
+              <a:path w="120000" h="120000" extrusionOk="0">
                 <a:moveTo>
                   <a:pt x="0" y="0"/>
                 </a:moveTo>
@@ -1951,9 +2032,11 @@
       <p:sp>
         <p:nvSpPr>
           <p:cNvPr id="113" name="Google Shape;113;g1111eeffdcd_0_2:notes"/>
-          <p:cNvSpPr txBox="1"/>
+          <p:cNvSpPr txBox="1">
+            <a:spLocks noGrp="1"/>
+          </p:cNvSpPr>
           <p:nvPr>
-            <p:ph idx="1" type="body"/>
+            <p:ph type="body" idx="1"/>
           </p:nvPr>
         </p:nvSpPr>
         <p:spPr>
@@ -1966,12 +2049,12 @@
           </a:prstGeom>
         </p:spPr>
         <p:txBody>
-          <a:bodyPr anchorCtr="0" anchor="t" bIns="91425" lIns="91425" spcFirstLastPara="1" rIns="91425" wrap="square" tIns="91425">
+          <a:bodyPr spcFirstLastPara="1" wrap="square" lIns="91425" tIns="91425" rIns="91425" bIns="91425" anchor="t" anchorCtr="0">
             <a:noAutofit/>
           </a:bodyPr>
           <a:lstStyle/>
           <a:p>
-            <a:pPr indent="0" lvl="0" marL="0" rtl="0" algn="l">
+            <a:pPr marL="0" lvl="0" indent="0" algn="l" rtl="0">
               <a:spcBef>
                 <a:spcPts val="0"/>
               </a:spcBef>
@@ -1980,9 +2063,6 @@
               </a:spcAft>
               <a:buNone/>
             </a:pPr>
-            <a:r>
-              <a:t/>
-            </a:r>
             <a:endParaRPr/>
           </a:p>
         </p:txBody>
@@ -1996,11 +2076,11 @@
 </file>
 
 <file path=ppt/notesSlides/notesSlide9.xml><?xml version="1.0" encoding="utf-8"?>
-<p:notes xmlns:a="http://schemas.openxmlformats.org/drawingml/2006/main" xmlns:r="http://schemas.openxmlformats.org/officeDocument/2006/relationships" xmlns:mc="http://schemas.openxmlformats.org/markup-compatibility/2006" xmlns:mv="urn:schemas-microsoft-com:mac:vml" xmlns:p="http://schemas.openxmlformats.org/presentationml/2006/main" xmlns:c="http://schemas.openxmlformats.org/drawingml/2006/chart" xmlns:dgm="http://schemas.openxmlformats.org/drawingml/2006/diagram" xmlns:o="urn:schemas-microsoft-com:office:office" xmlns:v="urn:schemas-microsoft-com:vml" xmlns:pvml="urn:schemas-microsoft-com:office:powerpoint" xmlns:com="http://schemas.openxmlformats.org/drawingml/2006/compatibility" xmlns:p14="http://schemas.microsoft.com/office/powerpoint/2010/main" xmlns:p15="http://schemas.microsoft.com/office/powerpoint/2012/main" xmlns:ahyp="http://schemas.microsoft.com/office/drawing/2018/hyperlinkcolor" showMasterPhAnim="0" showMasterSp="0">
+<p:notes xmlns:a="http://schemas.openxmlformats.org/drawingml/2006/main" xmlns:r="http://schemas.openxmlformats.org/officeDocument/2006/relationships" xmlns:p="http://schemas.openxmlformats.org/presentationml/2006/main" showMasterSp="0" showMasterPhAnim="0">
   <p:cSld>
     <p:spTree>
       <p:nvGrpSpPr>
-        <p:cNvPr id="119" name="Shape 119"/>
+        <p:cNvPr id="1" name="Shape 119"/>
         <p:cNvGrpSpPr/>
         <p:nvPr/>
       </p:nvGrpSpPr>
@@ -2015,9 +2095,11 @@
       <p:sp>
         <p:nvSpPr>
           <p:cNvPr id="120" name="Google Shape;120;g107d555c46c_0_16:notes"/>
-          <p:cNvSpPr/>
+          <p:cNvSpPr>
+            <a:spLocks noGrp="1" noRot="1" noChangeAspect="1"/>
+          </p:cNvSpPr>
           <p:nvPr>
-            <p:ph idx="2" type="sldImg"/>
+            <p:ph type="sldImg" idx="2"/>
           </p:nvPr>
         </p:nvSpPr>
         <p:spPr>
@@ -2026,9 +2108,13 @@
             <a:ext cx="6096000" cy="3429000"/>
           </a:xfrm>
           <a:custGeom>
-            <a:rect b="b" l="l" r="r" t="t"/>
+            <a:avLst/>
+            <a:gdLst/>
+            <a:ahLst/>
+            <a:cxnLst/>
+            <a:rect l="l" t="t" r="r" b="b"/>
             <a:pathLst>
-              <a:path extrusionOk="0" h="120000" w="120000">
+              <a:path w="120000" h="120000" extrusionOk="0">
                 <a:moveTo>
                   <a:pt x="0" y="0"/>
                 </a:moveTo>
@@ -2050,9 +2136,11 @@
       <p:sp>
         <p:nvSpPr>
           <p:cNvPr id="121" name="Google Shape;121;g107d555c46c_0_16:notes"/>
-          <p:cNvSpPr txBox="1"/>
+          <p:cNvSpPr txBox="1">
+            <a:spLocks noGrp="1"/>
+          </p:cNvSpPr>
           <p:nvPr>
-            <p:ph idx="1" type="body"/>
+            <p:ph type="body" idx="1"/>
           </p:nvPr>
         </p:nvSpPr>
         <p:spPr>
@@ -2065,12 +2153,12 @@
           </a:prstGeom>
         </p:spPr>
         <p:txBody>
-          <a:bodyPr anchorCtr="0" anchor="t" bIns="91425" lIns="91425" spcFirstLastPara="1" rIns="91425" wrap="square" tIns="91425">
+          <a:bodyPr spcFirstLastPara="1" wrap="square" lIns="91425" tIns="91425" rIns="91425" bIns="91425" anchor="t" anchorCtr="0">
             <a:noAutofit/>
           </a:bodyPr>
           <a:lstStyle/>
           <a:p>
-            <a:pPr indent="0" lvl="0" marL="0" rtl="0" algn="l">
+            <a:pPr marL="0" lvl="0" indent="0" algn="l" rtl="0">
               <a:spcBef>
                 <a:spcPts val="0"/>
               </a:spcBef>
@@ -2079,9 +2167,6 @@
               </a:spcAft>
               <a:buNone/>
             </a:pPr>
-            <a:r>
-              <a:t/>
-            </a:r>
             <a:endParaRPr/>
           </a:p>
         </p:txBody>
@@ -2095,18 +2180,19 @@
 </file>
 
 <file path=ppt/slideLayouts/slideLayout1.xml><?xml version="1.0" encoding="utf-8"?>
-<p:sldLayout xmlns:a="http://schemas.openxmlformats.org/drawingml/2006/main" xmlns:r="http://schemas.openxmlformats.org/officeDocument/2006/relationships" xmlns:mc="http://schemas.openxmlformats.org/markup-compatibility/2006" xmlns:mv="urn:schemas-microsoft-com:mac:vml" xmlns:p="http://schemas.openxmlformats.org/presentationml/2006/main" xmlns:c="http://schemas.openxmlformats.org/drawingml/2006/chart" xmlns:dgm="http://schemas.openxmlformats.org/drawingml/2006/diagram" xmlns:o="urn:schemas-microsoft-com:office:office" xmlns:v="urn:schemas-microsoft-com:vml" xmlns:pvml="urn:schemas-microsoft-com:office:powerpoint" xmlns:com="http://schemas.openxmlformats.org/drawingml/2006/compatibility" xmlns:p14="http://schemas.microsoft.com/office/powerpoint/2010/main" xmlns:p15="http://schemas.microsoft.com/office/powerpoint/2012/main" xmlns:ahyp="http://schemas.microsoft.com/office/drawing/2018/hyperlinkcolor" matchingName="Title slide" type="title">
+<p:sldLayout xmlns:a="http://schemas.openxmlformats.org/drawingml/2006/main" xmlns:r="http://schemas.openxmlformats.org/officeDocument/2006/relationships" xmlns:p="http://schemas.openxmlformats.org/presentationml/2006/main" matchingName="Title slide" type="title">
   <p:cSld name="TITLE">
     <p:bg>
       <p:bgPr>
         <a:solidFill>
           <a:schemeClr val="dk1"/>
         </a:solidFill>
+        <a:effectLst/>
       </p:bgPr>
     </p:bg>
     <p:spTree>
       <p:nvGrpSpPr>
-        <p:cNvPr id="9" name="Shape 9"/>
+        <p:cNvPr id="1" name="Shape 9"/>
         <p:cNvGrpSpPr/>
         <p:nvPr/>
       </p:nvGrpSpPr>
@@ -2133,21 +2219,23 @@
             <a:avLst/>
           </a:prstGeom>
           <a:noFill/>
-          <a:ln cap="flat" cmpd="sng" w="19050">
+          <a:ln w="19050" cap="flat" cmpd="sng">
             <a:solidFill>
               <a:schemeClr val="lt2"/>
             </a:solidFill>
             <a:prstDash val="solid"/>
             <a:round/>
-            <a:headEnd len="sm" w="sm" type="none"/>
-            <a:tailEnd len="sm" w="sm" type="none"/>
+            <a:headEnd type="none" w="sm" len="sm"/>
+            <a:tailEnd type="none" w="sm" len="sm"/>
           </a:ln>
         </p:spPr>
       </p:cxnSp>
       <p:sp>
         <p:nvSpPr>
           <p:cNvPr id="11" name="Google Shape;11;p2"/>
-          <p:cNvSpPr txBox="1"/>
+          <p:cNvSpPr txBox="1">
+            <a:spLocks noGrp="1"/>
+          </p:cNvSpPr>
           <p:nvPr>
             <p:ph type="ctrTitle"/>
           </p:nvPr>
@@ -2162,7 +2250,7 @@
           </a:prstGeom>
         </p:spPr>
         <p:txBody>
-          <a:bodyPr anchorCtr="0" anchor="b" bIns="91425" lIns="91425" spcFirstLastPara="1" rIns="91425" wrap="square" tIns="91425">
+          <a:bodyPr spcFirstLastPara="1" wrap="square" lIns="91425" tIns="91425" rIns="91425" bIns="91425" anchor="b" anchorCtr="0">
             <a:normAutofit/>
           </a:bodyPr>
           <a:lstStyle>
@@ -2329,15 +2417,19 @@
               </a:defRPr>
             </a:lvl9pPr>
           </a:lstStyle>
-          <a:p/>
+          <a:p>
+            <a:endParaRPr/>
+          </a:p>
         </p:txBody>
       </p:sp>
       <p:sp>
         <p:nvSpPr>
           <p:cNvPr id="12" name="Google Shape;12;p2"/>
-          <p:cNvSpPr txBox="1"/>
+          <p:cNvSpPr txBox="1">
+            <a:spLocks noGrp="1"/>
+          </p:cNvSpPr>
           <p:nvPr>
-            <p:ph idx="1" type="subTitle"/>
+            <p:ph type="subTitle" idx="1"/>
           </p:nvPr>
         </p:nvSpPr>
         <p:spPr>
@@ -2350,7 +2442,7 @@
           </a:prstGeom>
         </p:spPr>
         <p:txBody>
-          <a:bodyPr anchorCtr="0" anchor="t" bIns="91425" lIns="91425" spcFirstLastPara="1" rIns="91425" wrap="square" tIns="91425">
+          <a:bodyPr spcFirstLastPara="1" wrap="square" lIns="91425" tIns="91425" rIns="91425" bIns="91425" anchor="t" anchorCtr="0">
             <a:normAutofit/>
           </a:bodyPr>
           <a:lstStyle>
@@ -2544,15 +2636,19 @@
               </a:defRPr>
             </a:lvl9pPr>
           </a:lstStyle>
-          <a:p/>
+          <a:p>
+            <a:endParaRPr/>
+          </a:p>
         </p:txBody>
       </p:sp>
       <p:sp>
         <p:nvSpPr>
           <p:cNvPr id="13" name="Google Shape;13;p2"/>
-          <p:cNvSpPr txBox="1"/>
+          <p:cNvSpPr txBox="1">
+            <a:spLocks noGrp="1"/>
+          </p:cNvSpPr>
           <p:nvPr>
-            <p:ph idx="12" type="sldNum"/>
+            <p:ph type="sldNum" idx="12"/>
           </p:nvPr>
         </p:nvSpPr>
         <p:spPr>
@@ -2565,7 +2661,7 @@
           </a:prstGeom>
         </p:spPr>
         <p:txBody>
-          <a:bodyPr anchorCtr="0" anchor="ctr" bIns="91425" lIns="91425" spcFirstLastPara="1" rIns="91425" wrap="square" tIns="91425">
+          <a:bodyPr spcFirstLastPara="1" wrap="square" lIns="91425" tIns="91425" rIns="91425" bIns="91425" anchor="ctr" anchorCtr="0">
             <a:normAutofit/>
           </a:bodyPr>
           <a:lstStyle>
@@ -2643,7 +2739,7 @@
             </a:lvl9pPr>
           </a:lstStyle>
           <a:p>
-            <a:pPr indent="0" lvl="0" marL="0" rtl="0" algn="r">
+            <a:pPr marL="0" lvl="0" indent="0" algn="r" rtl="0">
               <a:spcBef>
                 <a:spcPts val="0"/>
               </a:spcBef>
@@ -2654,7 +2750,7 @@
             </a:pPr>
             <a:fld id="{00000000-1234-1234-1234-123412341234}" type="slidenum">
               <a:rPr lang="de"/>
-              <a:t>‹#›</a:t>
+              <a:t>‹Nr.›</a:t>
             </a:fld>
             <a:endParaRPr/>
           </a:p>
@@ -2669,11 +2765,11 @@
 </file>
 
 <file path=ppt/slideLayouts/slideLayout10.xml><?xml version="1.0" encoding="utf-8"?>
-<p:sldLayout xmlns:a="http://schemas.openxmlformats.org/drawingml/2006/main" xmlns:r="http://schemas.openxmlformats.org/officeDocument/2006/relationships" xmlns:mc="http://schemas.openxmlformats.org/markup-compatibility/2006" xmlns:mv="urn:schemas-microsoft-com:mac:vml" xmlns:p="http://schemas.openxmlformats.org/presentationml/2006/main" xmlns:c="http://schemas.openxmlformats.org/drawingml/2006/chart" xmlns:dgm="http://schemas.openxmlformats.org/drawingml/2006/diagram" xmlns:o="urn:schemas-microsoft-com:office:office" xmlns:v="urn:schemas-microsoft-com:vml" xmlns:pvml="urn:schemas-microsoft-com:office:powerpoint" xmlns:com="http://schemas.openxmlformats.org/drawingml/2006/compatibility" xmlns:p14="http://schemas.microsoft.com/office/powerpoint/2010/main" xmlns:p15="http://schemas.microsoft.com/office/powerpoint/2012/main" xmlns:ahyp="http://schemas.microsoft.com/office/drawing/2018/hyperlinkcolor" matchingName="Big number">
+<p:sldLayout xmlns:a="http://schemas.openxmlformats.org/drawingml/2006/main" xmlns:r="http://schemas.openxmlformats.org/officeDocument/2006/relationships" xmlns:p="http://schemas.openxmlformats.org/presentationml/2006/main" matchingName="Big number">
   <p:cSld name="BIG_NUMBER">
     <p:spTree>
       <p:nvGrpSpPr>
-        <p:cNvPr id="48" name="Shape 48"/>
+        <p:cNvPr id="1" name="Shape 48"/>
         <p:cNvGrpSpPr/>
         <p:nvPr/>
       </p:nvGrpSpPr>
@@ -2707,12 +2803,12 @@
           </a:ln>
         </p:spPr>
         <p:txBody>
-          <a:bodyPr anchorCtr="0" anchor="ctr" bIns="91425" lIns="91425" spcFirstLastPara="1" rIns="91425" wrap="square" tIns="91425">
+          <a:bodyPr spcFirstLastPara="1" wrap="square" lIns="91425" tIns="91425" rIns="91425" bIns="91425" anchor="ctr" anchorCtr="0">
             <a:noAutofit/>
           </a:bodyPr>
           <a:lstStyle/>
           <a:p>
-            <a:pPr indent="0" lvl="0" marL="0" rtl="0" algn="l">
+            <a:pPr marL="0" lvl="0" indent="0" algn="l" rtl="0">
               <a:spcBef>
                 <a:spcPts val="0"/>
               </a:spcBef>
@@ -2721,9 +2817,6 @@
               </a:spcAft>
               <a:buNone/>
             </a:pPr>
-            <a:r>
-              <a:t/>
-            </a:r>
             <a:endParaRPr/>
           </a:p>
         </p:txBody>
@@ -2731,9 +2824,11 @@
       <p:sp>
         <p:nvSpPr>
           <p:cNvPr id="50" name="Google Shape;50;p11"/>
-          <p:cNvSpPr txBox="1"/>
+          <p:cNvSpPr txBox="1">
+            <a:spLocks noGrp="1"/>
+          </p:cNvSpPr>
           <p:nvPr>
-            <p:ph hasCustomPrompt="1" type="title"/>
+            <p:ph type="title" hasCustomPrompt="1"/>
           </p:nvPr>
         </p:nvSpPr>
         <p:spPr>
@@ -2746,7 +2841,7 @@
           </a:prstGeom>
         </p:spPr>
         <p:txBody>
-          <a:bodyPr anchorCtr="0" anchor="ctr" bIns="91425" lIns="91425" spcFirstLastPara="1" rIns="91425" wrap="square" tIns="91425">
+          <a:bodyPr spcFirstLastPara="1" wrap="square" lIns="91425" tIns="91425" rIns="91425" bIns="91425" anchor="ctr" anchorCtr="0">
             <a:normAutofit/>
           </a:bodyPr>
           <a:lstStyle>
@@ -2759,7 +2854,7 @@
               </a:spcAft>
               <a:buSzPts val="14000"/>
               <a:buNone/>
-              <a:defRPr b="1" sz="14000"/>
+              <a:defRPr sz="14000" b="1"/>
             </a:lvl1pPr>
             <a:lvl2pPr lvl="1" algn="ctr">
               <a:spcBef>
@@ -2770,7 +2865,7 @@
               </a:spcAft>
               <a:buSzPts val="14000"/>
               <a:buNone/>
-              <a:defRPr b="1" sz="14000"/>
+              <a:defRPr sz="14000" b="1"/>
             </a:lvl2pPr>
             <a:lvl3pPr lvl="2" algn="ctr">
               <a:spcBef>
@@ -2781,7 +2876,7 @@
               </a:spcAft>
               <a:buSzPts val="14000"/>
               <a:buNone/>
-              <a:defRPr b="1" sz="14000"/>
+              <a:defRPr sz="14000" b="1"/>
             </a:lvl3pPr>
             <a:lvl4pPr lvl="3" algn="ctr">
               <a:spcBef>
@@ -2792,7 +2887,7 @@
               </a:spcAft>
               <a:buSzPts val="14000"/>
               <a:buNone/>
-              <a:defRPr b="1" sz="14000"/>
+              <a:defRPr sz="14000" b="1"/>
             </a:lvl4pPr>
             <a:lvl5pPr lvl="4" algn="ctr">
               <a:spcBef>
@@ -2803,7 +2898,7 @@
               </a:spcAft>
               <a:buSzPts val="14000"/>
               <a:buNone/>
-              <a:defRPr b="1" sz="14000"/>
+              <a:defRPr sz="14000" b="1"/>
             </a:lvl5pPr>
             <a:lvl6pPr lvl="5" algn="ctr">
               <a:spcBef>
@@ -2814,7 +2909,7 @@
               </a:spcAft>
               <a:buSzPts val="14000"/>
               <a:buNone/>
-              <a:defRPr b="1" sz="14000"/>
+              <a:defRPr sz="14000" b="1"/>
             </a:lvl6pPr>
             <a:lvl7pPr lvl="6" algn="ctr">
               <a:spcBef>
@@ -2825,7 +2920,7 @@
               </a:spcAft>
               <a:buSzPts val="14000"/>
               <a:buNone/>
-              <a:defRPr b="1" sz="14000"/>
+              <a:defRPr sz="14000" b="1"/>
             </a:lvl7pPr>
             <a:lvl8pPr lvl="7" algn="ctr">
               <a:spcBef>
@@ -2836,7 +2931,7 @@
               </a:spcAft>
               <a:buSzPts val="14000"/>
               <a:buNone/>
-              <a:defRPr b="1" sz="14000"/>
+              <a:defRPr sz="14000" b="1"/>
             </a:lvl8pPr>
             <a:lvl9pPr lvl="8" algn="ctr">
               <a:spcBef>
@@ -2847,7 +2942,7 @@
               </a:spcAft>
               <a:buSzPts val="14000"/>
               <a:buNone/>
-              <a:defRPr b="1" sz="14000"/>
+              <a:defRPr sz="14000" b="1"/>
             </a:lvl9pPr>
           </a:lstStyle>
           <a:p>
@@ -2860,9 +2955,11 @@
       <p:sp>
         <p:nvSpPr>
           <p:cNvPr id="51" name="Google Shape;51;p11"/>
-          <p:cNvSpPr txBox="1"/>
+          <p:cNvSpPr txBox="1">
+            <a:spLocks noGrp="1"/>
+          </p:cNvSpPr>
           <p:nvPr>
-            <p:ph idx="1" type="body"/>
+            <p:ph type="body" idx="1"/>
           </p:nvPr>
         </p:nvSpPr>
         <p:spPr>
@@ -2875,11 +2972,11 @@
           </a:prstGeom>
         </p:spPr>
         <p:txBody>
-          <a:bodyPr anchorCtr="0" anchor="t" bIns="91425" lIns="91425" spcFirstLastPara="1" rIns="91425" wrap="square" tIns="91425">
+          <a:bodyPr spcFirstLastPara="1" wrap="square" lIns="91425" tIns="91425" rIns="91425" bIns="91425" anchor="t" anchorCtr="0">
             <a:normAutofit/>
           </a:bodyPr>
           <a:lstStyle>
-            <a:lvl1pPr indent="-342900" lvl="0" marL="457200" algn="ctr">
+            <a:lvl1pPr marL="457200" lvl="0" indent="-342900" algn="ctr">
               <a:spcBef>
                 <a:spcPts val="0"/>
               </a:spcBef>
@@ -2890,7 +2987,7 @@
               <a:buChar char="●"/>
               <a:defRPr/>
             </a:lvl1pPr>
-            <a:lvl2pPr indent="-317500" lvl="1" marL="914400" algn="ctr">
+            <a:lvl2pPr marL="914400" lvl="1" indent="-317500" algn="ctr">
               <a:spcBef>
                 <a:spcPts val="0"/>
               </a:spcBef>
@@ -2901,7 +2998,7 @@
               <a:buChar char="○"/>
               <a:defRPr/>
             </a:lvl2pPr>
-            <a:lvl3pPr indent="-317500" lvl="2" marL="1371600" algn="ctr">
+            <a:lvl3pPr marL="1371600" lvl="2" indent="-317500" algn="ctr">
               <a:spcBef>
                 <a:spcPts val="0"/>
               </a:spcBef>
@@ -2912,7 +3009,7 @@
               <a:buChar char="■"/>
               <a:defRPr/>
             </a:lvl3pPr>
-            <a:lvl4pPr indent="-317500" lvl="3" marL="1828800" algn="ctr">
+            <a:lvl4pPr marL="1828800" lvl="3" indent="-317500" algn="ctr">
               <a:spcBef>
                 <a:spcPts val="0"/>
               </a:spcBef>
@@ -2923,7 +3020,7 @@
               <a:buChar char="●"/>
               <a:defRPr/>
             </a:lvl4pPr>
-            <a:lvl5pPr indent="-317500" lvl="4" marL="2286000" algn="ctr">
+            <a:lvl5pPr marL="2286000" lvl="4" indent="-317500" algn="ctr">
               <a:spcBef>
                 <a:spcPts val="0"/>
               </a:spcBef>
@@ -2934,7 +3031,7 @@
               <a:buChar char="○"/>
               <a:defRPr/>
             </a:lvl5pPr>
-            <a:lvl6pPr indent="-317500" lvl="5" marL="2743200" algn="ctr">
+            <a:lvl6pPr marL="2743200" lvl="5" indent="-317500" algn="ctr">
               <a:spcBef>
                 <a:spcPts val="0"/>
               </a:spcBef>
@@ -2945,7 +3042,7 @@
               <a:buChar char="■"/>
               <a:defRPr/>
             </a:lvl6pPr>
-            <a:lvl7pPr indent="-317500" lvl="6" marL="3200400" algn="ctr">
+            <a:lvl7pPr marL="3200400" lvl="6" indent="-317500" algn="ctr">
               <a:spcBef>
                 <a:spcPts val="0"/>
               </a:spcBef>
@@ -2956,7 +3053,7 @@
               <a:buChar char="●"/>
               <a:defRPr/>
             </a:lvl7pPr>
-            <a:lvl8pPr indent="-317500" lvl="7" marL="3657600" algn="ctr">
+            <a:lvl8pPr marL="3657600" lvl="7" indent="-317500" algn="ctr">
               <a:spcBef>
                 <a:spcPts val="0"/>
               </a:spcBef>
@@ -2967,7 +3064,7 @@
               <a:buChar char="○"/>
               <a:defRPr/>
             </a:lvl8pPr>
-            <a:lvl9pPr indent="-317500" lvl="8" marL="4114800" algn="ctr">
+            <a:lvl9pPr marL="4114800" lvl="8" indent="-317500" algn="ctr">
               <a:spcBef>
                 <a:spcPts val="0"/>
               </a:spcBef>
@@ -2979,15 +3076,19 @@
               <a:defRPr/>
             </a:lvl9pPr>
           </a:lstStyle>
-          <a:p/>
+          <a:p>
+            <a:endParaRPr/>
+          </a:p>
         </p:txBody>
       </p:sp>
       <p:sp>
         <p:nvSpPr>
           <p:cNvPr id="52" name="Google Shape;52;p11"/>
-          <p:cNvSpPr txBox="1"/>
+          <p:cNvSpPr txBox="1">
+            <a:spLocks noGrp="1"/>
+          </p:cNvSpPr>
           <p:nvPr>
-            <p:ph idx="12" type="sldNum"/>
+            <p:ph type="sldNum" idx="12"/>
           </p:nvPr>
         </p:nvSpPr>
         <p:spPr>
@@ -3000,7 +3101,7 @@
           </a:prstGeom>
         </p:spPr>
         <p:txBody>
-          <a:bodyPr anchorCtr="0" anchor="ctr" bIns="91425" lIns="91425" spcFirstLastPara="1" rIns="91425" wrap="square" tIns="91425">
+          <a:bodyPr spcFirstLastPara="1" wrap="square" lIns="91425" tIns="91425" rIns="91425" bIns="91425" anchor="ctr" anchorCtr="0">
             <a:normAutofit/>
           </a:bodyPr>
           <a:lstStyle>
@@ -3042,7 +3143,7 @@
             </a:lvl9pPr>
           </a:lstStyle>
           <a:p>
-            <a:pPr indent="0" lvl="0" marL="0" rtl="0" algn="r">
+            <a:pPr marL="0" lvl="0" indent="0" algn="r" rtl="0">
               <a:spcBef>
                 <a:spcPts val="0"/>
               </a:spcBef>
@@ -3053,7 +3154,7 @@
             </a:pPr>
             <a:fld id="{00000000-1234-1234-1234-123412341234}" type="slidenum">
               <a:rPr lang="de"/>
-              <a:t>‹#›</a:t>
+              <a:t>‹Nr.›</a:t>
             </a:fld>
             <a:endParaRPr/>
           </a:p>
@@ -3068,11 +3169,11 @@
 </file>
 
 <file path=ppt/slideLayouts/slideLayout11.xml><?xml version="1.0" encoding="utf-8"?>
-<p:sldLayout xmlns:a="http://schemas.openxmlformats.org/drawingml/2006/main" xmlns:r="http://schemas.openxmlformats.org/officeDocument/2006/relationships" xmlns:mc="http://schemas.openxmlformats.org/markup-compatibility/2006" xmlns:mv="urn:schemas-microsoft-com:mac:vml" xmlns:p="http://schemas.openxmlformats.org/presentationml/2006/main" xmlns:c="http://schemas.openxmlformats.org/drawingml/2006/chart" xmlns:dgm="http://schemas.openxmlformats.org/drawingml/2006/diagram" xmlns:o="urn:schemas-microsoft-com:office:office" xmlns:v="urn:schemas-microsoft-com:vml" xmlns:pvml="urn:schemas-microsoft-com:office:powerpoint" xmlns:com="http://schemas.openxmlformats.org/drawingml/2006/compatibility" xmlns:p14="http://schemas.microsoft.com/office/powerpoint/2010/main" xmlns:p15="http://schemas.microsoft.com/office/powerpoint/2012/main" xmlns:ahyp="http://schemas.microsoft.com/office/drawing/2018/hyperlinkcolor" matchingName="Blank" type="blank">
+<p:sldLayout xmlns:a="http://schemas.openxmlformats.org/drawingml/2006/main" xmlns:r="http://schemas.openxmlformats.org/officeDocument/2006/relationships" xmlns:p="http://schemas.openxmlformats.org/presentationml/2006/main" matchingName="Blank" type="blank">
   <p:cSld name="BLANK">
     <p:spTree>
       <p:nvGrpSpPr>
-        <p:cNvPr id="53" name="Shape 53"/>
+        <p:cNvPr id="1" name="Shape 53"/>
         <p:cNvGrpSpPr/>
         <p:nvPr/>
       </p:nvGrpSpPr>
@@ -3087,9 +3188,11 @@
       <p:sp>
         <p:nvSpPr>
           <p:cNvPr id="54" name="Google Shape;54;p12"/>
-          <p:cNvSpPr txBox="1"/>
+          <p:cNvSpPr txBox="1">
+            <a:spLocks noGrp="1"/>
+          </p:cNvSpPr>
           <p:nvPr>
-            <p:ph idx="12" type="sldNum"/>
+            <p:ph type="sldNum" idx="12"/>
           </p:nvPr>
         </p:nvSpPr>
         <p:spPr>
@@ -3102,7 +3205,7 @@
           </a:prstGeom>
         </p:spPr>
         <p:txBody>
-          <a:bodyPr anchorCtr="0" anchor="ctr" bIns="91425" lIns="91425" spcFirstLastPara="1" rIns="91425" wrap="square" tIns="91425">
+          <a:bodyPr spcFirstLastPara="1" wrap="square" lIns="91425" tIns="91425" rIns="91425" bIns="91425" anchor="ctr" anchorCtr="0">
             <a:normAutofit/>
           </a:bodyPr>
           <a:lstStyle>
@@ -3144,7 +3247,7 @@
             </a:lvl9pPr>
           </a:lstStyle>
           <a:p>
-            <a:pPr indent="0" lvl="0" marL="0" rtl="0" algn="r">
+            <a:pPr marL="0" lvl="0" indent="0" algn="r" rtl="0">
               <a:spcBef>
                 <a:spcPts val="0"/>
               </a:spcBef>
@@ -3155,7 +3258,7 @@
             </a:pPr>
             <a:fld id="{00000000-1234-1234-1234-123412341234}" type="slidenum">
               <a:rPr lang="de"/>
-              <a:t>‹#›</a:t>
+              <a:t>‹Nr.›</a:t>
             </a:fld>
             <a:endParaRPr/>
           </a:p>
@@ -3170,18 +3273,19 @@
 </file>
 
 <file path=ppt/slideLayouts/slideLayout2.xml><?xml version="1.0" encoding="utf-8"?>
-<p:sldLayout xmlns:a="http://schemas.openxmlformats.org/drawingml/2006/main" xmlns:r="http://schemas.openxmlformats.org/officeDocument/2006/relationships" xmlns:mc="http://schemas.openxmlformats.org/markup-compatibility/2006" xmlns:mv="urn:schemas-microsoft-com:mac:vml" xmlns:p="http://schemas.openxmlformats.org/presentationml/2006/main" xmlns:c="http://schemas.openxmlformats.org/drawingml/2006/chart" xmlns:dgm="http://schemas.openxmlformats.org/drawingml/2006/diagram" xmlns:o="urn:schemas-microsoft-com:office:office" xmlns:v="urn:schemas-microsoft-com:vml" xmlns:pvml="urn:schemas-microsoft-com:office:powerpoint" xmlns:com="http://schemas.openxmlformats.org/drawingml/2006/compatibility" xmlns:p14="http://schemas.microsoft.com/office/powerpoint/2010/main" xmlns:p15="http://schemas.microsoft.com/office/powerpoint/2012/main" xmlns:ahyp="http://schemas.microsoft.com/office/drawing/2018/hyperlinkcolor" matchingName="Section header" type="secHead">
+<p:sldLayout xmlns:a="http://schemas.openxmlformats.org/drawingml/2006/main" xmlns:r="http://schemas.openxmlformats.org/officeDocument/2006/relationships" xmlns:p="http://schemas.openxmlformats.org/presentationml/2006/main" matchingName="Section header" type="secHead">
   <p:cSld name="SECTION_HEADER">
     <p:bg>
       <p:bgPr>
         <a:solidFill>
           <a:schemeClr val="dk1"/>
         </a:solidFill>
+        <a:effectLst/>
       </p:bgPr>
     </p:bg>
     <p:spTree>
       <p:nvGrpSpPr>
-        <p:cNvPr id="14" name="Shape 14"/>
+        <p:cNvPr id="1" name="Shape 14"/>
         <p:cNvGrpSpPr/>
         <p:nvPr/>
       </p:nvGrpSpPr>
@@ -3208,21 +3312,23 @@
             <a:avLst/>
           </a:prstGeom>
           <a:noFill/>
-          <a:ln cap="flat" cmpd="sng" w="19050">
+          <a:ln w="19050" cap="flat" cmpd="sng">
             <a:solidFill>
               <a:schemeClr val="lt2"/>
             </a:solidFill>
             <a:prstDash val="solid"/>
             <a:round/>
-            <a:headEnd len="sm" w="sm" type="none"/>
-            <a:tailEnd len="sm" w="sm" type="none"/>
+            <a:headEnd type="none" w="sm" len="sm"/>
+            <a:tailEnd type="none" w="sm" len="sm"/>
           </a:ln>
         </p:spPr>
       </p:cxnSp>
       <p:sp>
         <p:nvSpPr>
           <p:cNvPr id="16" name="Google Shape;16;p3"/>
-          <p:cNvSpPr txBox="1"/>
+          <p:cNvSpPr txBox="1">
+            <a:spLocks noGrp="1"/>
+          </p:cNvSpPr>
           <p:nvPr>
             <p:ph type="title"/>
           </p:nvPr>
@@ -3237,7 +3343,7 @@
           </a:prstGeom>
         </p:spPr>
         <p:txBody>
-          <a:bodyPr anchorCtr="0" anchor="b" bIns="91425" lIns="91425" spcFirstLastPara="1" rIns="91425" wrap="square" tIns="91425">
+          <a:bodyPr spcFirstLastPara="1" wrap="square" lIns="91425" tIns="91425" rIns="91425" bIns="91425" anchor="b" anchorCtr="0">
             <a:normAutofit/>
           </a:bodyPr>
           <a:lstStyle>
@@ -3404,15 +3510,19 @@
               </a:defRPr>
             </a:lvl9pPr>
           </a:lstStyle>
-          <a:p/>
+          <a:p>
+            <a:endParaRPr/>
+          </a:p>
         </p:txBody>
       </p:sp>
       <p:sp>
         <p:nvSpPr>
           <p:cNvPr id="17" name="Google Shape;17;p3"/>
-          <p:cNvSpPr txBox="1"/>
+          <p:cNvSpPr txBox="1">
+            <a:spLocks noGrp="1"/>
+          </p:cNvSpPr>
           <p:nvPr>
-            <p:ph idx="12" type="sldNum"/>
+            <p:ph type="sldNum" idx="12"/>
           </p:nvPr>
         </p:nvSpPr>
         <p:spPr>
@@ -3425,7 +3535,7 @@
           </a:prstGeom>
         </p:spPr>
         <p:txBody>
-          <a:bodyPr anchorCtr="0" anchor="ctr" bIns="91425" lIns="91425" spcFirstLastPara="1" rIns="91425" wrap="square" tIns="91425">
+          <a:bodyPr spcFirstLastPara="1" wrap="square" lIns="91425" tIns="91425" rIns="91425" bIns="91425" anchor="ctr" anchorCtr="0">
             <a:normAutofit/>
           </a:bodyPr>
           <a:lstStyle>
@@ -3503,7 +3613,7 @@
             </a:lvl9pPr>
           </a:lstStyle>
           <a:p>
-            <a:pPr indent="0" lvl="0" marL="0" rtl="0" algn="r">
+            <a:pPr marL="0" lvl="0" indent="0" algn="r" rtl="0">
               <a:spcBef>
                 <a:spcPts val="0"/>
               </a:spcBef>
@@ -3514,7 +3624,7 @@
             </a:pPr>
             <a:fld id="{00000000-1234-1234-1234-123412341234}" type="slidenum">
               <a:rPr lang="de"/>
-              <a:t>‹#›</a:t>
+              <a:t>‹Nr.›</a:t>
             </a:fld>
             <a:endParaRPr/>
           </a:p>
@@ -3529,11 +3639,11 @@
 </file>
 
 <file path=ppt/slideLayouts/slideLayout3.xml><?xml version="1.0" encoding="utf-8"?>
-<p:sldLayout xmlns:a="http://schemas.openxmlformats.org/drawingml/2006/main" xmlns:r="http://schemas.openxmlformats.org/officeDocument/2006/relationships" xmlns:mc="http://schemas.openxmlformats.org/markup-compatibility/2006" xmlns:mv="urn:schemas-microsoft-com:mac:vml" xmlns:p="http://schemas.openxmlformats.org/presentationml/2006/main" xmlns:c="http://schemas.openxmlformats.org/drawingml/2006/chart" xmlns:dgm="http://schemas.openxmlformats.org/drawingml/2006/diagram" xmlns:o="urn:schemas-microsoft-com:office:office" xmlns:v="urn:schemas-microsoft-com:vml" xmlns:pvml="urn:schemas-microsoft-com:office:powerpoint" xmlns:com="http://schemas.openxmlformats.org/drawingml/2006/compatibility" xmlns:p14="http://schemas.microsoft.com/office/powerpoint/2010/main" xmlns:p15="http://schemas.microsoft.com/office/powerpoint/2012/main" xmlns:ahyp="http://schemas.microsoft.com/office/drawing/2018/hyperlinkcolor" matchingName="Title and body" type="tx">
+<p:sldLayout xmlns:a="http://schemas.openxmlformats.org/drawingml/2006/main" xmlns:r="http://schemas.openxmlformats.org/officeDocument/2006/relationships" xmlns:p="http://schemas.openxmlformats.org/presentationml/2006/main" matchingName="Title and body" type="tx">
   <p:cSld name="TITLE_AND_BODY">
     <p:spTree>
       <p:nvGrpSpPr>
-        <p:cNvPr id="18" name="Shape 18"/>
+        <p:cNvPr id="1" name="Shape 18"/>
         <p:cNvGrpSpPr/>
         <p:nvPr/>
       </p:nvGrpSpPr>
@@ -3567,12 +3677,12 @@
           </a:ln>
         </p:spPr>
         <p:txBody>
-          <a:bodyPr anchorCtr="0" anchor="ctr" bIns="91425" lIns="91425" spcFirstLastPara="1" rIns="91425" wrap="square" tIns="91425">
+          <a:bodyPr spcFirstLastPara="1" wrap="square" lIns="91425" tIns="91425" rIns="91425" bIns="91425" anchor="ctr" anchorCtr="0">
             <a:noAutofit/>
           </a:bodyPr>
           <a:lstStyle/>
           <a:p>
-            <a:pPr indent="0" lvl="0" marL="0" rtl="0" algn="l">
+            <a:pPr marL="0" lvl="0" indent="0" algn="l" rtl="0">
               <a:spcBef>
                 <a:spcPts val="0"/>
               </a:spcBef>
@@ -3581,9 +3691,6 @@
               </a:spcAft>
               <a:buNone/>
             </a:pPr>
-            <a:r>
-              <a:t/>
-            </a:r>
             <a:endParaRPr/>
           </a:p>
         </p:txBody>
@@ -3591,7 +3698,9 @@
       <p:sp>
         <p:nvSpPr>
           <p:cNvPr id="20" name="Google Shape;20;p4"/>
-          <p:cNvSpPr txBox="1"/>
+          <p:cNvSpPr txBox="1">
+            <a:spLocks noGrp="1"/>
+          </p:cNvSpPr>
           <p:nvPr>
             <p:ph type="title"/>
           </p:nvPr>
@@ -3606,7 +3715,7 @@
           </a:prstGeom>
         </p:spPr>
         <p:txBody>
-          <a:bodyPr anchorCtr="0" anchor="t" bIns="91425" lIns="91425" spcFirstLastPara="1" rIns="91425" wrap="square" tIns="91425">
+          <a:bodyPr spcFirstLastPara="1" wrap="square" lIns="91425" tIns="91425" rIns="91425" bIns="91425" anchor="t" anchorCtr="0">
             <a:normAutofit/>
           </a:bodyPr>
           <a:lstStyle>
@@ -3710,15 +3819,19 @@
               <a:defRPr/>
             </a:lvl9pPr>
           </a:lstStyle>
-          <a:p/>
+          <a:p>
+            <a:endParaRPr/>
+          </a:p>
         </p:txBody>
       </p:sp>
       <p:sp>
         <p:nvSpPr>
           <p:cNvPr id="21" name="Google Shape;21;p4"/>
-          <p:cNvSpPr txBox="1"/>
+          <p:cNvSpPr txBox="1">
+            <a:spLocks noGrp="1"/>
+          </p:cNvSpPr>
           <p:nvPr>
-            <p:ph idx="1" type="body"/>
+            <p:ph type="body" idx="1"/>
           </p:nvPr>
         </p:nvSpPr>
         <p:spPr>
@@ -3731,11 +3844,11 @@
           </a:prstGeom>
         </p:spPr>
         <p:txBody>
-          <a:bodyPr anchorCtr="0" anchor="t" bIns="91425" lIns="91425" spcFirstLastPara="1" rIns="91425" wrap="square" tIns="91425">
+          <a:bodyPr spcFirstLastPara="1" wrap="square" lIns="91425" tIns="91425" rIns="91425" bIns="91425" anchor="t" anchorCtr="0">
             <a:normAutofit/>
           </a:bodyPr>
           <a:lstStyle>
-            <a:lvl1pPr indent="-342900" lvl="0" marL="457200">
+            <a:lvl1pPr marL="457200" lvl="0" indent="-342900">
               <a:spcBef>
                 <a:spcPts val="0"/>
               </a:spcBef>
@@ -3746,7 +3859,7 @@
               <a:buChar char="●"/>
               <a:defRPr/>
             </a:lvl1pPr>
-            <a:lvl2pPr indent="-317500" lvl="1" marL="914400">
+            <a:lvl2pPr marL="914400" lvl="1" indent="-317500">
               <a:spcBef>
                 <a:spcPts val="0"/>
               </a:spcBef>
@@ -3757,7 +3870,7 @@
               <a:buChar char="○"/>
               <a:defRPr/>
             </a:lvl2pPr>
-            <a:lvl3pPr indent="-317500" lvl="2" marL="1371600">
+            <a:lvl3pPr marL="1371600" lvl="2" indent="-317500">
               <a:spcBef>
                 <a:spcPts val="0"/>
               </a:spcBef>
@@ -3768,7 +3881,7 @@
               <a:buChar char="■"/>
               <a:defRPr/>
             </a:lvl3pPr>
-            <a:lvl4pPr indent="-317500" lvl="3" marL="1828800">
+            <a:lvl4pPr marL="1828800" lvl="3" indent="-317500">
               <a:spcBef>
                 <a:spcPts val="0"/>
               </a:spcBef>
@@ -3779,7 +3892,7 @@
               <a:buChar char="●"/>
               <a:defRPr/>
             </a:lvl4pPr>
-            <a:lvl5pPr indent="-317500" lvl="4" marL="2286000">
+            <a:lvl5pPr marL="2286000" lvl="4" indent="-317500">
               <a:spcBef>
                 <a:spcPts val="0"/>
               </a:spcBef>
@@ -3790,7 +3903,7 @@
               <a:buChar char="○"/>
               <a:defRPr/>
             </a:lvl5pPr>
-            <a:lvl6pPr indent="-317500" lvl="5" marL="2743200">
+            <a:lvl6pPr marL="2743200" lvl="5" indent="-317500">
               <a:spcBef>
                 <a:spcPts val="0"/>
               </a:spcBef>
@@ -3801,7 +3914,7 @@
               <a:buChar char="■"/>
               <a:defRPr/>
             </a:lvl6pPr>
-            <a:lvl7pPr indent="-317500" lvl="6" marL="3200400">
+            <a:lvl7pPr marL="3200400" lvl="6" indent="-317500">
               <a:spcBef>
                 <a:spcPts val="0"/>
               </a:spcBef>
@@ -3812,7 +3925,7 @@
               <a:buChar char="●"/>
               <a:defRPr/>
             </a:lvl7pPr>
-            <a:lvl8pPr indent="-317500" lvl="7" marL="3657600">
+            <a:lvl8pPr marL="3657600" lvl="7" indent="-317500">
               <a:spcBef>
                 <a:spcPts val="0"/>
               </a:spcBef>
@@ -3823,7 +3936,7 @@
               <a:buChar char="○"/>
               <a:defRPr/>
             </a:lvl8pPr>
-            <a:lvl9pPr indent="-317500" lvl="8" marL="4114800">
+            <a:lvl9pPr marL="4114800" lvl="8" indent="-317500">
               <a:spcBef>
                 <a:spcPts val="0"/>
               </a:spcBef>
@@ -3835,15 +3948,19 @@
               <a:defRPr/>
             </a:lvl9pPr>
           </a:lstStyle>
-          <a:p/>
+          <a:p>
+            <a:endParaRPr/>
+          </a:p>
         </p:txBody>
       </p:sp>
       <p:sp>
         <p:nvSpPr>
           <p:cNvPr id="22" name="Google Shape;22;p4"/>
-          <p:cNvSpPr txBox="1"/>
+          <p:cNvSpPr txBox="1">
+            <a:spLocks noGrp="1"/>
+          </p:cNvSpPr>
           <p:nvPr>
-            <p:ph idx="12" type="sldNum"/>
+            <p:ph type="sldNum" idx="12"/>
           </p:nvPr>
         </p:nvSpPr>
         <p:spPr>
@@ -3856,7 +3973,7 @@
           </a:prstGeom>
         </p:spPr>
         <p:txBody>
-          <a:bodyPr anchorCtr="0" anchor="ctr" bIns="91425" lIns="91425" spcFirstLastPara="1" rIns="91425" wrap="square" tIns="91425">
+          <a:bodyPr spcFirstLastPara="1" wrap="square" lIns="91425" tIns="91425" rIns="91425" bIns="91425" anchor="ctr" anchorCtr="0">
             <a:normAutofit/>
           </a:bodyPr>
           <a:lstStyle>
@@ -3898,7 +4015,7 @@
             </a:lvl9pPr>
           </a:lstStyle>
           <a:p>
-            <a:pPr indent="0" lvl="0" marL="0" rtl="0" algn="r">
+            <a:pPr marL="0" lvl="0" indent="0" algn="r" rtl="0">
               <a:spcBef>
                 <a:spcPts val="0"/>
               </a:spcBef>
@@ -3909,7 +4026,7 @@
             </a:pPr>
             <a:fld id="{00000000-1234-1234-1234-123412341234}" type="slidenum">
               <a:rPr lang="de"/>
-              <a:t>‹#›</a:t>
+              <a:t>‹Nr.›</a:t>
             </a:fld>
             <a:endParaRPr/>
           </a:p>
@@ -3924,11 +4041,11 @@
 </file>
 
 <file path=ppt/slideLayouts/slideLayout4.xml><?xml version="1.0" encoding="utf-8"?>
-<p:sldLayout xmlns:a="http://schemas.openxmlformats.org/drawingml/2006/main" xmlns:r="http://schemas.openxmlformats.org/officeDocument/2006/relationships" xmlns:mc="http://schemas.openxmlformats.org/markup-compatibility/2006" xmlns:mv="urn:schemas-microsoft-com:mac:vml" xmlns:p="http://schemas.openxmlformats.org/presentationml/2006/main" xmlns:c="http://schemas.openxmlformats.org/drawingml/2006/chart" xmlns:dgm="http://schemas.openxmlformats.org/drawingml/2006/diagram" xmlns:o="urn:schemas-microsoft-com:office:office" xmlns:v="urn:schemas-microsoft-com:vml" xmlns:pvml="urn:schemas-microsoft-com:office:powerpoint" xmlns:com="http://schemas.openxmlformats.org/drawingml/2006/compatibility" xmlns:p14="http://schemas.microsoft.com/office/powerpoint/2010/main" xmlns:p15="http://schemas.microsoft.com/office/powerpoint/2012/main" xmlns:ahyp="http://schemas.microsoft.com/office/drawing/2018/hyperlinkcolor" matchingName="Title and two columns" type="twoColTx">
+<p:sldLayout xmlns:a="http://schemas.openxmlformats.org/drawingml/2006/main" xmlns:r="http://schemas.openxmlformats.org/officeDocument/2006/relationships" xmlns:p="http://schemas.openxmlformats.org/presentationml/2006/main" matchingName="Title and two columns" type="twoColTx">
   <p:cSld name="TITLE_AND_TWO_COLUMNS">
     <p:spTree>
       <p:nvGrpSpPr>
-        <p:cNvPr id="23" name="Shape 23"/>
+        <p:cNvPr id="1" name="Shape 23"/>
         <p:cNvGrpSpPr/>
         <p:nvPr/>
       </p:nvGrpSpPr>
@@ -3943,7 +4060,9 @@
       <p:sp>
         <p:nvSpPr>
           <p:cNvPr id="24" name="Google Shape;24;p5"/>
-          <p:cNvSpPr txBox="1"/>
+          <p:cNvSpPr txBox="1">
+            <a:spLocks noGrp="1"/>
+          </p:cNvSpPr>
           <p:nvPr>
             <p:ph type="title"/>
           </p:nvPr>
@@ -3958,7 +4077,7 @@
           </a:prstGeom>
         </p:spPr>
         <p:txBody>
-          <a:bodyPr anchorCtr="0" anchor="t" bIns="91425" lIns="91425" spcFirstLastPara="1" rIns="91425" wrap="square" tIns="91425">
+          <a:bodyPr spcFirstLastPara="1" wrap="square" lIns="91425" tIns="91425" rIns="91425" bIns="91425" anchor="t" anchorCtr="0">
             <a:normAutofit/>
           </a:bodyPr>
           <a:lstStyle>
@@ -4062,15 +4181,19 @@
               <a:defRPr/>
             </a:lvl9pPr>
           </a:lstStyle>
-          <a:p/>
+          <a:p>
+            <a:endParaRPr/>
+          </a:p>
         </p:txBody>
       </p:sp>
       <p:sp>
         <p:nvSpPr>
           <p:cNvPr id="25" name="Google Shape;25;p5"/>
-          <p:cNvSpPr txBox="1"/>
+          <p:cNvSpPr txBox="1">
+            <a:spLocks noGrp="1"/>
+          </p:cNvSpPr>
           <p:nvPr>
-            <p:ph idx="1" type="body"/>
+            <p:ph type="body" idx="1"/>
           </p:nvPr>
         </p:nvSpPr>
         <p:spPr>
@@ -4083,11 +4206,11 @@
           </a:prstGeom>
         </p:spPr>
         <p:txBody>
-          <a:bodyPr anchorCtr="0" anchor="t" bIns="91425" lIns="91425" spcFirstLastPara="1" rIns="91425" wrap="square" tIns="91425">
+          <a:bodyPr spcFirstLastPara="1" wrap="square" lIns="91425" tIns="91425" rIns="91425" bIns="91425" anchor="t" anchorCtr="0">
             <a:normAutofit/>
           </a:bodyPr>
           <a:lstStyle>
-            <a:lvl1pPr indent="-317500" lvl="0" marL="457200">
+            <a:lvl1pPr marL="457200" lvl="0" indent="-317500">
               <a:spcBef>
                 <a:spcPts val="0"/>
               </a:spcBef>
@@ -4098,7 +4221,7 @@
               <a:buChar char="●"/>
               <a:defRPr sz="1400"/>
             </a:lvl1pPr>
-            <a:lvl2pPr indent="-304800" lvl="1" marL="914400">
+            <a:lvl2pPr marL="914400" lvl="1" indent="-304800">
               <a:spcBef>
                 <a:spcPts val="0"/>
               </a:spcBef>
@@ -4109,7 +4232,7 @@
               <a:buChar char="○"/>
               <a:defRPr sz="1200"/>
             </a:lvl2pPr>
-            <a:lvl3pPr indent="-304800" lvl="2" marL="1371600">
+            <a:lvl3pPr marL="1371600" lvl="2" indent="-304800">
               <a:spcBef>
                 <a:spcPts val="0"/>
               </a:spcBef>
@@ -4120,7 +4243,7 @@
               <a:buChar char="■"/>
               <a:defRPr sz="1200"/>
             </a:lvl3pPr>
-            <a:lvl4pPr indent="-304800" lvl="3" marL="1828800">
+            <a:lvl4pPr marL="1828800" lvl="3" indent="-304800">
               <a:spcBef>
                 <a:spcPts val="0"/>
               </a:spcBef>
@@ -4131,7 +4254,7 @@
               <a:buChar char="●"/>
               <a:defRPr sz="1200"/>
             </a:lvl4pPr>
-            <a:lvl5pPr indent="-304800" lvl="4" marL="2286000">
+            <a:lvl5pPr marL="2286000" lvl="4" indent="-304800">
               <a:spcBef>
                 <a:spcPts val="0"/>
               </a:spcBef>
@@ -4142,7 +4265,7 @@
               <a:buChar char="○"/>
               <a:defRPr sz="1200"/>
             </a:lvl5pPr>
-            <a:lvl6pPr indent="-304800" lvl="5" marL="2743200">
+            <a:lvl6pPr marL="2743200" lvl="5" indent="-304800">
               <a:spcBef>
                 <a:spcPts val="0"/>
               </a:spcBef>
@@ -4153,7 +4276,7 @@
               <a:buChar char="■"/>
               <a:defRPr sz="1200"/>
             </a:lvl6pPr>
-            <a:lvl7pPr indent="-304800" lvl="6" marL="3200400">
+            <a:lvl7pPr marL="3200400" lvl="6" indent="-304800">
               <a:spcBef>
                 <a:spcPts val="0"/>
               </a:spcBef>
@@ -4164,7 +4287,7 @@
               <a:buChar char="●"/>
               <a:defRPr sz="1200"/>
             </a:lvl7pPr>
-            <a:lvl8pPr indent="-304800" lvl="7" marL="3657600">
+            <a:lvl8pPr marL="3657600" lvl="7" indent="-304800">
               <a:spcBef>
                 <a:spcPts val="0"/>
               </a:spcBef>
@@ -4175,7 +4298,7 @@
               <a:buChar char="○"/>
               <a:defRPr sz="1200"/>
             </a:lvl8pPr>
-            <a:lvl9pPr indent="-304800" lvl="8" marL="4114800">
+            <a:lvl9pPr marL="4114800" lvl="8" indent="-304800">
               <a:spcBef>
                 <a:spcPts val="0"/>
               </a:spcBef>
@@ -4187,15 +4310,19 @@
               <a:defRPr sz="1200"/>
             </a:lvl9pPr>
           </a:lstStyle>
-          <a:p/>
+          <a:p>
+            <a:endParaRPr/>
+          </a:p>
         </p:txBody>
       </p:sp>
       <p:sp>
         <p:nvSpPr>
           <p:cNvPr id="26" name="Google Shape;26;p5"/>
-          <p:cNvSpPr txBox="1"/>
+          <p:cNvSpPr txBox="1">
+            <a:spLocks noGrp="1"/>
+          </p:cNvSpPr>
           <p:nvPr>
-            <p:ph idx="2" type="body"/>
+            <p:ph type="body" idx="2"/>
           </p:nvPr>
         </p:nvSpPr>
         <p:spPr>
@@ -4208,11 +4335,11 @@
           </a:prstGeom>
         </p:spPr>
         <p:txBody>
-          <a:bodyPr anchorCtr="0" anchor="t" bIns="91425" lIns="91425" spcFirstLastPara="1" rIns="91425" wrap="square" tIns="91425">
+          <a:bodyPr spcFirstLastPara="1" wrap="square" lIns="91425" tIns="91425" rIns="91425" bIns="91425" anchor="t" anchorCtr="0">
             <a:normAutofit/>
           </a:bodyPr>
           <a:lstStyle>
-            <a:lvl1pPr indent="-317500" lvl="0" marL="457200">
+            <a:lvl1pPr marL="457200" lvl="0" indent="-317500">
               <a:spcBef>
                 <a:spcPts val="0"/>
               </a:spcBef>
@@ -4223,7 +4350,7 @@
               <a:buChar char="●"/>
               <a:defRPr sz="1400"/>
             </a:lvl1pPr>
-            <a:lvl2pPr indent="-304800" lvl="1" marL="914400">
+            <a:lvl2pPr marL="914400" lvl="1" indent="-304800">
               <a:spcBef>
                 <a:spcPts val="0"/>
               </a:spcBef>
@@ -4234,7 +4361,7 @@
               <a:buChar char="○"/>
               <a:defRPr sz="1200"/>
             </a:lvl2pPr>
-            <a:lvl3pPr indent="-304800" lvl="2" marL="1371600">
+            <a:lvl3pPr marL="1371600" lvl="2" indent="-304800">
               <a:spcBef>
                 <a:spcPts val="0"/>
               </a:spcBef>
@@ -4245,7 +4372,7 @@
               <a:buChar char="■"/>
               <a:defRPr sz="1200"/>
             </a:lvl3pPr>
-            <a:lvl4pPr indent="-304800" lvl="3" marL="1828800">
+            <a:lvl4pPr marL="1828800" lvl="3" indent="-304800">
               <a:spcBef>
                 <a:spcPts val="0"/>
               </a:spcBef>
@@ -4256,7 +4383,7 @@
               <a:buChar char="●"/>
               <a:defRPr sz="1200"/>
             </a:lvl4pPr>
-            <a:lvl5pPr indent="-304800" lvl="4" marL="2286000">
+            <a:lvl5pPr marL="2286000" lvl="4" indent="-304800">
               <a:spcBef>
                 <a:spcPts val="0"/>
               </a:spcBef>
@@ -4267,7 +4394,7 @@
               <a:buChar char="○"/>
               <a:defRPr sz="1200"/>
             </a:lvl5pPr>
-            <a:lvl6pPr indent="-304800" lvl="5" marL="2743200">
+            <a:lvl6pPr marL="2743200" lvl="5" indent="-304800">
               <a:spcBef>
                 <a:spcPts val="0"/>
               </a:spcBef>
@@ -4278,7 +4405,7 @@
               <a:buChar char="■"/>
               <a:defRPr sz="1200"/>
             </a:lvl6pPr>
-            <a:lvl7pPr indent="-304800" lvl="6" marL="3200400">
+            <a:lvl7pPr marL="3200400" lvl="6" indent="-304800">
               <a:spcBef>
                 <a:spcPts val="0"/>
               </a:spcBef>
@@ -4289,7 +4416,7 @@
               <a:buChar char="●"/>
               <a:defRPr sz="1200"/>
             </a:lvl7pPr>
-            <a:lvl8pPr indent="-304800" lvl="7" marL="3657600">
+            <a:lvl8pPr marL="3657600" lvl="7" indent="-304800">
               <a:spcBef>
                 <a:spcPts val="0"/>
               </a:spcBef>
@@ -4300,7 +4427,7 @@
               <a:buChar char="○"/>
               <a:defRPr sz="1200"/>
             </a:lvl8pPr>
-            <a:lvl9pPr indent="-304800" lvl="8" marL="4114800">
+            <a:lvl9pPr marL="4114800" lvl="8" indent="-304800">
               <a:spcBef>
                 <a:spcPts val="0"/>
               </a:spcBef>
@@ -4312,15 +4439,19 @@
               <a:defRPr sz="1200"/>
             </a:lvl9pPr>
           </a:lstStyle>
-          <a:p/>
+          <a:p>
+            <a:endParaRPr/>
+          </a:p>
         </p:txBody>
       </p:sp>
       <p:sp>
         <p:nvSpPr>
           <p:cNvPr id="27" name="Google Shape;27;p5"/>
-          <p:cNvSpPr txBox="1"/>
+          <p:cNvSpPr txBox="1">
+            <a:spLocks noGrp="1"/>
+          </p:cNvSpPr>
           <p:nvPr>
-            <p:ph idx="12" type="sldNum"/>
+            <p:ph type="sldNum" idx="12"/>
           </p:nvPr>
         </p:nvSpPr>
         <p:spPr>
@@ -4333,7 +4464,7 @@
           </a:prstGeom>
         </p:spPr>
         <p:txBody>
-          <a:bodyPr anchorCtr="0" anchor="ctr" bIns="91425" lIns="91425" spcFirstLastPara="1" rIns="91425" wrap="square" tIns="91425">
+          <a:bodyPr spcFirstLastPara="1" wrap="square" lIns="91425" tIns="91425" rIns="91425" bIns="91425" anchor="ctr" anchorCtr="0">
             <a:normAutofit/>
           </a:bodyPr>
           <a:lstStyle>
@@ -4375,7 +4506,7 @@
             </a:lvl9pPr>
           </a:lstStyle>
           <a:p>
-            <a:pPr indent="0" lvl="0" marL="0" rtl="0" algn="r">
+            <a:pPr marL="0" lvl="0" indent="0" algn="r" rtl="0">
               <a:spcBef>
                 <a:spcPts val="0"/>
               </a:spcBef>
@@ -4386,7 +4517,7 @@
             </a:pPr>
             <a:fld id="{00000000-1234-1234-1234-123412341234}" type="slidenum">
               <a:rPr lang="de"/>
-              <a:t>‹#›</a:t>
+              <a:t>‹Nr.›</a:t>
             </a:fld>
             <a:endParaRPr/>
           </a:p>
@@ -4401,11 +4532,11 @@
 </file>
 
 <file path=ppt/slideLayouts/slideLayout5.xml><?xml version="1.0" encoding="utf-8"?>
-<p:sldLayout xmlns:a="http://schemas.openxmlformats.org/drawingml/2006/main" xmlns:r="http://schemas.openxmlformats.org/officeDocument/2006/relationships" xmlns:mc="http://schemas.openxmlformats.org/markup-compatibility/2006" xmlns:mv="urn:schemas-microsoft-com:mac:vml" xmlns:p="http://schemas.openxmlformats.org/presentationml/2006/main" xmlns:c="http://schemas.openxmlformats.org/drawingml/2006/chart" xmlns:dgm="http://schemas.openxmlformats.org/drawingml/2006/diagram" xmlns:o="urn:schemas-microsoft-com:office:office" xmlns:v="urn:schemas-microsoft-com:vml" xmlns:pvml="urn:schemas-microsoft-com:office:powerpoint" xmlns:com="http://schemas.openxmlformats.org/drawingml/2006/compatibility" xmlns:p14="http://schemas.microsoft.com/office/powerpoint/2010/main" xmlns:p15="http://schemas.microsoft.com/office/powerpoint/2012/main" xmlns:ahyp="http://schemas.microsoft.com/office/drawing/2018/hyperlinkcolor" matchingName="Title only" type="titleOnly">
+<p:sldLayout xmlns:a="http://schemas.openxmlformats.org/drawingml/2006/main" xmlns:r="http://schemas.openxmlformats.org/officeDocument/2006/relationships" xmlns:p="http://schemas.openxmlformats.org/presentationml/2006/main" matchingName="Title only" type="titleOnly">
   <p:cSld name="TITLE_ONLY">
     <p:spTree>
       <p:nvGrpSpPr>
-        <p:cNvPr id="28" name="Shape 28"/>
+        <p:cNvPr id="1" name="Shape 28"/>
         <p:cNvGrpSpPr/>
         <p:nvPr/>
       </p:nvGrpSpPr>
@@ -4420,7 +4551,9 @@
       <p:sp>
         <p:nvSpPr>
           <p:cNvPr id="29" name="Google Shape;29;p6"/>
-          <p:cNvSpPr txBox="1"/>
+          <p:cNvSpPr txBox="1">
+            <a:spLocks noGrp="1"/>
+          </p:cNvSpPr>
           <p:nvPr>
             <p:ph type="title"/>
           </p:nvPr>
@@ -4435,7 +4568,7 @@
           </a:prstGeom>
         </p:spPr>
         <p:txBody>
-          <a:bodyPr anchorCtr="0" anchor="t" bIns="91425" lIns="91425" spcFirstLastPara="1" rIns="91425" wrap="square" tIns="91425">
+          <a:bodyPr spcFirstLastPara="1" wrap="square" lIns="91425" tIns="91425" rIns="91425" bIns="91425" anchor="t" anchorCtr="0">
             <a:normAutofit/>
           </a:bodyPr>
           <a:lstStyle>
@@ -4539,15 +4672,19 @@
               <a:defRPr/>
             </a:lvl9pPr>
           </a:lstStyle>
-          <a:p/>
+          <a:p>
+            <a:endParaRPr/>
+          </a:p>
         </p:txBody>
       </p:sp>
       <p:sp>
         <p:nvSpPr>
           <p:cNvPr id="30" name="Google Shape;30;p6"/>
-          <p:cNvSpPr txBox="1"/>
+          <p:cNvSpPr txBox="1">
+            <a:spLocks noGrp="1"/>
+          </p:cNvSpPr>
           <p:nvPr>
-            <p:ph idx="12" type="sldNum"/>
+            <p:ph type="sldNum" idx="12"/>
           </p:nvPr>
         </p:nvSpPr>
         <p:spPr>
@@ -4560,7 +4697,7 @@
           </a:prstGeom>
         </p:spPr>
         <p:txBody>
-          <a:bodyPr anchorCtr="0" anchor="ctr" bIns="91425" lIns="91425" spcFirstLastPara="1" rIns="91425" wrap="square" tIns="91425">
+          <a:bodyPr spcFirstLastPara="1" wrap="square" lIns="91425" tIns="91425" rIns="91425" bIns="91425" anchor="ctr" anchorCtr="0">
             <a:normAutofit/>
           </a:bodyPr>
           <a:lstStyle>
@@ -4602,7 +4739,7 @@
             </a:lvl9pPr>
           </a:lstStyle>
           <a:p>
-            <a:pPr indent="0" lvl="0" marL="0" rtl="0" algn="r">
+            <a:pPr marL="0" lvl="0" indent="0" algn="r" rtl="0">
               <a:spcBef>
                 <a:spcPts val="0"/>
               </a:spcBef>
@@ -4613,7 +4750,7 @@
             </a:pPr>
             <a:fld id="{00000000-1234-1234-1234-123412341234}" type="slidenum">
               <a:rPr lang="de"/>
-              <a:t>‹#›</a:t>
+              <a:t>‹Nr.›</a:t>
             </a:fld>
             <a:endParaRPr/>
           </a:p>
@@ -4628,11 +4765,11 @@
 </file>
 
 <file path=ppt/slideLayouts/slideLayout6.xml><?xml version="1.0" encoding="utf-8"?>
-<p:sldLayout xmlns:a="http://schemas.openxmlformats.org/drawingml/2006/main" xmlns:r="http://schemas.openxmlformats.org/officeDocument/2006/relationships" xmlns:mc="http://schemas.openxmlformats.org/markup-compatibility/2006" xmlns:mv="urn:schemas-microsoft-com:mac:vml" xmlns:p="http://schemas.openxmlformats.org/presentationml/2006/main" xmlns:c="http://schemas.openxmlformats.org/drawingml/2006/chart" xmlns:dgm="http://schemas.openxmlformats.org/drawingml/2006/diagram" xmlns:o="urn:schemas-microsoft-com:office:office" xmlns:v="urn:schemas-microsoft-com:vml" xmlns:pvml="urn:schemas-microsoft-com:office:powerpoint" xmlns:com="http://schemas.openxmlformats.org/drawingml/2006/compatibility" xmlns:p14="http://schemas.microsoft.com/office/powerpoint/2010/main" xmlns:p15="http://schemas.microsoft.com/office/powerpoint/2012/main" xmlns:ahyp="http://schemas.microsoft.com/office/drawing/2018/hyperlinkcolor" matchingName="One column text">
+<p:sldLayout xmlns:a="http://schemas.openxmlformats.org/drawingml/2006/main" xmlns:r="http://schemas.openxmlformats.org/officeDocument/2006/relationships" xmlns:p="http://schemas.openxmlformats.org/presentationml/2006/main" matchingName="One column text">
   <p:cSld name="ONE_COLUMN_TEXT">
     <p:spTree>
       <p:nvGrpSpPr>
-        <p:cNvPr id="31" name="Shape 31"/>
+        <p:cNvPr id="1" name="Shape 31"/>
         <p:cNvGrpSpPr/>
         <p:nvPr/>
       </p:nvGrpSpPr>
@@ -4647,7 +4784,9 @@
       <p:sp>
         <p:nvSpPr>
           <p:cNvPr id="32" name="Google Shape;32;p7"/>
-          <p:cNvSpPr txBox="1"/>
+          <p:cNvSpPr txBox="1">
+            <a:spLocks noGrp="1"/>
+          </p:cNvSpPr>
           <p:nvPr>
             <p:ph type="title"/>
           </p:nvPr>
@@ -4662,7 +4801,7 @@
           </a:prstGeom>
         </p:spPr>
         <p:txBody>
-          <a:bodyPr anchorCtr="0" anchor="b" bIns="91425" lIns="91425" spcFirstLastPara="1" rIns="91425" wrap="square" tIns="91425">
+          <a:bodyPr spcFirstLastPara="1" wrap="square" lIns="91425" tIns="91425" rIns="91425" bIns="91425" anchor="b" anchorCtr="0">
             <a:normAutofit/>
           </a:bodyPr>
           <a:lstStyle>
@@ -4766,15 +4905,19 @@
               <a:defRPr sz="2400"/>
             </a:lvl9pPr>
           </a:lstStyle>
-          <a:p/>
+          <a:p>
+            <a:endParaRPr/>
+          </a:p>
         </p:txBody>
       </p:sp>
       <p:sp>
         <p:nvSpPr>
           <p:cNvPr id="33" name="Google Shape;33;p7"/>
-          <p:cNvSpPr txBox="1"/>
+          <p:cNvSpPr txBox="1">
+            <a:spLocks noGrp="1"/>
+          </p:cNvSpPr>
           <p:nvPr>
-            <p:ph idx="1" type="body"/>
+            <p:ph type="body" idx="1"/>
           </p:nvPr>
         </p:nvSpPr>
         <p:spPr>
@@ -4787,11 +4930,11 @@
           </a:prstGeom>
         </p:spPr>
         <p:txBody>
-          <a:bodyPr anchorCtr="0" anchor="t" bIns="91425" lIns="91425" spcFirstLastPara="1" rIns="91425" wrap="square" tIns="91425">
+          <a:bodyPr spcFirstLastPara="1" wrap="square" lIns="91425" tIns="91425" rIns="91425" bIns="91425" anchor="t" anchorCtr="0">
             <a:normAutofit/>
           </a:bodyPr>
           <a:lstStyle>
-            <a:lvl1pPr indent="-304800" lvl="0" marL="457200">
+            <a:lvl1pPr marL="457200" lvl="0" indent="-304800">
               <a:spcBef>
                 <a:spcPts val="0"/>
               </a:spcBef>
@@ -4802,7 +4945,7 @@
               <a:buChar char="●"/>
               <a:defRPr sz="1200"/>
             </a:lvl1pPr>
-            <a:lvl2pPr indent="-304800" lvl="1" marL="914400">
+            <a:lvl2pPr marL="914400" lvl="1" indent="-304800">
               <a:spcBef>
                 <a:spcPts val="0"/>
               </a:spcBef>
@@ -4813,7 +4956,7 @@
               <a:buChar char="○"/>
               <a:defRPr sz="1200"/>
             </a:lvl2pPr>
-            <a:lvl3pPr indent="-304800" lvl="2" marL="1371600">
+            <a:lvl3pPr marL="1371600" lvl="2" indent="-304800">
               <a:spcBef>
                 <a:spcPts val="0"/>
               </a:spcBef>
@@ -4824,7 +4967,7 @@
               <a:buChar char="■"/>
               <a:defRPr sz="1200"/>
             </a:lvl3pPr>
-            <a:lvl4pPr indent="-304800" lvl="3" marL="1828800">
+            <a:lvl4pPr marL="1828800" lvl="3" indent="-304800">
               <a:spcBef>
                 <a:spcPts val="0"/>
               </a:spcBef>
@@ -4835,7 +4978,7 @@
               <a:buChar char="●"/>
               <a:defRPr sz="1200"/>
             </a:lvl4pPr>
-            <a:lvl5pPr indent="-304800" lvl="4" marL="2286000">
+            <a:lvl5pPr marL="2286000" lvl="4" indent="-304800">
               <a:spcBef>
                 <a:spcPts val="0"/>
               </a:spcBef>
@@ -4846,7 +4989,7 @@
               <a:buChar char="○"/>
               <a:defRPr sz="1200"/>
             </a:lvl5pPr>
-            <a:lvl6pPr indent="-304800" lvl="5" marL="2743200">
+            <a:lvl6pPr marL="2743200" lvl="5" indent="-304800">
               <a:spcBef>
                 <a:spcPts val="0"/>
               </a:spcBef>
@@ -4857,7 +5000,7 @@
               <a:buChar char="■"/>
               <a:defRPr sz="1200"/>
             </a:lvl6pPr>
-            <a:lvl7pPr indent="-304800" lvl="6" marL="3200400">
+            <a:lvl7pPr marL="3200400" lvl="6" indent="-304800">
               <a:spcBef>
                 <a:spcPts val="0"/>
               </a:spcBef>
@@ -4868,7 +5011,7 @@
               <a:buChar char="●"/>
               <a:defRPr sz="1200"/>
             </a:lvl7pPr>
-            <a:lvl8pPr indent="-304800" lvl="7" marL="3657600">
+            <a:lvl8pPr marL="3657600" lvl="7" indent="-304800">
               <a:spcBef>
                 <a:spcPts val="0"/>
               </a:spcBef>
@@ -4879,7 +5022,7 @@
               <a:buChar char="○"/>
               <a:defRPr sz="1200"/>
             </a:lvl8pPr>
-            <a:lvl9pPr indent="-304800" lvl="8" marL="4114800">
+            <a:lvl9pPr marL="4114800" lvl="8" indent="-304800">
               <a:spcBef>
                 <a:spcPts val="0"/>
               </a:spcBef>
@@ -4891,15 +5034,19 @@
               <a:defRPr sz="1200"/>
             </a:lvl9pPr>
           </a:lstStyle>
-          <a:p/>
+          <a:p>
+            <a:endParaRPr/>
+          </a:p>
         </p:txBody>
       </p:sp>
       <p:sp>
         <p:nvSpPr>
           <p:cNvPr id="34" name="Google Shape;34;p7"/>
-          <p:cNvSpPr txBox="1"/>
+          <p:cNvSpPr txBox="1">
+            <a:spLocks noGrp="1"/>
+          </p:cNvSpPr>
           <p:nvPr>
-            <p:ph idx="12" type="sldNum"/>
+            <p:ph type="sldNum" idx="12"/>
           </p:nvPr>
         </p:nvSpPr>
         <p:spPr>
@@ -4912,7 +5059,7 @@
           </a:prstGeom>
         </p:spPr>
         <p:txBody>
-          <a:bodyPr anchorCtr="0" anchor="ctr" bIns="91425" lIns="91425" spcFirstLastPara="1" rIns="91425" wrap="square" tIns="91425">
+          <a:bodyPr spcFirstLastPara="1" wrap="square" lIns="91425" tIns="91425" rIns="91425" bIns="91425" anchor="ctr" anchorCtr="0">
             <a:normAutofit/>
           </a:bodyPr>
           <a:lstStyle>
@@ -4954,7 +5101,7 @@
             </a:lvl9pPr>
           </a:lstStyle>
           <a:p>
-            <a:pPr indent="0" lvl="0" marL="0" rtl="0" algn="r">
+            <a:pPr marL="0" lvl="0" indent="0" algn="r" rtl="0">
               <a:spcBef>
                 <a:spcPts val="0"/>
               </a:spcBef>
@@ -4965,7 +5112,7 @@
             </a:pPr>
             <a:fld id="{00000000-1234-1234-1234-123412341234}" type="slidenum">
               <a:rPr lang="de"/>
-              <a:t>‹#›</a:t>
+              <a:t>‹Nr.›</a:t>
             </a:fld>
             <a:endParaRPr/>
           </a:p>
@@ -4980,18 +5127,19 @@
 </file>
 
 <file path=ppt/slideLayouts/slideLayout7.xml><?xml version="1.0" encoding="utf-8"?>
-<p:sldLayout xmlns:a="http://schemas.openxmlformats.org/drawingml/2006/main" xmlns:r="http://schemas.openxmlformats.org/officeDocument/2006/relationships" xmlns:mc="http://schemas.openxmlformats.org/markup-compatibility/2006" xmlns:mv="urn:schemas-microsoft-com:mac:vml" xmlns:p="http://schemas.openxmlformats.org/presentationml/2006/main" xmlns:c="http://schemas.openxmlformats.org/drawingml/2006/chart" xmlns:dgm="http://schemas.openxmlformats.org/drawingml/2006/diagram" xmlns:o="urn:schemas-microsoft-com:office:office" xmlns:v="urn:schemas-microsoft-com:vml" xmlns:pvml="urn:schemas-microsoft-com:office:powerpoint" xmlns:com="http://schemas.openxmlformats.org/drawingml/2006/compatibility" xmlns:p14="http://schemas.microsoft.com/office/powerpoint/2010/main" xmlns:p15="http://schemas.microsoft.com/office/powerpoint/2012/main" xmlns:ahyp="http://schemas.microsoft.com/office/drawing/2018/hyperlinkcolor" matchingName="Main point">
+<p:sldLayout xmlns:a="http://schemas.openxmlformats.org/drawingml/2006/main" xmlns:r="http://schemas.openxmlformats.org/officeDocument/2006/relationships" xmlns:p="http://schemas.openxmlformats.org/presentationml/2006/main" matchingName="Main point">
   <p:cSld name="MAIN_POINT">
     <p:bg>
       <p:bgPr>
         <a:solidFill>
           <a:schemeClr val="lt2"/>
         </a:solidFill>
+        <a:effectLst/>
       </p:bgPr>
     </p:bg>
     <p:spTree>
       <p:nvGrpSpPr>
-        <p:cNvPr id="35" name="Shape 35"/>
+        <p:cNvPr id="1" name="Shape 35"/>
         <p:cNvGrpSpPr/>
         <p:nvPr/>
       </p:nvGrpSpPr>
@@ -5006,7 +5154,9 @@
       <p:sp>
         <p:nvSpPr>
           <p:cNvPr id="36" name="Google Shape;36;p8"/>
-          <p:cNvSpPr txBox="1"/>
+          <p:cNvSpPr txBox="1">
+            <a:spLocks noGrp="1"/>
+          </p:cNvSpPr>
           <p:nvPr>
             <p:ph type="title"/>
           </p:nvPr>
@@ -5021,7 +5171,7 @@
           </a:prstGeom>
         </p:spPr>
         <p:txBody>
-          <a:bodyPr anchorCtr="0" anchor="ctr" bIns="91425" lIns="91425" spcFirstLastPara="1" rIns="91425" wrap="square" tIns="91425">
+          <a:bodyPr spcFirstLastPara="1" wrap="square" lIns="91425" tIns="91425" rIns="91425" bIns="91425" anchor="ctr" anchorCtr="0">
             <a:normAutofit/>
           </a:bodyPr>
           <a:lstStyle>
@@ -5125,15 +5275,19 @@
               <a:defRPr sz="4800"/>
             </a:lvl9pPr>
           </a:lstStyle>
-          <a:p/>
+          <a:p>
+            <a:endParaRPr/>
+          </a:p>
         </p:txBody>
       </p:sp>
       <p:sp>
         <p:nvSpPr>
           <p:cNvPr id="37" name="Google Shape;37;p8"/>
-          <p:cNvSpPr txBox="1"/>
+          <p:cNvSpPr txBox="1">
+            <a:spLocks noGrp="1"/>
+          </p:cNvSpPr>
           <p:nvPr>
-            <p:ph idx="12" type="sldNum"/>
+            <p:ph type="sldNum" idx="12"/>
           </p:nvPr>
         </p:nvSpPr>
         <p:spPr>
@@ -5146,7 +5300,7 @@
           </a:prstGeom>
         </p:spPr>
         <p:txBody>
-          <a:bodyPr anchorCtr="0" anchor="ctr" bIns="91425" lIns="91425" spcFirstLastPara="1" rIns="91425" wrap="square" tIns="91425">
+          <a:bodyPr spcFirstLastPara="1" wrap="square" lIns="91425" tIns="91425" rIns="91425" bIns="91425" anchor="ctr" anchorCtr="0">
             <a:normAutofit/>
           </a:bodyPr>
           <a:lstStyle>
@@ -5188,7 +5342,7 @@
             </a:lvl9pPr>
           </a:lstStyle>
           <a:p>
-            <a:pPr indent="0" lvl="0" marL="0" rtl="0" algn="r">
+            <a:pPr marL="0" lvl="0" indent="0" algn="r" rtl="0">
               <a:spcBef>
                 <a:spcPts val="0"/>
               </a:spcBef>
@@ -5199,7 +5353,7 @@
             </a:pPr>
             <a:fld id="{00000000-1234-1234-1234-123412341234}" type="slidenum">
               <a:rPr lang="de"/>
-              <a:t>‹#›</a:t>
+              <a:t>‹Nr.›</a:t>
             </a:fld>
             <a:endParaRPr/>
           </a:p>
@@ -5214,11 +5368,11 @@
 </file>
 
 <file path=ppt/slideLayouts/slideLayout8.xml><?xml version="1.0" encoding="utf-8"?>
-<p:sldLayout xmlns:a="http://schemas.openxmlformats.org/drawingml/2006/main" xmlns:r="http://schemas.openxmlformats.org/officeDocument/2006/relationships" xmlns:mc="http://schemas.openxmlformats.org/markup-compatibility/2006" xmlns:mv="urn:schemas-microsoft-com:mac:vml" xmlns:p="http://schemas.openxmlformats.org/presentationml/2006/main" xmlns:c="http://schemas.openxmlformats.org/drawingml/2006/chart" xmlns:dgm="http://schemas.openxmlformats.org/drawingml/2006/diagram" xmlns:o="urn:schemas-microsoft-com:office:office" xmlns:v="urn:schemas-microsoft-com:vml" xmlns:pvml="urn:schemas-microsoft-com:office:powerpoint" xmlns:com="http://schemas.openxmlformats.org/drawingml/2006/compatibility" xmlns:p14="http://schemas.microsoft.com/office/powerpoint/2010/main" xmlns:p15="http://schemas.microsoft.com/office/powerpoint/2012/main" xmlns:ahyp="http://schemas.microsoft.com/office/drawing/2018/hyperlinkcolor" matchingName="Section title and description">
+<p:sldLayout xmlns:a="http://schemas.openxmlformats.org/drawingml/2006/main" xmlns:r="http://schemas.openxmlformats.org/officeDocument/2006/relationships" xmlns:p="http://schemas.openxmlformats.org/presentationml/2006/main" matchingName="Section title and description">
   <p:cSld name="SECTION_TITLE_AND_DESCRIPTION">
     <p:spTree>
       <p:nvGrpSpPr>
-        <p:cNvPr id="38" name="Shape 38"/>
+        <p:cNvPr id="1" name="Shape 38"/>
         <p:cNvGrpSpPr/>
         <p:nvPr/>
       </p:nvGrpSpPr>
@@ -5252,12 +5406,12 @@
           </a:ln>
         </p:spPr>
         <p:txBody>
-          <a:bodyPr anchorCtr="0" anchor="ctr" bIns="91425" lIns="91425" spcFirstLastPara="1" rIns="91425" wrap="square" tIns="91425">
+          <a:bodyPr spcFirstLastPara="1" wrap="square" lIns="91425" tIns="91425" rIns="91425" bIns="91425" anchor="ctr" anchorCtr="0">
             <a:noAutofit/>
           </a:bodyPr>
           <a:lstStyle/>
           <a:p>
-            <a:pPr indent="0" lvl="0" marL="0" rtl="0" algn="l">
+            <a:pPr marL="0" lvl="0" indent="0" algn="l" rtl="0">
               <a:spcBef>
                 <a:spcPts val="0"/>
               </a:spcBef>
@@ -5266,9 +5420,6 @@
               </a:spcAft>
               <a:buNone/>
             </a:pPr>
-            <a:r>
-              <a:t/>
-            </a:r>
             <a:endParaRPr/>
           </a:p>
         </p:txBody>
@@ -5288,21 +5439,23 @@
             <a:avLst/>
           </a:prstGeom>
           <a:noFill/>
-          <a:ln cap="flat" cmpd="sng" w="19050">
+          <a:ln w="19050" cap="flat" cmpd="sng">
             <a:solidFill>
               <a:schemeClr val="lt2"/>
             </a:solidFill>
             <a:prstDash val="solid"/>
             <a:round/>
-            <a:headEnd len="sm" w="sm" type="none"/>
-            <a:tailEnd len="sm" w="sm" type="none"/>
+            <a:headEnd type="none" w="sm" len="sm"/>
+            <a:tailEnd type="none" w="sm" len="sm"/>
           </a:ln>
         </p:spPr>
       </p:cxnSp>
       <p:sp>
         <p:nvSpPr>
           <p:cNvPr id="41" name="Google Shape;41;p9"/>
-          <p:cNvSpPr txBox="1"/>
+          <p:cNvSpPr txBox="1">
+            <a:spLocks noGrp="1"/>
+          </p:cNvSpPr>
           <p:nvPr>
             <p:ph type="title"/>
           </p:nvPr>
@@ -5317,7 +5470,7 @@
           </a:prstGeom>
         </p:spPr>
         <p:txBody>
-          <a:bodyPr anchorCtr="0" anchor="b" bIns="91425" lIns="91425" spcFirstLastPara="1" rIns="91425" wrap="square" tIns="91425">
+          <a:bodyPr spcFirstLastPara="1" wrap="square" lIns="91425" tIns="91425" rIns="91425" bIns="91425" anchor="b" anchorCtr="0">
             <a:normAutofit/>
           </a:bodyPr>
           <a:lstStyle>
@@ -5421,15 +5574,19 @@
               <a:defRPr sz="4200"/>
             </a:lvl9pPr>
           </a:lstStyle>
-          <a:p/>
+          <a:p>
+            <a:endParaRPr/>
+          </a:p>
         </p:txBody>
       </p:sp>
       <p:sp>
         <p:nvSpPr>
           <p:cNvPr id="42" name="Google Shape;42;p9"/>
-          <p:cNvSpPr txBox="1"/>
+          <p:cNvSpPr txBox="1">
+            <a:spLocks noGrp="1"/>
+          </p:cNvSpPr>
           <p:nvPr>
-            <p:ph idx="1" type="subTitle"/>
+            <p:ph type="subTitle" idx="1"/>
           </p:nvPr>
         </p:nvSpPr>
         <p:spPr>
@@ -5442,7 +5599,7 @@
           </a:prstGeom>
         </p:spPr>
         <p:txBody>
-          <a:bodyPr anchorCtr="0" anchor="t" bIns="91425" lIns="91425" spcFirstLastPara="1" rIns="91425" wrap="square" tIns="91425">
+          <a:bodyPr spcFirstLastPara="1" wrap="square" lIns="91425" tIns="91425" rIns="91425" bIns="91425" anchor="t" anchorCtr="0">
             <a:normAutofit/>
           </a:bodyPr>
           <a:lstStyle>
@@ -5573,15 +5730,19 @@
               <a:defRPr sz="2100"/>
             </a:lvl9pPr>
           </a:lstStyle>
-          <a:p/>
+          <a:p>
+            <a:endParaRPr/>
+          </a:p>
         </p:txBody>
       </p:sp>
       <p:sp>
         <p:nvSpPr>
           <p:cNvPr id="43" name="Google Shape;43;p9"/>
-          <p:cNvSpPr txBox="1"/>
+          <p:cNvSpPr txBox="1">
+            <a:spLocks noGrp="1"/>
+          </p:cNvSpPr>
           <p:nvPr>
-            <p:ph idx="2" type="body"/>
+            <p:ph type="body" idx="2"/>
           </p:nvPr>
         </p:nvSpPr>
         <p:spPr>
@@ -5594,11 +5755,11 @@
           </a:prstGeom>
         </p:spPr>
         <p:txBody>
-          <a:bodyPr anchorCtr="0" anchor="ctr" bIns="91425" lIns="91425" spcFirstLastPara="1" rIns="91425" wrap="square" tIns="91425">
+          <a:bodyPr spcFirstLastPara="1" wrap="square" lIns="91425" tIns="91425" rIns="91425" bIns="91425" anchor="ctr" anchorCtr="0">
             <a:normAutofit/>
           </a:bodyPr>
           <a:lstStyle>
-            <a:lvl1pPr indent="-342900" lvl="0" marL="457200">
+            <a:lvl1pPr marL="457200" lvl="0" indent="-342900">
               <a:spcBef>
                 <a:spcPts val="0"/>
               </a:spcBef>
@@ -5616,7 +5777,7 @@
                 </a:solidFill>
               </a:defRPr>
             </a:lvl1pPr>
-            <a:lvl2pPr indent="-317500" lvl="1" marL="914400">
+            <a:lvl2pPr marL="914400" lvl="1" indent="-317500">
               <a:spcBef>
                 <a:spcPts val="0"/>
               </a:spcBef>
@@ -5634,7 +5795,7 @@
                 </a:solidFill>
               </a:defRPr>
             </a:lvl2pPr>
-            <a:lvl3pPr indent="-317500" lvl="2" marL="1371600">
+            <a:lvl3pPr marL="1371600" lvl="2" indent="-317500">
               <a:spcBef>
                 <a:spcPts val="0"/>
               </a:spcBef>
@@ -5652,7 +5813,7 @@
                 </a:solidFill>
               </a:defRPr>
             </a:lvl3pPr>
-            <a:lvl4pPr indent="-317500" lvl="3" marL="1828800">
+            <a:lvl4pPr marL="1828800" lvl="3" indent="-317500">
               <a:spcBef>
                 <a:spcPts val="0"/>
               </a:spcBef>
@@ -5670,7 +5831,7 @@
                 </a:solidFill>
               </a:defRPr>
             </a:lvl4pPr>
-            <a:lvl5pPr indent="-317500" lvl="4" marL="2286000">
+            <a:lvl5pPr marL="2286000" lvl="4" indent="-317500">
               <a:spcBef>
                 <a:spcPts val="0"/>
               </a:spcBef>
@@ -5688,7 +5849,7 @@
                 </a:solidFill>
               </a:defRPr>
             </a:lvl5pPr>
-            <a:lvl6pPr indent="-317500" lvl="5" marL="2743200">
+            <a:lvl6pPr marL="2743200" lvl="5" indent="-317500">
               <a:spcBef>
                 <a:spcPts val="0"/>
               </a:spcBef>
@@ -5706,7 +5867,7 @@
                 </a:solidFill>
               </a:defRPr>
             </a:lvl6pPr>
-            <a:lvl7pPr indent="-317500" lvl="6" marL="3200400">
+            <a:lvl7pPr marL="3200400" lvl="6" indent="-317500">
               <a:spcBef>
                 <a:spcPts val="0"/>
               </a:spcBef>
@@ -5724,7 +5885,7 @@
                 </a:solidFill>
               </a:defRPr>
             </a:lvl7pPr>
-            <a:lvl8pPr indent="-317500" lvl="7" marL="3657600">
+            <a:lvl8pPr marL="3657600" lvl="7" indent="-317500">
               <a:spcBef>
                 <a:spcPts val="0"/>
               </a:spcBef>
@@ -5742,7 +5903,7 @@
                 </a:solidFill>
               </a:defRPr>
             </a:lvl8pPr>
-            <a:lvl9pPr indent="-317500" lvl="8" marL="4114800">
+            <a:lvl9pPr marL="4114800" lvl="8" indent="-317500">
               <a:spcBef>
                 <a:spcPts val="0"/>
               </a:spcBef>
@@ -5761,15 +5922,19 @@
               </a:defRPr>
             </a:lvl9pPr>
           </a:lstStyle>
-          <a:p/>
+          <a:p>
+            <a:endParaRPr/>
+          </a:p>
         </p:txBody>
       </p:sp>
       <p:sp>
         <p:nvSpPr>
           <p:cNvPr id="44" name="Google Shape;44;p9"/>
-          <p:cNvSpPr txBox="1"/>
+          <p:cNvSpPr txBox="1">
+            <a:spLocks noGrp="1"/>
+          </p:cNvSpPr>
           <p:nvPr>
-            <p:ph idx="12" type="sldNum"/>
+            <p:ph type="sldNum" idx="12"/>
           </p:nvPr>
         </p:nvSpPr>
         <p:spPr>
@@ -5782,7 +5947,7 @@
           </a:prstGeom>
         </p:spPr>
         <p:txBody>
-          <a:bodyPr anchorCtr="0" anchor="ctr" bIns="91425" lIns="91425" spcFirstLastPara="1" rIns="91425" wrap="square" tIns="91425">
+          <a:bodyPr spcFirstLastPara="1" wrap="square" lIns="91425" tIns="91425" rIns="91425" bIns="91425" anchor="ctr" anchorCtr="0">
             <a:normAutofit/>
           </a:bodyPr>
           <a:lstStyle>
@@ -5860,7 +6025,7 @@
             </a:lvl9pPr>
           </a:lstStyle>
           <a:p>
-            <a:pPr indent="0" lvl="0" marL="0" rtl="0" algn="r">
+            <a:pPr marL="0" lvl="0" indent="0" algn="r" rtl="0">
               <a:spcBef>
                 <a:spcPts val="0"/>
               </a:spcBef>
@@ -5871,7 +6036,7 @@
             </a:pPr>
             <a:fld id="{00000000-1234-1234-1234-123412341234}" type="slidenum">
               <a:rPr lang="de"/>
-              <a:t>‹#›</a:t>
+              <a:t>‹Nr.›</a:t>
             </a:fld>
             <a:endParaRPr/>
           </a:p>
@@ -5886,11 +6051,11 @@
 </file>
 
 <file path=ppt/slideLayouts/slideLayout9.xml><?xml version="1.0" encoding="utf-8"?>
-<p:sldLayout xmlns:a="http://schemas.openxmlformats.org/drawingml/2006/main" xmlns:r="http://schemas.openxmlformats.org/officeDocument/2006/relationships" xmlns:mc="http://schemas.openxmlformats.org/markup-compatibility/2006" xmlns:mv="urn:schemas-microsoft-com:mac:vml" xmlns:p="http://schemas.openxmlformats.org/presentationml/2006/main" xmlns:c="http://schemas.openxmlformats.org/drawingml/2006/chart" xmlns:dgm="http://schemas.openxmlformats.org/drawingml/2006/diagram" xmlns:o="urn:schemas-microsoft-com:office:office" xmlns:v="urn:schemas-microsoft-com:vml" xmlns:pvml="urn:schemas-microsoft-com:office:powerpoint" xmlns:com="http://schemas.openxmlformats.org/drawingml/2006/compatibility" xmlns:p14="http://schemas.microsoft.com/office/powerpoint/2010/main" xmlns:p15="http://schemas.microsoft.com/office/powerpoint/2012/main" xmlns:ahyp="http://schemas.microsoft.com/office/drawing/2018/hyperlinkcolor" matchingName="Caption">
+<p:sldLayout xmlns:a="http://schemas.openxmlformats.org/drawingml/2006/main" xmlns:r="http://schemas.openxmlformats.org/officeDocument/2006/relationships" xmlns:p="http://schemas.openxmlformats.org/presentationml/2006/main" matchingName="Caption">
   <p:cSld name="CAPTION_ONLY">
     <p:spTree>
       <p:nvGrpSpPr>
-        <p:cNvPr id="45" name="Shape 45"/>
+        <p:cNvPr id="1" name="Shape 45"/>
         <p:cNvGrpSpPr/>
         <p:nvPr/>
       </p:nvGrpSpPr>
@@ -5905,9 +6070,11 @@
       <p:sp>
         <p:nvSpPr>
           <p:cNvPr id="46" name="Google Shape;46;p10"/>
-          <p:cNvSpPr txBox="1"/>
+          <p:cNvSpPr txBox="1">
+            <a:spLocks noGrp="1"/>
+          </p:cNvSpPr>
           <p:nvPr>
-            <p:ph idx="1" type="body"/>
+            <p:ph type="body" idx="1"/>
           </p:nvPr>
         </p:nvSpPr>
         <p:spPr>
@@ -5920,11 +6087,11 @@
           </a:prstGeom>
         </p:spPr>
         <p:txBody>
-          <a:bodyPr anchorCtr="0" anchor="ctr" bIns="91425" lIns="91425" spcFirstLastPara="1" rIns="91425" wrap="square" tIns="91425">
+          <a:bodyPr spcFirstLastPara="1" wrap="square" lIns="91425" tIns="91425" rIns="91425" bIns="91425" anchor="ctr" anchorCtr="0">
             <a:normAutofit/>
           </a:bodyPr>
           <a:lstStyle>
-            <a:lvl1pPr indent="-228600" lvl="0" marL="457200">
+            <a:lvl1pPr marL="457200" lvl="0" indent="-228600">
               <a:lnSpc>
                 <a:spcPct val="100000"/>
               </a:lnSpc>
@@ -5939,15 +6106,19 @@
               <a:defRPr sz="2100"/>
             </a:lvl1pPr>
           </a:lstStyle>
-          <a:p/>
+          <a:p>
+            <a:endParaRPr/>
+          </a:p>
         </p:txBody>
       </p:sp>
       <p:sp>
         <p:nvSpPr>
           <p:cNvPr id="47" name="Google Shape;47;p10"/>
-          <p:cNvSpPr txBox="1"/>
+          <p:cNvSpPr txBox="1">
+            <a:spLocks noGrp="1"/>
+          </p:cNvSpPr>
           <p:nvPr>
-            <p:ph idx="12" type="sldNum"/>
+            <p:ph type="sldNum" idx="12"/>
           </p:nvPr>
         </p:nvSpPr>
         <p:spPr>
@@ -5960,7 +6131,7 @@
           </a:prstGeom>
         </p:spPr>
         <p:txBody>
-          <a:bodyPr anchorCtr="0" anchor="ctr" bIns="91425" lIns="91425" spcFirstLastPara="1" rIns="91425" wrap="square" tIns="91425">
+          <a:bodyPr spcFirstLastPara="1" wrap="square" lIns="91425" tIns="91425" rIns="91425" bIns="91425" anchor="ctr" anchorCtr="0">
             <a:normAutofit/>
           </a:bodyPr>
           <a:lstStyle>
@@ -6002,7 +6173,7 @@
             </a:lvl9pPr>
           </a:lstStyle>
           <a:p>
-            <a:pPr indent="0" lvl="0" marL="0" rtl="0" algn="r">
+            <a:pPr marL="0" lvl="0" indent="0" algn="r" rtl="0">
               <a:spcBef>
                 <a:spcPts val="0"/>
               </a:spcBef>
@@ -6013,7 +6184,7 @@
             </a:pPr>
             <a:fld id="{00000000-1234-1234-1234-123412341234}" type="slidenum">
               <a:rPr lang="de"/>
-              <a:t>‹#›</a:t>
+              <a:t>‹Nr.›</a:t>
             </a:fld>
             <a:endParaRPr/>
           </a:p>
@@ -6028,18 +6199,19 @@
 </file>
 
 <file path=ppt/slideMasters/slideMaster1.xml><?xml version="1.0" encoding="utf-8"?>
-<p:sldMaster xmlns:a="http://schemas.openxmlformats.org/drawingml/2006/main" xmlns:r="http://schemas.openxmlformats.org/officeDocument/2006/relationships" xmlns:mc="http://schemas.openxmlformats.org/markup-compatibility/2006" xmlns:mv="urn:schemas-microsoft-com:mac:vml" xmlns:p="http://schemas.openxmlformats.org/presentationml/2006/main" xmlns:c="http://schemas.openxmlformats.org/drawingml/2006/chart" xmlns:dgm="http://schemas.openxmlformats.org/drawingml/2006/diagram" xmlns:o="urn:schemas-microsoft-com:office:office" xmlns:v="urn:schemas-microsoft-com:vml" xmlns:pvml="urn:schemas-microsoft-com:office:powerpoint" xmlns:com="http://schemas.openxmlformats.org/drawingml/2006/compatibility" xmlns:p14="http://schemas.microsoft.com/office/powerpoint/2010/main" xmlns:p15="http://schemas.microsoft.com/office/powerpoint/2012/main" xmlns:ahyp="http://schemas.microsoft.com/office/drawing/2018/hyperlinkcolor">
+<p:sldMaster xmlns:a="http://schemas.openxmlformats.org/drawingml/2006/main" xmlns:r="http://schemas.openxmlformats.org/officeDocument/2006/relationships" xmlns:p="http://schemas.openxmlformats.org/presentationml/2006/main">
   <p:cSld name="spearmint">
     <p:bg>
       <p:bgPr>
         <a:solidFill>
           <a:schemeClr val="lt1"/>
         </a:solidFill>
+        <a:effectLst/>
       </p:bgPr>
     </p:bg>
     <p:spTree>
       <p:nvGrpSpPr>
-        <p:cNvPr id="5" name="Shape 5"/>
+        <p:cNvPr id="1" name="Shape 5"/>
         <p:cNvGrpSpPr/>
         <p:nvPr/>
       </p:nvGrpSpPr>
@@ -6054,7 +6226,9 @@
       <p:sp>
         <p:nvSpPr>
           <p:cNvPr id="6" name="Google Shape;6;p1"/>
-          <p:cNvSpPr txBox="1"/>
+          <p:cNvSpPr txBox="1">
+            <a:spLocks noGrp="1"/>
+          </p:cNvSpPr>
           <p:nvPr>
             <p:ph type="title"/>
           </p:nvPr>
@@ -6073,7 +6247,7 @@
           </a:ln>
         </p:spPr>
         <p:txBody>
-          <a:bodyPr anchorCtr="0" anchor="t" bIns="91425" lIns="91425" spcFirstLastPara="1" rIns="91425" wrap="square" tIns="91425">
+          <a:bodyPr spcFirstLastPara="1" wrap="square" lIns="91425" tIns="91425" rIns="91425" bIns="91425" anchor="t" anchorCtr="0">
             <a:normAutofit/>
           </a:bodyPr>
           <a:lstStyle>
@@ -6285,15 +6459,19 @@
               </a:defRPr>
             </a:lvl9pPr>
           </a:lstStyle>
-          <a:p/>
+          <a:p>
+            <a:endParaRPr/>
+          </a:p>
         </p:txBody>
       </p:sp>
       <p:sp>
         <p:nvSpPr>
           <p:cNvPr id="7" name="Google Shape;7;p1"/>
-          <p:cNvSpPr txBox="1"/>
+          <p:cNvSpPr txBox="1">
+            <a:spLocks noGrp="1"/>
+          </p:cNvSpPr>
           <p:nvPr>
-            <p:ph idx="1" type="body"/>
+            <p:ph type="body" idx="1"/>
           </p:nvPr>
         </p:nvSpPr>
         <p:spPr>
@@ -6310,11 +6488,11 @@
           </a:ln>
         </p:spPr>
         <p:txBody>
-          <a:bodyPr anchorCtr="0" anchor="t" bIns="91425" lIns="91425" spcFirstLastPara="1" rIns="91425" wrap="square" tIns="91425">
+          <a:bodyPr spcFirstLastPara="1" wrap="square" lIns="91425" tIns="91425" rIns="91425" bIns="91425" anchor="t" anchorCtr="0">
             <a:normAutofit/>
           </a:bodyPr>
           <a:lstStyle>
-            <a:lvl1pPr indent="-342900" lvl="0" marL="457200">
+            <a:lvl1pPr marL="457200" lvl="0" indent="-342900">
               <a:lnSpc>
                 <a:spcPct val="115000"/>
               </a:lnSpc>
@@ -6340,7 +6518,7 @@
                 <a:sym typeface="Proxima Nova"/>
               </a:defRPr>
             </a:lvl1pPr>
-            <a:lvl2pPr indent="-317500" lvl="1" marL="914400">
+            <a:lvl2pPr marL="914400" lvl="1" indent="-317500">
               <a:lnSpc>
                 <a:spcPct val="115000"/>
               </a:lnSpc>
@@ -6366,7 +6544,7 @@
                 <a:sym typeface="Proxima Nova"/>
               </a:defRPr>
             </a:lvl2pPr>
-            <a:lvl3pPr indent="-317500" lvl="2" marL="1371600">
+            <a:lvl3pPr marL="1371600" lvl="2" indent="-317500">
               <a:lnSpc>
                 <a:spcPct val="115000"/>
               </a:lnSpc>
@@ -6392,7 +6570,7 @@
                 <a:sym typeface="Proxima Nova"/>
               </a:defRPr>
             </a:lvl3pPr>
-            <a:lvl4pPr indent="-317500" lvl="3" marL="1828800">
+            <a:lvl4pPr marL="1828800" lvl="3" indent="-317500">
               <a:lnSpc>
                 <a:spcPct val="115000"/>
               </a:lnSpc>
@@ -6418,7 +6596,7 @@
                 <a:sym typeface="Proxima Nova"/>
               </a:defRPr>
             </a:lvl4pPr>
-            <a:lvl5pPr indent="-317500" lvl="4" marL="2286000">
+            <a:lvl5pPr marL="2286000" lvl="4" indent="-317500">
               <a:lnSpc>
                 <a:spcPct val="115000"/>
               </a:lnSpc>
@@ -6444,7 +6622,7 @@
                 <a:sym typeface="Proxima Nova"/>
               </a:defRPr>
             </a:lvl5pPr>
-            <a:lvl6pPr indent="-317500" lvl="5" marL="2743200">
+            <a:lvl6pPr marL="2743200" lvl="5" indent="-317500">
               <a:lnSpc>
                 <a:spcPct val="115000"/>
               </a:lnSpc>
@@ -6470,7 +6648,7 @@
                 <a:sym typeface="Proxima Nova"/>
               </a:defRPr>
             </a:lvl6pPr>
-            <a:lvl7pPr indent="-317500" lvl="6" marL="3200400">
+            <a:lvl7pPr marL="3200400" lvl="6" indent="-317500">
               <a:lnSpc>
                 <a:spcPct val="115000"/>
               </a:lnSpc>
@@ -6496,7 +6674,7 @@
                 <a:sym typeface="Proxima Nova"/>
               </a:defRPr>
             </a:lvl7pPr>
-            <a:lvl8pPr indent="-317500" lvl="7" marL="3657600">
+            <a:lvl8pPr marL="3657600" lvl="7" indent="-317500">
               <a:lnSpc>
                 <a:spcPct val="115000"/>
               </a:lnSpc>
@@ -6522,7 +6700,7 @@
                 <a:sym typeface="Proxima Nova"/>
               </a:defRPr>
             </a:lvl8pPr>
-            <a:lvl9pPr indent="-317500" lvl="8" marL="4114800">
+            <a:lvl9pPr marL="4114800" lvl="8" indent="-317500">
               <a:lnSpc>
                 <a:spcPct val="115000"/>
               </a:lnSpc>
@@ -6549,15 +6727,19 @@
               </a:defRPr>
             </a:lvl9pPr>
           </a:lstStyle>
-          <a:p/>
+          <a:p>
+            <a:endParaRPr/>
+          </a:p>
         </p:txBody>
       </p:sp>
       <p:sp>
         <p:nvSpPr>
           <p:cNvPr id="8" name="Google Shape;8;p1"/>
-          <p:cNvSpPr txBox="1"/>
+          <p:cNvSpPr txBox="1">
+            <a:spLocks noGrp="1"/>
+          </p:cNvSpPr>
           <p:nvPr>
-            <p:ph idx="12" type="sldNum"/>
+            <p:ph type="sldNum" idx="12"/>
           </p:nvPr>
         </p:nvSpPr>
         <p:spPr>
@@ -6574,7 +6756,7 @@
           </a:ln>
         </p:spPr>
         <p:txBody>
-          <a:bodyPr anchorCtr="0" anchor="ctr" bIns="91425" lIns="91425" spcFirstLastPara="1" rIns="91425" wrap="square" tIns="91425">
+          <a:bodyPr spcFirstLastPara="1" wrap="square" lIns="91425" tIns="91425" rIns="91425" bIns="91425" anchor="ctr" anchorCtr="0">
             <a:normAutofit/>
           </a:bodyPr>
           <a:lstStyle>
@@ -6688,7 +6870,7 @@
             </a:lvl9pPr>
           </a:lstStyle>
           <a:p>
-            <a:pPr indent="0" lvl="0" marL="0" rtl="0" algn="r">
+            <a:pPr marL="0" lvl="0" indent="0" algn="r" rtl="0">
               <a:spcBef>
                 <a:spcPts val="0"/>
               </a:spcBef>
@@ -6699,7 +6881,7 @@
             </a:pPr>
             <a:fld id="{00000000-1234-1234-1234-123412341234}" type="slidenum">
               <a:rPr lang="de"/>
-              <a:t>‹#›</a:t>
+              <a:t>‹Nr.›</a:t>
             </a:fld>
             <a:endParaRPr/>
           </a:p>
@@ -6707,7 +6889,7 @@
       </p:sp>
     </p:spTree>
   </p:cSld>
-  <p:clrMap accent1="accent1" accent2="accent2" accent3="accent3" accent4="accent4" accent5="accent5" accent6="accent6" bg1="lt1" bg2="dk2" tx1="dk1" tx2="lt2" folHlink="folHlink" hlink="hlink"/>
+  <p:clrMap bg1="lt1" tx1="dk1" bg2="dk2" tx2="lt2" accent1="accent1" accent2="accent2" accent3="accent3" accent4="accent4" accent5="accent5" accent6="accent6" hlink="hlink" folHlink="folHlink"/>
   <p:sldLayoutIdLst>
     <p:sldLayoutId id="2147483648" r:id="rId1"/>
     <p:sldLayoutId id="2147483649" r:id="rId2"/>
@@ -6721,10 +6903,10 @@
     <p:sldLayoutId id="2147483657" r:id="rId10"/>
     <p:sldLayoutId id="2147483658" r:id="rId11"/>
   </p:sldLayoutIdLst>
-  <p:hf dt="0" ftr="0" hdr="0"/>
+  <p:hf hdr="0" ftr="0" dt="0"/>
   <p:txStyles>
     <p:titleStyle>
-      <a:defPPr lvl="0" marR="0" rtl="0" algn="l">
+      <a:defPPr marR="0" lvl="0" algn="l" rtl="0">
         <a:lnSpc>
           <a:spcPct val="100000"/>
         </a:lnSpc>
@@ -6735,7 +6917,7 @@
           <a:spcPts val="0"/>
         </a:spcAft>
       </a:defPPr>
-      <a:lvl1pPr lvl="0" marR="0" rtl="0" algn="l">
+      <a:lvl1pPr marR="0" lvl="0" algn="l" rtl="0">
         <a:lnSpc>
           <a:spcPct val="100000"/>
         </a:lnSpc>
@@ -6749,7 +6931,7 @@
           <a:srgbClr val="000000"/>
         </a:buClr>
         <a:buFont typeface="Arial"/>
-        <a:defRPr b="0" i="0" sz="1400" u="none" cap="none" strike="noStrike">
+        <a:defRPr sz="1400" b="0" i="0" u="none" strike="noStrike" cap="none">
           <a:solidFill>
             <a:srgbClr val="000000"/>
           </a:solidFill>
@@ -6759,7 +6941,7 @@
           <a:sym typeface="Arial"/>
         </a:defRPr>
       </a:lvl1pPr>
-      <a:lvl2pPr lvl="1" marR="0" rtl="0" algn="l">
+      <a:lvl2pPr marR="0" lvl="1" algn="l" rtl="0">
         <a:lnSpc>
           <a:spcPct val="100000"/>
         </a:lnSpc>
@@ -6773,7 +6955,7 @@
           <a:srgbClr val="000000"/>
         </a:buClr>
         <a:buFont typeface="Arial"/>
-        <a:defRPr b="0" i="0" sz="1400" u="none" cap="none" strike="noStrike">
+        <a:defRPr sz="1400" b="0" i="0" u="none" strike="noStrike" cap="none">
           <a:solidFill>
             <a:srgbClr val="000000"/>
           </a:solidFill>
@@ -6783,7 +6965,7 @@
           <a:sym typeface="Arial"/>
         </a:defRPr>
       </a:lvl2pPr>
-      <a:lvl3pPr lvl="2" marR="0" rtl="0" algn="l">
+      <a:lvl3pPr marR="0" lvl="2" algn="l" rtl="0">
         <a:lnSpc>
           <a:spcPct val="100000"/>
         </a:lnSpc>
@@ -6797,7 +6979,7 @@
           <a:srgbClr val="000000"/>
         </a:buClr>
         <a:buFont typeface="Arial"/>
-        <a:defRPr b="0" i="0" sz="1400" u="none" cap="none" strike="noStrike">
+        <a:defRPr sz="1400" b="0" i="0" u="none" strike="noStrike" cap="none">
           <a:solidFill>
             <a:srgbClr val="000000"/>
           </a:solidFill>
@@ -6807,7 +6989,7 @@
           <a:sym typeface="Arial"/>
         </a:defRPr>
       </a:lvl3pPr>
-      <a:lvl4pPr lvl="3" marR="0" rtl="0" algn="l">
+      <a:lvl4pPr marR="0" lvl="3" algn="l" rtl="0">
         <a:lnSpc>
           <a:spcPct val="100000"/>
         </a:lnSpc>
@@ -6821,7 +7003,7 @@
           <a:srgbClr val="000000"/>
         </a:buClr>
         <a:buFont typeface="Arial"/>
-        <a:defRPr b="0" i="0" sz="1400" u="none" cap="none" strike="noStrike">
+        <a:defRPr sz="1400" b="0" i="0" u="none" strike="noStrike" cap="none">
           <a:solidFill>
             <a:srgbClr val="000000"/>
           </a:solidFill>
@@ -6831,7 +7013,7 @@
           <a:sym typeface="Arial"/>
         </a:defRPr>
       </a:lvl4pPr>
-      <a:lvl5pPr lvl="4" marR="0" rtl="0" algn="l">
+      <a:lvl5pPr marR="0" lvl="4" algn="l" rtl="0">
         <a:lnSpc>
           <a:spcPct val="100000"/>
         </a:lnSpc>
@@ -6845,7 +7027,7 @@
           <a:srgbClr val="000000"/>
         </a:buClr>
         <a:buFont typeface="Arial"/>
-        <a:defRPr b="0" i="0" sz="1400" u="none" cap="none" strike="noStrike">
+        <a:defRPr sz="1400" b="0" i="0" u="none" strike="noStrike" cap="none">
           <a:solidFill>
             <a:srgbClr val="000000"/>
           </a:solidFill>
@@ -6855,7 +7037,7 @@
           <a:sym typeface="Arial"/>
         </a:defRPr>
       </a:lvl5pPr>
-      <a:lvl6pPr lvl="5" marR="0" rtl="0" algn="l">
+      <a:lvl6pPr marR="0" lvl="5" algn="l" rtl="0">
         <a:lnSpc>
           <a:spcPct val="100000"/>
         </a:lnSpc>
@@ -6869,7 +7051,7 @@
           <a:srgbClr val="000000"/>
         </a:buClr>
         <a:buFont typeface="Arial"/>
-        <a:defRPr b="0" i="0" sz="1400" u="none" cap="none" strike="noStrike">
+        <a:defRPr sz="1400" b="0" i="0" u="none" strike="noStrike" cap="none">
           <a:solidFill>
             <a:srgbClr val="000000"/>
           </a:solidFill>
@@ -6879,7 +7061,7 @@
           <a:sym typeface="Arial"/>
         </a:defRPr>
       </a:lvl6pPr>
-      <a:lvl7pPr lvl="6" marR="0" rtl="0" algn="l">
+      <a:lvl7pPr marR="0" lvl="6" algn="l" rtl="0">
         <a:lnSpc>
           <a:spcPct val="100000"/>
         </a:lnSpc>
@@ -6893,7 +7075,7 @@
           <a:srgbClr val="000000"/>
         </a:buClr>
         <a:buFont typeface="Arial"/>
-        <a:defRPr b="0" i="0" sz="1400" u="none" cap="none" strike="noStrike">
+        <a:defRPr sz="1400" b="0" i="0" u="none" strike="noStrike" cap="none">
           <a:solidFill>
             <a:srgbClr val="000000"/>
           </a:solidFill>
@@ -6903,7 +7085,7 @@
           <a:sym typeface="Arial"/>
         </a:defRPr>
       </a:lvl7pPr>
-      <a:lvl8pPr lvl="7" marR="0" rtl="0" algn="l">
+      <a:lvl8pPr marR="0" lvl="7" algn="l" rtl="0">
         <a:lnSpc>
           <a:spcPct val="100000"/>
         </a:lnSpc>
@@ -6917,7 +7099,7 @@
           <a:srgbClr val="000000"/>
         </a:buClr>
         <a:buFont typeface="Arial"/>
-        <a:defRPr b="0" i="0" sz="1400" u="none" cap="none" strike="noStrike">
+        <a:defRPr sz="1400" b="0" i="0" u="none" strike="noStrike" cap="none">
           <a:solidFill>
             <a:srgbClr val="000000"/>
           </a:solidFill>
@@ -6927,7 +7109,7 @@
           <a:sym typeface="Arial"/>
         </a:defRPr>
       </a:lvl8pPr>
-      <a:lvl9pPr lvl="8" marR="0" rtl="0" algn="l">
+      <a:lvl9pPr marR="0" lvl="8" algn="l" rtl="0">
         <a:lnSpc>
           <a:spcPct val="100000"/>
         </a:lnSpc>
@@ -6941,7 +7123,7 @@
           <a:srgbClr val="000000"/>
         </a:buClr>
         <a:buFont typeface="Arial"/>
-        <a:defRPr b="0" i="0" sz="1400" u="none" cap="none" strike="noStrike">
+        <a:defRPr sz="1400" b="0" i="0" u="none" strike="noStrike" cap="none">
           <a:solidFill>
             <a:srgbClr val="000000"/>
           </a:solidFill>
@@ -6953,7 +7135,7 @@
       </a:lvl9pPr>
     </p:titleStyle>
     <p:bodyStyle>
-      <a:defPPr lvl="0" marR="0" rtl="0" algn="l">
+      <a:defPPr marR="0" lvl="0" algn="l" rtl="0">
         <a:lnSpc>
           <a:spcPct val="100000"/>
         </a:lnSpc>
@@ -6964,7 +7146,7 @@
           <a:spcPts val="0"/>
         </a:spcAft>
       </a:defPPr>
-      <a:lvl1pPr lvl="0" marR="0" rtl="0" algn="l">
+      <a:lvl1pPr marR="0" lvl="0" algn="l" rtl="0">
         <a:lnSpc>
           <a:spcPct val="100000"/>
         </a:lnSpc>
@@ -6978,7 +7160,7 @@
           <a:srgbClr val="000000"/>
         </a:buClr>
         <a:buFont typeface="Arial"/>
-        <a:defRPr b="0" i="0" sz="1400" u="none" cap="none" strike="noStrike">
+        <a:defRPr sz="1400" b="0" i="0" u="none" strike="noStrike" cap="none">
           <a:solidFill>
             <a:srgbClr val="000000"/>
           </a:solidFill>
@@ -6988,7 +7170,7 @@
           <a:sym typeface="Arial"/>
         </a:defRPr>
       </a:lvl1pPr>
-      <a:lvl2pPr lvl="1" marR="0" rtl="0" algn="l">
+      <a:lvl2pPr marR="0" lvl="1" algn="l" rtl="0">
         <a:lnSpc>
           <a:spcPct val="100000"/>
         </a:lnSpc>
@@ -7002,7 +7184,7 @@
           <a:srgbClr val="000000"/>
         </a:buClr>
         <a:buFont typeface="Arial"/>
-        <a:defRPr b="0" i="0" sz="1400" u="none" cap="none" strike="noStrike">
+        <a:defRPr sz="1400" b="0" i="0" u="none" strike="noStrike" cap="none">
           <a:solidFill>
             <a:srgbClr val="000000"/>
           </a:solidFill>
@@ -7012,7 +7194,7 @@
           <a:sym typeface="Arial"/>
         </a:defRPr>
       </a:lvl2pPr>
-      <a:lvl3pPr lvl="2" marR="0" rtl="0" algn="l">
+      <a:lvl3pPr marR="0" lvl="2" algn="l" rtl="0">
         <a:lnSpc>
           <a:spcPct val="100000"/>
         </a:lnSpc>
@@ -7026,7 +7208,7 @@
           <a:srgbClr val="000000"/>
         </a:buClr>
         <a:buFont typeface="Arial"/>
-        <a:defRPr b="0" i="0" sz="1400" u="none" cap="none" strike="noStrike">
+        <a:defRPr sz="1400" b="0" i="0" u="none" strike="noStrike" cap="none">
           <a:solidFill>
             <a:srgbClr val="000000"/>
           </a:solidFill>
@@ -7036,7 +7218,7 @@
           <a:sym typeface="Arial"/>
         </a:defRPr>
       </a:lvl3pPr>
-      <a:lvl4pPr lvl="3" marR="0" rtl="0" algn="l">
+      <a:lvl4pPr marR="0" lvl="3" algn="l" rtl="0">
         <a:lnSpc>
           <a:spcPct val="100000"/>
         </a:lnSpc>
@@ -7050,7 +7232,7 @@
           <a:srgbClr val="000000"/>
         </a:buClr>
         <a:buFont typeface="Arial"/>
-        <a:defRPr b="0" i="0" sz="1400" u="none" cap="none" strike="noStrike">
+        <a:defRPr sz="1400" b="0" i="0" u="none" strike="noStrike" cap="none">
           <a:solidFill>
             <a:srgbClr val="000000"/>
           </a:solidFill>
@@ -7060,7 +7242,7 @@
           <a:sym typeface="Arial"/>
         </a:defRPr>
       </a:lvl4pPr>
-      <a:lvl5pPr lvl="4" marR="0" rtl="0" algn="l">
+      <a:lvl5pPr marR="0" lvl="4" algn="l" rtl="0">
         <a:lnSpc>
           <a:spcPct val="100000"/>
         </a:lnSpc>
@@ -7074,7 +7256,7 @@
           <a:srgbClr val="000000"/>
         </a:buClr>
         <a:buFont typeface="Arial"/>
-        <a:defRPr b="0" i="0" sz="1400" u="none" cap="none" strike="noStrike">
+        <a:defRPr sz="1400" b="0" i="0" u="none" strike="noStrike" cap="none">
           <a:solidFill>
             <a:srgbClr val="000000"/>
           </a:solidFill>
@@ -7084,7 +7266,7 @@
           <a:sym typeface="Arial"/>
         </a:defRPr>
       </a:lvl5pPr>
-      <a:lvl6pPr lvl="5" marR="0" rtl="0" algn="l">
+      <a:lvl6pPr marR="0" lvl="5" algn="l" rtl="0">
         <a:lnSpc>
           <a:spcPct val="100000"/>
         </a:lnSpc>
@@ -7098,7 +7280,7 @@
           <a:srgbClr val="000000"/>
         </a:buClr>
         <a:buFont typeface="Arial"/>
-        <a:defRPr b="0" i="0" sz="1400" u="none" cap="none" strike="noStrike">
+        <a:defRPr sz="1400" b="0" i="0" u="none" strike="noStrike" cap="none">
           <a:solidFill>
             <a:srgbClr val="000000"/>
           </a:solidFill>
@@ -7108,7 +7290,7 @@
           <a:sym typeface="Arial"/>
         </a:defRPr>
       </a:lvl6pPr>
-      <a:lvl7pPr lvl="6" marR="0" rtl="0" algn="l">
+      <a:lvl7pPr marR="0" lvl="6" algn="l" rtl="0">
         <a:lnSpc>
           <a:spcPct val="100000"/>
         </a:lnSpc>
@@ -7122,7 +7304,7 @@
           <a:srgbClr val="000000"/>
         </a:buClr>
         <a:buFont typeface="Arial"/>
-        <a:defRPr b="0" i="0" sz="1400" u="none" cap="none" strike="noStrike">
+        <a:defRPr sz="1400" b="0" i="0" u="none" strike="noStrike" cap="none">
           <a:solidFill>
             <a:srgbClr val="000000"/>
           </a:solidFill>
@@ -7132,7 +7314,7 @@
           <a:sym typeface="Arial"/>
         </a:defRPr>
       </a:lvl7pPr>
-      <a:lvl8pPr lvl="7" marR="0" rtl="0" algn="l">
+      <a:lvl8pPr marR="0" lvl="7" algn="l" rtl="0">
         <a:lnSpc>
           <a:spcPct val="100000"/>
         </a:lnSpc>
@@ -7146,7 +7328,7 @@
           <a:srgbClr val="000000"/>
         </a:buClr>
         <a:buFont typeface="Arial"/>
-        <a:defRPr b="0" i="0" sz="1400" u="none" cap="none" strike="noStrike">
+        <a:defRPr sz="1400" b="0" i="0" u="none" strike="noStrike" cap="none">
           <a:solidFill>
             <a:srgbClr val="000000"/>
           </a:solidFill>
@@ -7156,7 +7338,7 @@
           <a:sym typeface="Arial"/>
         </a:defRPr>
       </a:lvl8pPr>
-      <a:lvl9pPr lvl="8" marR="0" rtl="0" algn="l">
+      <a:lvl9pPr marR="0" lvl="8" algn="l" rtl="0">
         <a:lnSpc>
           <a:spcPct val="100000"/>
         </a:lnSpc>
@@ -7170,7 +7352,7 @@
           <a:srgbClr val="000000"/>
         </a:buClr>
         <a:buFont typeface="Arial"/>
-        <a:defRPr b="0" i="0" sz="1400" u="none" cap="none" strike="noStrike">
+        <a:defRPr sz="1400" b="0" i="0" u="none" strike="noStrike" cap="none">
           <a:solidFill>
             <a:srgbClr val="000000"/>
           </a:solidFill>
@@ -7182,7 +7364,7 @@
       </a:lvl9pPr>
     </p:bodyStyle>
     <p:otherStyle>
-      <a:defPPr lvl="0" marR="0" rtl="0" algn="l">
+      <a:defPPr marR="0" lvl="0" algn="l" rtl="0">
         <a:lnSpc>
           <a:spcPct val="100000"/>
         </a:lnSpc>
@@ -7193,7 +7375,7 @@
           <a:spcPts val="0"/>
         </a:spcAft>
       </a:defPPr>
-      <a:lvl1pPr lvl="0" marR="0" rtl="0" algn="l">
+      <a:lvl1pPr marR="0" lvl="0" algn="l" rtl="0">
         <a:lnSpc>
           <a:spcPct val="100000"/>
         </a:lnSpc>
@@ -7207,7 +7389,7 @@
           <a:srgbClr val="000000"/>
         </a:buClr>
         <a:buFont typeface="Arial"/>
-        <a:defRPr b="0" i="0" sz="1400" u="none" cap="none" strike="noStrike">
+        <a:defRPr sz="1400" b="0" i="0" u="none" strike="noStrike" cap="none">
           <a:solidFill>
             <a:srgbClr val="000000"/>
           </a:solidFill>
@@ -7217,7 +7399,7 @@
           <a:sym typeface="Arial"/>
         </a:defRPr>
       </a:lvl1pPr>
-      <a:lvl2pPr lvl="1" marR="0" rtl="0" algn="l">
+      <a:lvl2pPr marR="0" lvl="1" algn="l" rtl="0">
         <a:lnSpc>
           <a:spcPct val="100000"/>
         </a:lnSpc>
@@ -7231,7 +7413,7 @@
           <a:srgbClr val="000000"/>
         </a:buClr>
         <a:buFont typeface="Arial"/>
-        <a:defRPr b="0" i="0" sz="1400" u="none" cap="none" strike="noStrike">
+        <a:defRPr sz="1400" b="0" i="0" u="none" strike="noStrike" cap="none">
           <a:solidFill>
             <a:srgbClr val="000000"/>
           </a:solidFill>
@@ -7241,7 +7423,7 @@
           <a:sym typeface="Arial"/>
         </a:defRPr>
       </a:lvl2pPr>
-      <a:lvl3pPr lvl="2" marR="0" rtl="0" algn="l">
+      <a:lvl3pPr marR="0" lvl="2" algn="l" rtl="0">
         <a:lnSpc>
           <a:spcPct val="100000"/>
         </a:lnSpc>
@@ -7255,7 +7437,7 @@
           <a:srgbClr val="000000"/>
         </a:buClr>
         <a:buFont typeface="Arial"/>
-        <a:defRPr b="0" i="0" sz="1400" u="none" cap="none" strike="noStrike">
+        <a:defRPr sz="1400" b="0" i="0" u="none" strike="noStrike" cap="none">
           <a:solidFill>
             <a:srgbClr val="000000"/>
           </a:solidFill>
@@ -7265,7 +7447,7 @@
           <a:sym typeface="Arial"/>
         </a:defRPr>
       </a:lvl3pPr>
-      <a:lvl4pPr lvl="3" marR="0" rtl="0" algn="l">
+      <a:lvl4pPr marR="0" lvl="3" algn="l" rtl="0">
         <a:lnSpc>
           <a:spcPct val="100000"/>
         </a:lnSpc>
@@ -7279,7 +7461,7 @@
           <a:srgbClr val="000000"/>
         </a:buClr>
         <a:buFont typeface="Arial"/>
-        <a:defRPr b="0" i="0" sz="1400" u="none" cap="none" strike="noStrike">
+        <a:defRPr sz="1400" b="0" i="0" u="none" strike="noStrike" cap="none">
           <a:solidFill>
             <a:srgbClr val="000000"/>
           </a:solidFill>
@@ -7289,7 +7471,7 @@
           <a:sym typeface="Arial"/>
         </a:defRPr>
       </a:lvl4pPr>
-      <a:lvl5pPr lvl="4" marR="0" rtl="0" algn="l">
+      <a:lvl5pPr marR="0" lvl="4" algn="l" rtl="0">
         <a:lnSpc>
           <a:spcPct val="100000"/>
         </a:lnSpc>
@@ -7303,7 +7485,7 @@
           <a:srgbClr val="000000"/>
         </a:buClr>
         <a:buFont typeface="Arial"/>
-        <a:defRPr b="0" i="0" sz="1400" u="none" cap="none" strike="noStrike">
+        <a:defRPr sz="1400" b="0" i="0" u="none" strike="noStrike" cap="none">
           <a:solidFill>
             <a:srgbClr val="000000"/>
           </a:solidFill>
@@ -7313,7 +7495,7 @@
           <a:sym typeface="Arial"/>
         </a:defRPr>
       </a:lvl5pPr>
-      <a:lvl6pPr lvl="5" marR="0" rtl="0" algn="l">
+      <a:lvl6pPr marR="0" lvl="5" algn="l" rtl="0">
         <a:lnSpc>
           <a:spcPct val="100000"/>
         </a:lnSpc>
@@ -7327,7 +7509,7 @@
           <a:srgbClr val="000000"/>
         </a:buClr>
         <a:buFont typeface="Arial"/>
-        <a:defRPr b="0" i="0" sz="1400" u="none" cap="none" strike="noStrike">
+        <a:defRPr sz="1400" b="0" i="0" u="none" strike="noStrike" cap="none">
           <a:solidFill>
             <a:srgbClr val="000000"/>
           </a:solidFill>
@@ -7337,7 +7519,7 @@
           <a:sym typeface="Arial"/>
         </a:defRPr>
       </a:lvl6pPr>
-      <a:lvl7pPr lvl="6" marR="0" rtl="0" algn="l">
+      <a:lvl7pPr marR="0" lvl="6" algn="l" rtl="0">
         <a:lnSpc>
           <a:spcPct val="100000"/>
         </a:lnSpc>
@@ -7351,7 +7533,7 @@
           <a:srgbClr val="000000"/>
         </a:buClr>
         <a:buFont typeface="Arial"/>
-        <a:defRPr b="0" i="0" sz="1400" u="none" cap="none" strike="noStrike">
+        <a:defRPr sz="1400" b="0" i="0" u="none" strike="noStrike" cap="none">
           <a:solidFill>
             <a:srgbClr val="000000"/>
           </a:solidFill>
@@ -7361,7 +7543,7 @@
           <a:sym typeface="Arial"/>
         </a:defRPr>
       </a:lvl7pPr>
-      <a:lvl8pPr lvl="7" marR="0" rtl="0" algn="l">
+      <a:lvl8pPr marR="0" lvl="7" algn="l" rtl="0">
         <a:lnSpc>
           <a:spcPct val="100000"/>
         </a:lnSpc>
@@ -7375,7 +7557,7 @@
           <a:srgbClr val="000000"/>
         </a:buClr>
         <a:buFont typeface="Arial"/>
-        <a:defRPr b="0" i="0" sz="1400" u="none" cap="none" strike="noStrike">
+        <a:defRPr sz="1400" b="0" i="0" u="none" strike="noStrike" cap="none">
           <a:solidFill>
             <a:srgbClr val="000000"/>
           </a:solidFill>
@@ -7385,7 +7567,7 @@
           <a:sym typeface="Arial"/>
         </a:defRPr>
       </a:lvl8pPr>
-      <a:lvl9pPr lvl="8" marR="0" rtl="0" algn="l">
+      <a:lvl9pPr marR="0" lvl="8" algn="l" rtl="0">
         <a:lnSpc>
           <a:spcPct val="100000"/>
         </a:lnSpc>
@@ -7399,7 +7581,7 @@
           <a:srgbClr val="000000"/>
         </a:buClr>
         <a:buFont typeface="Arial"/>
-        <a:defRPr b="0" i="0" sz="1400" u="none" cap="none" strike="noStrike">
+        <a:defRPr sz="1400" b="0" i="0" u="none" strike="noStrike" cap="none">
           <a:solidFill>
             <a:srgbClr val="000000"/>
           </a:solidFill>
@@ -7415,7 +7597,7 @@
 </file>
 
 <file path=ppt/slides/slide1.xml><?xml version="1.0" encoding="utf-8"?>
-<p:sld xmlns:a="http://schemas.openxmlformats.org/drawingml/2006/main" xmlns:r="http://schemas.openxmlformats.org/officeDocument/2006/relationships" xmlns:mc="http://schemas.openxmlformats.org/markup-compatibility/2006" xmlns:mv="urn:schemas-microsoft-com:mac:vml" xmlns:p="http://schemas.openxmlformats.org/presentationml/2006/main" xmlns:c="http://schemas.openxmlformats.org/drawingml/2006/chart" xmlns:dgm="http://schemas.openxmlformats.org/drawingml/2006/diagram" xmlns:o="urn:schemas-microsoft-com:office:office" xmlns:v="urn:schemas-microsoft-com:vml" xmlns:pvml="urn:schemas-microsoft-com:office:powerpoint" xmlns:com="http://schemas.openxmlformats.org/drawingml/2006/compatibility" xmlns:p14="http://schemas.microsoft.com/office/powerpoint/2010/main" xmlns:p15="http://schemas.microsoft.com/office/powerpoint/2012/main" xmlns:ahyp="http://schemas.microsoft.com/office/drawing/2018/hyperlinkcolor">
+<p:sld xmlns:a="http://schemas.openxmlformats.org/drawingml/2006/main" xmlns:r="http://schemas.openxmlformats.org/officeDocument/2006/relationships" xmlns:p="http://schemas.openxmlformats.org/presentationml/2006/main">
   <p:cSld>
     <p:bg>
       <p:bgPr>
@@ -7427,11 +7609,12 @@
             <a:fillRect/>
           </a:stretch>
         </a:blipFill>
+        <a:effectLst/>
       </p:bgPr>
     </p:bg>
     <p:spTree>
       <p:nvGrpSpPr>
-        <p:cNvPr id="58" name="Shape 58"/>
+        <p:cNvPr id="1" name="Shape 58"/>
         <p:cNvGrpSpPr/>
         <p:nvPr/>
       </p:nvGrpSpPr>
@@ -7446,7 +7629,9 @@
       <p:sp>
         <p:nvSpPr>
           <p:cNvPr id="59" name="Google Shape;59;p13"/>
-          <p:cNvSpPr txBox="1"/>
+          <p:cNvSpPr txBox="1">
+            <a:spLocks noGrp="1"/>
+          </p:cNvSpPr>
           <p:nvPr>
             <p:ph type="ctrTitle"/>
           </p:nvPr>
@@ -7465,12 +7650,12 @@
           </a:ln>
         </p:spPr>
         <p:txBody>
-          <a:bodyPr anchorCtr="0" anchor="b" bIns="91425" lIns="91425" spcFirstLastPara="1" rIns="91425" wrap="square" tIns="91425">
+          <a:bodyPr spcFirstLastPara="1" wrap="square" lIns="91425" tIns="91425" rIns="91425" bIns="91425" anchor="b" anchorCtr="0">
             <a:normAutofit fontScale="90000"/>
           </a:bodyPr>
           <a:lstStyle/>
           <a:p>
-            <a:pPr indent="0" lvl="0" marL="0" rtl="0" algn="l">
+            <a:pPr marL="0" lvl="0" indent="0" algn="l" rtl="0">
               <a:spcBef>
                 <a:spcPts val="0"/>
               </a:spcBef>
@@ -7490,9 +7675,11 @@
       <p:sp>
         <p:nvSpPr>
           <p:cNvPr id="60" name="Google Shape;60;p13"/>
-          <p:cNvSpPr txBox="1"/>
+          <p:cNvSpPr txBox="1">
+            <a:spLocks noGrp="1"/>
+          </p:cNvSpPr>
           <p:nvPr>
-            <p:ph idx="1" type="subTitle"/>
+            <p:ph type="subTitle" idx="1"/>
           </p:nvPr>
         </p:nvSpPr>
         <p:spPr>
@@ -7505,12 +7692,12 @@
           </a:prstGeom>
         </p:spPr>
         <p:txBody>
-          <a:bodyPr anchorCtr="0" anchor="t" bIns="91425" lIns="91425" spcFirstLastPara="1" rIns="91425" wrap="square" tIns="91425">
+          <a:bodyPr spcFirstLastPara="1" wrap="square" lIns="91425" tIns="91425" rIns="91425" bIns="91425" anchor="t" anchorCtr="0">
             <a:normAutofit lnSpcReduction="10000"/>
           </a:bodyPr>
           <a:lstStyle/>
           <a:p>
-            <a:pPr indent="0" lvl="0" marL="0" rtl="0" algn="l">
+            <a:pPr marL="0" lvl="0" indent="0" algn="l" rtl="0">
               <a:spcBef>
                 <a:spcPts val="0"/>
               </a:spcBef>
@@ -7526,7 +7713,7 @@
             <a:endParaRPr/>
           </a:p>
           <a:p>
-            <a:pPr indent="0" lvl="0" marL="0" rtl="0" algn="l">
+            <a:pPr marL="0" lvl="0" indent="0" algn="l" rtl="0">
               <a:spcBef>
                 <a:spcPts val="0"/>
               </a:spcBef>
@@ -7546,9 +7733,11 @@
       <p:sp>
         <p:nvSpPr>
           <p:cNvPr id="61" name="Google Shape;61;p13"/>
-          <p:cNvSpPr txBox="1"/>
+          <p:cNvSpPr txBox="1">
+            <a:spLocks noGrp="1"/>
+          </p:cNvSpPr>
           <p:nvPr>
-            <p:ph idx="1" type="subTitle"/>
+            <p:ph type="subTitle" idx="1"/>
           </p:nvPr>
         </p:nvSpPr>
         <p:spPr>
@@ -7561,12 +7750,12 @@
           </a:prstGeom>
         </p:spPr>
         <p:txBody>
-          <a:bodyPr anchorCtr="0" anchor="t" bIns="91425" lIns="91425" spcFirstLastPara="1" rIns="91425" wrap="square" tIns="91425">
+          <a:bodyPr spcFirstLastPara="1" wrap="square" lIns="91425" tIns="91425" rIns="91425" bIns="91425" anchor="t" anchorCtr="0">
             <a:normAutofit/>
           </a:bodyPr>
           <a:lstStyle/>
           <a:p>
-            <a:pPr indent="0" lvl="0" marL="0" rtl="0" algn="l">
+            <a:pPr marL="0" lvl="0" indent="0" algn="l" rtl="0">
               <a:spcBef>
                 <a:spcPts val="0"/>
               </a:spcBef>
@@ -7582,7 +7771,7 @@
             <a:endParaRPr sz="2200"/>
           </a:p>
           <a:p>
-            <a:pPr indent="0" lvl="0" marL="0" rtl="0" algn="l">
+            <a:pPr marL="0" lvl="0" indent="0" algn="l" rtl="0">
               <a:spcBef>
                 <a:spcPts val="0"/>
               </a:spcBef>
@@ -7608,11 +7797,11 @@
 </file>
 
 <file path=ppt/slides/slide10.xml><?xml version="1.0" encoding="utf-8"?>
-<p:sld xmlns:a="http://schemas.openxmlformats.org/drawingml/2006/main" xmlns:r="http://schemas.openxmlformats.org/officeDocument/2006/relationships" xmlns:mc="http://schemas.openxmlformats.org/markup-compatibility/2006" xmlns:mv="urn:schemas-microsoft-com:mac:vml" xmlns:p="http://schemas.openxmlformats.org/presentationml/2006/main" xmlns:c="http://schemas.openxmlformats.org/drawingml/2006/chart" xmlns:dgm="http://schemas.openxmlformats.org/drawingml/2006/diagram" xmlns:o="urn:schemas-microsoft-com:office:office" xmlns:v="urn:schemas-microsoft-com:vml" xmlns:pvml="urn:schemas-microsoft-com:office:powerpoint" xmlns:com="http://schemas.openxmlformats.org/drawingml/2006/compatibility" xmlns:p14="http://schemas.microsoft.com/office/powerpoint/2010/main" xmlns:p15="http://schemas.microsoft.com/office/powerpoint/2012/main" xmlns:ahyp="http://schemas.microsoft.com/office/drawing/2018/hyperlinkcolor">
+<p:sld xmlns:a="http://schemas.openxmlformats.org/drawingml/2006/main" xmlns:r="http://schemas.openxmlformats.org/officeDocument/2006/relationships" xmlns:p="http://schemas.openxmlformats.org/presentationml/2006/main">
   <p:cSld>
     <p:spTree>
       <p:nvGrpSpPr>
-        <p:cNvPr id="130" name="Shape 130"/>
+        <p:cNvPr id="1" name="Shape 130"/>
         <p:cNvGrpSpPr/>
         <p:nvPr/>
       </p:nvGrpSpPr>
@@ -7627,7 +7816,9 @@
       <p:sp>
         <p:nvSpPr>
           <p:cNvPr id="131" name="Google Shape;131;p22"/>
-          <p:cNvSpPr txBox="1"/>
+          <p:cNvSpPr txBox="1">
+            <a:spLocks noGrp="1"/>
+          </p:cNvSpPr>
           <p:nvPr>
             <p:ph type="title"/>
           </p:nvPr>
@@ -7642,12 +7833,12 @@
           </a:prstGeom>
         </p:spPr>
         <p:txBody>
-          <a:bodyPr anchorCtr="0" anchor="t" bIns="91425" lIns="91425" spcFirstLastPara="1" rIns="91425" wrap="square" tIns="91425">
+          <a:bodyPr spcFirstLastPara="1" wrap="square" lIns="91425" tIns="91425" rIns="91425" bIns="91425" anchor="t" anchorCtr="0">
             <a:normAutofit fontScale="90000"/>
           </a:bodyPr>
           <a:lstStyle/>
           <a:p>
-            <a:pPr indent="0" lvl="0" marL="0" rtl="0" algn="l">
+            <a:pPr marL="0" lvl="0" indent="0" algn="l" rtl="0">
               <a:spcBef>
                 <a:spcPts val="0"/>
               </a:spcBef>
@@ -7658,11 +7849,7 @@
             </a:pPr>
             <a:r>
               <a:rPr lang="de"/>
-              <a:t>7</a:t>
-            </a:r>
-            <a:r>
-              <a:rPr lang="de"/>
-              <a:t>. Modellvergleich</a:t>
+              <a:t>7. Modellvergleich</a:t>
             </a:r>
             <a:endParaRPr/>
           </a:p>
@@ -7671,9 +7858,11 @@
       <p:sp>
         <p:nvSpPr>
           <p:cNvPr id="132" name="Google Shape;132;p22"/>
-          <p:cNvSpPr txBox="1"/>
+          <p:cNvSpPr txBox="1">
+            <a:spLocks noGrp="1"/>
+          </p:cNvSpPr>
           <p:nvPr>
-            <p:ph idx="12" type="sldNum"/>
+            <p:ph type="sldNum" idx="12"/>
           </p:nvPr>
         </p:nvSpPr>
         <p:spPr>
@@ -7686,12 +7875,12 @@
           </a:prstGeom>
         </p:spPr>
         <p:txBody>
-          <a:bodyPr anchorCtr="0" anchor="ctr" bIns="91425" lIns="91425" spcFirstLastPara="1" rIns="91425" wrap="square" tIns="91425">
+          <a:bodyPr spcFirstLastPara="1" wrap="square" lIns="91425" tIns="91425" rIns="91425" bIns="91425" anchor="ctr" anchorCtr="0">
             <a:normAutofit/>
           </a:bodyPr>
           <a:lstStyle/>
           <a:p>
-            <a:pPr indent="0" lvl="0" marL="0" rtl="0" algn="r">
+            <a:pPr marL="0" lvl="0" indent="0" algn="r" rtl="0">
               <a:spcBef>
                 <a:spcPts val="0"/>
               </a:spcBef>
@@ -7702,7 +7891,7 @@
             </a:pPr>
             <a:fld id="{00000000-1234-1234-1234-123412341234}" type="slidenum">
               <a:rPr lang="de"/>
-              <a:t>‹#›</a:t>
+              <a:t>10</a:t>
             </a:fld>
             <a:endParaRPr/>
           </a:p>
@@ -7710,29 +7899,32 @@
       </p:sp>
       <p:pic>
         <p:nvPicPr>
-          <p:cNvPr id="133" name="Google Shape;133;p22"/>
-          <p:cNvPicPr preferRelativeResize="0"/>
+          <p:cNvPr id="3" name="Grafik 2">
+            <a:extLst>
+              <a:ext uri="{FF2B5EF4-FFF2-40B4-BE49-F238E27FC236}">
+                <a16:creationId xmlns:a16="http://schemas.microsoft.com/office/drawing/2014/main" id="{76F8188A-9781-4F65-A427-9991FF72A2D6}"/>
+              </a:ext>
+            </a:extLst>
+          </p:cNvPr>
+          <p:cNvPicPr>
+            <a:picLocks noChangeAspect="1"/>
+          </p:cNvPicPr>
           <p:nvPr/>
         </p:nvPicPr>
-        <p:blipFill rotWithShape="1">
-          <a:blip r:embed="rId3">
-            <a:alphaModFix/>
-          </a:blip>
-          <a:srcRect b="4264" l="6502" r="9695" t="3228"/>
-          <a:stretch/>
+        <p:blipFill>
+          <a:blip r:embed="rId3"/>
+          <a:stretch>
+            <a:fillRect/>
+          </a:stretch>
         </p:blipFill>
         <p:spPr>
           <a:xfrm>
-            <a:off x="1446800" y="1140150"/>
-            <a:ext cx="5385383" cy="3523076"/>
+            <a:off x="1710676" y="946166"/>
+            <a:ext cx="5691990" cy="3954747"/>
           </a:xfrm>
           <a:prstGeom prst="rect">
             <a:avLst/>
           </a:prstGeom>
-          <a:noFill/>
-          <a:ln>
-            <a:noFill/>
-          </a:ln>
         </p:spPr>
       </p:pic>
     </p:spTree>
@@ -7744,11 +7936,11 @@
 </file>
 
 <file path=ppt/slides/slide11.xml><?xml version="1.0" encoding="utf-8"?>
-<p:sld xmlns:a="http://schemas.openxmlformats.org/drawingml/2006/main" xmlns:r="http://schemas.openxmlformats.org/officeDocument/2006/relationships" xmlns:mc="http://schemas.openxmlformats.org/markup-compatibility/2006" xmlns:mv="urn:schemas-microsoft-com:mac:vml" xmlns:p="http://schemas.openxmlformats.org/presentationml/2006/main" xmlns:c="http://schemas.openxmlformats.org/drawingml/2006/chart" xmlns:dgm="http://schemas.openxmlformats.org/drawingml/2006/diagram" xmlns:o="urn:schemas-microsoft-com:office:office" xmlns:v="urn:schemas-microsoft-com:vml" xmlns:pvml="urn:schemas-microsoft-com:office:powerpoint" xmlns:com="http://schemas.openxmlformats.org/drawingml/2006/compatibility" xmlns:p14="http://schemas.microsoft.com/office/powerpoint/2010/main" xmlns:p15="http://schemas.microsoft.com/office/powerpoint/2012/main" xmlns:ahyp="http://schemas.microsoft.com/office/drawing/2018/hyperlinkcolor">
+<p:sld xmlns:a="http://schemas.openxmlformats.org/drawingml/2006/main" xmlns:r="http://schemas.openxmlformats.org/officeDocument/2006/relationships" xmlns:p="http://schemas.openxmlformats.org/presentationml/2006/main">
   <p:cSld>
     <p:spTree>
       <p:nvGrpSpPr>
-        <p:cNvPr id="137" name="Shape 137"/>
+        <p:cNvPr id="1" name="Shape 137"/>
         <p:cNvGrpSpPr/>
         <p:nvPr/>
       </p:nvGrpSpPr>
@@ -7763,7 +7955,9 @@
       <p:sp>
         <p:nvSpPr>
           <p:cNvPr id="138" name="Google Shape;138;p23"/>
-          <p:cNvSpPr txBox="1"/>
+          <p:cNvSpPr txBox="1">
+            <a:spLocks noGrp="1"/>
+          </p:cNvSpPr>
           <p:nvPr>
             <p:ph type="title"/>
           </p:nvPr>
@@ -7778,12 +7972,12 @@
           </a:prstGeom>
         </p:spPr>
         <p:txBody>
-          <a:bodyPr anchorCtr="0" anchor="t" bIns="91425" lIns="91425" spcFirstLastPara="1" rIns="91425" wrap="square" tIns="91425">
+          <a:bodyPr spcFirstLastPara="1" wrap="square" lIns="91425" tIns="91425" rIns="91425" bIns="91425" anchor="t" anchorCtr="0">
             <a:normAutofit fontScale="90000"/>
           </a:bodyPr>
           <a:lstStyle/>
           <a:p>
-            <a:pPr indent="0" lvl="0" marL="0" rtl="0" algn="l">
+            <a:pPr marL="0" lvl="0" indent="0" algn="l" rtl="0">
               <a:spcBef>
                 <a:spcPts val="0"/>
               </a:spcBef>
@@ -7803,9 +7997,11 @@
       <p:sp>
         <p:nvSpPr>
           <p:cNvPr id="139" name="Google Shape;139;p23"/>
-          <p:cNvSpPr txBox="1"/>
+          <p:cNvSpPr txBox="1">
+            <a:spLocks noGrp="1"/>
+          </p:cNvSpPr>
           <p:nvPr>
-            <p:ph idx="1" type="body"/>
+            <p:ph type="body" idx="1"/>
           </p:nvPr>
         </p:nvSpPr>
         <p:spPr>
@@ -7818,12 +8014,12 @@
           </a:prstGeom>
         </p:spPr>
         <p:txBody>
-          <a:bodyPr anchorCtr="0" anchor="t" bIns="91425" lIns="91425" spcFirstLastPara="1" rIns="91425" wrap="square" tIns="91425">
+          <a:bodyPr spcFirstLastPara="1" wrap="square" lIns="91425" tIns="91425" rIns="91425" bIns="91425" anchor="t" anchorCtr="0">
             <a:normAutofit/>
           </a:bodyPr>
           <a:lstStyle/>
           <a:p>
-            <a:pPr indent="0" lvl="0" marL="457200" rtl="0" algn="l">
+            <a:pPr marL="457200" lvl="0" indent="0" algn="l" rtl="0">
               <a:spcBef>
                 <a:spcPts val="0"/>
               </a:spcBef>
@@ -7832,13 +8028,10 @@
               </a:spcAft>
               <a:buNone/>
             </a:pPr>
-            <a:r>
-              <a:t/>
-            </a:r>
             <a:endParaRPr sz="1500"/>
           </a:p>
           <a:p>
-            <a:pPr indent="0" lvl="0" marL="0" rtl="0" algn="l">
+            <a:pPr marL="0" lvl="0" indent="0" algn="l" rtl="0">
               <a:spcBef>
                 <a:spcPts val="1200"/>
               </a:spcBef>
@@ -7847,13 +8040,10 @@
               </a:spcAft>
               <a:buNone/>
             </a:pPr>
-            <a:r>
-              <a:t/>
-            </a:r>
             <a:endParaRPr sz="1500"/>
           </a:p>
           <a:p>
-            <a:pPr indent="0" lvl="0" marL="0" rtl="0" algn="l">
+            <a:pPr marL="0" lvl="0" indent="0" algn="l" rtl="0">
               <a:spcBef>
                 <a:spcPts val="1200"/>
               </a:spcBef>
@@ -7862,13 +8052,10 @@
               </a:spcAft>
               <a:buNone/>
             </a:pPr>
-            <a:r>
-              <a:t/>
-            </a:r>
             <a:endParaRPr sz="1500"/>
           </a:p>
           <a:p>
-            <a:pPr indent="0" lvl="0" marL="0" rtl="0" algn="l">
+            <a:pPr marL="0" lvl="0" indent="0" algn="l" rtl="0">
               <a:spcBef>
                 <a:spcPts val="1200"/>
               </a:spcBef>
@@ -7888,9 +8075,11 @@
       <p:sp>
         <p:nvSpPr>
           <p:cNvPr id="140" name="Google Shape;140;p23"/>
-          <p:cNvSpPr txBox="1"/>
+          <p:cNvSpPr txBox="1">
+            <a:spLocks noGrp="1"/>
+          </p:cNvSpPr>
           <p:nvPr>
-            <p:ph idx="12" type="sldNum"/>
+            <p:ph type="sldNum" idx="12"/>
           </p:nvPr>
         </p:nvSpPr>
         <p:spPr>
@@ -7903,12 +8092,12 @@
           </a:prstGeom>
         </p:spPr>
         <p:txBody>
-          <a:bodyPr anchorCtr="0" anchor="ctr" bIns="91425" lIns="91425" spcFirstLastPara="1" rIns="91425" wrap="square" tIns="91425">
+          <a:bodyPr spcFirstLastPara="1" wrap="square" lIns="91425" tIns="91425" rIns="91425" bIns="91425" anchor="ctr" anchorCtr="0">
             <a:normAutofit/>
           </a:bodyPr>
           <a:lstStyle/>
           <a:p>
-            <a:pPr indent="0" lvl="0" marL="0" rtl="0" algn="r">
+            <a:pPr marL="0" lvl="0" indent="0" algn="r" rtl="0">
               <a:spcBef>
                 <a:spcPts val="0"/>
               </a:spcBef>
@@ -7919,7 +8108,7 @@
             </a:pPr>
             <a:fld id="{00000000-1234-1234-1234-123412341234}" type="slidenum">
               <a:rPr lang="de"/>
-              <a:t>‹#›</a:t>
+              <a:t>11</a:t>
             </a:fld>
             <a:endParaRPr/>
           </a:p>
@@ -7933,7 +8122,7 @@
         </p:nvGraphicFramePr>
         <p:xfrm>
           <a:off x="952500" y="1428750"/>
-          <a:ext cx="3000000" cy="3000000"/>
+          <a:ext cx="7239000" cy="1584840"/>
         </p:xfrm>
         <a:graphic>
           <a:graphicData uri="http://schemas.openxmlformats.org/drawingml/2006/table">
@@ -7943,9 +8132,27 @@
                 <a:tableStyleId>{6CF5CAB3-CDFD-420D-B779-05C50FE4364F}</a:tableStyleId>
               </a:tblPr>
               <a:tblGrid>
-                <a:gridCol w="2413000"/>
-                <a:gridCol w="2413000"/>
-                <a:gridCol w="2413000"/>
+                <a:gridCol w="2413000">
+                  <a:extLst>
+                    <a:ext uri="{9D8B030D-6E8A-4147-A177-3AD203B41FA5}">
+                      <a16:colId xmlns:a16="http://schemas.microsoft.com/office/drawing/2014/main" val="20000"/>
+                    </a:ext>
+                  </a:extLst>
+                </a:gridCol>
+                <a:gridCol w="2413000">
+                  <a:extLst>
+                    <a:ext uri="{9D8B030D-6E8A-4147-A177-3AD203B41FA5}">
+                      <a16:colId xmlns:a16="http://schemas.microsoft.com/office/drawing/2014/main" val="20001"/>
+                    </a:ext>
+                  </a:extLst>
+                </a:gridCol>
+                <a:gridCol w="2413000">
+                  <a:extLst>
+                    <a:ext uri="{9D8B030D-6E8A-4147-A177-3AD203B41FA5}">
+                      <a16:colId xmlns:a16="http://schemas.microsoft.com/office/drawing/2014/main" val="20002"/>
+                    </a:ext>
+                  </a:extLst>
+                </a:gridCol>
               </a:tblGrid>
               <a:tr h="381000">
                 <a:tc>
@@ -7953,7 +8160,7 @@
                     <a:bodyPr/>
                     <a:lstStyle/>
                     <a:p>
-                      <a:pPr indent="0" lvl="0" marL="0" rtl="0" algn="ctr">
+                      <a:pPr marL="0" lvl="0" indent="0" algn="ctr" rtl="0">
                         <a:spcBef>
                           <a:spcPts val="0"/>
                         </a:spcBef>
@@ -7962,13 +8169,10 @@
                         </a:spcAft>
                         <a:buNone/>
                       </a:pPr>
-                      <a:r>
-                        <a:t/>
-                      </a:r>
                       <a:endParaRPr/>
                     </a:p>
                   </a:txBody>
-                  <a:tcPr marT="91425" marB="91425" marR="91425" marL="91425">
+                  <a:tcPr marL="91425" marR="91425" marT="91425" marB="91425">
                     <a:solidFill>
                       <a:srgbClr val="C9DAF8"/>
                     </a:solidFill>
@@ -7979,7 +8183,7 @@
                     <a:bodyPr/>
                     <a:lstStyle/>
                     <a:p>
-                      <a:pPr indent="0" lvl="0" marL="0" rtl="0" algn="ctr">
+                      <a:pPr marL="0" lvl="0" indent="0" algn="ctr" rtl="0">
                         <a:spcBef>
                           <a:spcPts val="0"/>
                         </a:spcBef>
@@ -7995,7 +8199,7 @@
                       <a:endParaRPr/>
                     </a:p>
                   </a:txBody>
-                  <a:tcPr marT="91425" marB="91425" marR="91425" marL="91425">
+                  <a:tcPr marL="91425" marR="91425" marT="91425" marB="91425">
                     <a:solidFill>
                       <a:srgbClr val="C9DAF8"/>
                     </a:solidFill>
@@ -8006,7 +8210,7 @@
                     <a:bodyPr/>
                     <a:lstStyle/>
                     <a:p>
-                      <a:pPr indent="0" lvl="0" marL="0" rtl="0" algn="ctr">
+                      <a:pPr marL="0" lvl="0" indent="0" algn="ctr" rtl="0">
                         <a:spcBef>
                           <a:spcPts val="0"/>
                         </a:spcBef>
@@ -8022,12 +8226,17 @@
                       <a:endParaRPr/>
                     </a:p>
                   </a:txBody>
-                  <a:tcPr marT="91425" marB="91425" marR="91425" marL="91425">
+                  <a:tcPr marL="91425" marR="91425" marT="91425" marB="91425">
                     <a:solidFill>
                       <a:srgbClr val="C9DAF8"/>
                     </a:solidFill>
                   </a:tcPr>
                 </a:tc>
+                <a:extLst>
+                  <a:ext uri="{0D108BD9-81ED-4DB2-BD59-A6C34878D82A}">
+                    <a16:rowId xmlns:a16="http://schemas.microsoft.com/office/drawing/2014/main" val="10000"/>
+                  </a:ext>
+                </a:extLst>
               </a:tr>
               <a:tr h="381000">
                 <a:tc>
@@ -8035,7 +8244,7 @@
                     <a:bodyPr/>
                     <a:lstStyle/>
                     <a:p>
-                      <a:pPr indent="0" lvl="0" marL="0" rtl="0" algn="l">
+                      <a:pPr marL="0" lvl="0" indent="0" algn="l" rtl="0">
                         <a:spcBef>
                           <a:spcPts val="0"/>
                         </a:spcBef>
@@ -8051,7 +8260,7 @@
                       <a:endParaRPr/>
                     </a:p>
                   </a:txBody>
-                  <a:tcPr marT="91425" marB="91425" marR="91425" marL="91425">
+                  <a:tcPr marL="91425" marR="91425" marT="91425" marB="91425">
                     <a:solidFill>
                       <a:srgbClr val="CFE2F3"/>
                     </a:solidFill>
@@ -8062,7 +8271,7 @@
                     <a:bodyPr/>
                     <a:lstStyle/>
                     <a:p>
-                      <a:pPr indent="0" lvl="0" marL="0" rtl="0" algn="ctr">
+                      <a:pPr marL="0" lvl="0" indent="0" algn="ctr" rtl="0">
                         <a:spcBef>
                           <a:spcPts val="0"/>
                         </a:spcBef>
@@ -8078,14 +8287,14 @@
                       <a:endParaRPr/>
                     </a:p>
                   </a:txBody>
-                  <a:tcPr marT="91425" marB="91425" marR="91425" marL="91425"/>
+                  <a:tcPr marL="91425" marR="91425" marT="91425" marB="91425"/>
                 </a:tc>
                 <a:tc>
                   <a:txBody>
                     <a:bodyPr/>
                     <a:lstStyle/>
                     <a:p>
-                      <a:pPr indent="0" lvl="0" marL="0" rtl="0" algn="ctr">
+                      <a:pPr marL="0" lvl="0" indent="0" algn="ctr" rtl="0">
                         <a:spcBef>
                           <a:spcPts val="0"/>
                         </a:spcBef>
@@ -8101,8 +8310,13 @@
                       <a:endParaRPr/>
                     </a:p>
                   </a:txBody>
-                  <a:tcPr marT="91425" marB="91425" marR="91425" marL="91425"/>
+                  <a:tcPr marL="91425" marR="91425" marT="91425" marB="91425"/>
                 </a:tc>
+                <a:extLst>
+                  <a:ext uri="{0D108BD9-81ED-4DB2-BD59-A6C34878D82A}">
+                    <a16:rowId xmlns:a16="http://schemas.microsoft.com/office/drawing/2014/main" val="10001"/>
+                  </a:ext>
+                </a:extLst>
               </a:tr>
               <a:tr h="381000">
                 <a:tc>
@@ -8110,7 +8324,7 @@
                     <a:bodyPr/>
                     <a:lstStyle/>
                     <a:p>
-                      <a:pPr indent="0" lvl="0" marL="0" rtl="0" algn="l">
+                      <a:pPr marL="0" lvl="0" indent="0" algn="l" rtl="0">
                         <a:spcBef>
                           <a:spcPts val="0"/>
                         </a:spcBef>
@@ -8126,7 +8340,7 @@
                       <a:endParaRPr/>
                     </a:p>
                   </a:txBody>
-                  <a:tcPr marT="91425" marB="91425" marR="91425" marL="91425">
+                  <a:tcPr marL="91425" marR="91425" marT="91425" marB="91425">
                     <a:solidFill>
                       <a:srgbClr val="CFE2F3"/>
                     </a:solidFill>
@@ -8137,7 +8351,7 @@
                     <a:bodyPr/>
                     <a:lstStyle/>
                     <a:p>
-                      <a:pPr indent="0" lvl="0" marL="0" rtl="0" algn="ctr">
+                      <a:pPr marL="0" lvl="0" indent="0" algn="ctr" rtl="0">
                         <a:spcBef>
                           <a:spcPts val="0"/>
                         </a:spcBef>
@@ -8153,14 +8367,14 @@
                       <a:endParaRPr/>
                     </a:p>
                   </a:txBody>
-                  <a:tcPr marT="91425" marB="91425" marR="91425" marL="91425"/>
+                  <a:tcPr marL="91425" marR="91425" marT="91425" marB="91425"/>
                 </a:tc>
                 <a:tc>
                   <a:txBody>
                     <a:bodyPr/>
                     <a:lstStyle/>
                     <a:p>
-                      <a:pPr indent="0" lvl="0" marL="0" rtl="0" algn="ctr">
+                      <a:pPr marL="0" lvl="0" indent="0" algn="ctr" rtl="0">
                         <a:spcBef>
                           <a:spcPts val="0"/>
                         </a:spcBef>
@@ -8176,8 +8390,13 @@
                       <a:endParaRPr/>
                     </a:p>
                   </a:txBody>
-                  <a:tcPr marT="91425" marB="91425" marR="91425" marL="91425"/>
+                  <a:tcPr marL="91425" marR="91425" marT="91425" marB="91425"/>
                 </a:tc>
+                <a:extLst>
+                  <a:ext uri="{0D108BD9-81ED-4DB2-BD59-A6C34878D82A}">
+                    <a16:rowId xmlns:a16="http://schemas.microsoft.com/office/drawing/2014/main" val="10002"/>
+                  </a:ext>
+                </a:extLst>
               </a:tr>
               <a:tr h="381000">
                 <a:tc>
@@ -8185,7 +8404,7 @@
                     <a:bodyPr/>
                     <a:lstStyle/>
                     <a:p>
-                      <a:pPr indent="0" lvl="0" marL="0" rtl="0" algn="l">
+                      <a:pPr marL="0" lvl="0" indent="0" algn="l" rtl="0">
                         <a:spcBef>
                           <a:spcPts val="0"/>
                         </a:spcBef>
@@ -8201,7 +8420,7 @@
                       <a:endParaRPr/>
                     </a:p>
                   </a:txBody>
-                  <a:tcPr marT="91425" marB="91425" marR="91425" marL="91425">
+                  <a:tcPr marL="91425" marR="91425" marT="91425" marB="91425">
                     <a:solidFill>
                       <a:srgbClr val="CFE2F3"/>
                     </a:solidFill>
@@ -8212,7 +8431,7 @@
                     <a:bodyPr/>
                     <a:lstStyle/>
                     <a:p>
-                      <a:pPr indent="0" lvl="0" marL="0" rtl="0" algn="ctr">
+                      <a:pPr marL="0" lvl="0" indent="0" algn="ctr" rtl="0">
                         <a:spcBef>
                           <a:spcPts val="0"/>
                         </a:spcBef>
@@ -8228,14 +8447,14 @@
                       <a:endParaRPr/>
                     </a:p>
                   </a:txBody>
-                  <a:tcPr marT="91425" marB="91425" marR="91425" marL="91425"/>
+                  <a:tcPr marL="91425" marR="91425" marT="91425" marB="91425"/>
                 </a:tc>
                 <a:tc>
                   <a:txBody>
                     <a:bodyPr/>
                     <a:lstStyle/>
                     <a:p>
-                      <a:pPr indent="0" lvl="0" marL="0" rtl="0" algn="ctr">
+                      <a:pPr marL="0" lvl="0" indent="0" algn="ctr" rtl="0">
                         <a:spcBef>
                           <a:spcPts val="0"/>
                         </a:spcBef>
@@ -8251,8 +8470,13 @@
                       <a:endParaRPr/>
                     </a:p>
                   </a:txBody>
-                  <a:tcPr marT="91425" marB="91425" marR="91425" marL="91425"/>
+                  <a:tcPr marL="91425" marR="91425" marT="91425" marB="91425"/>
                 </a:tc>
+                <a:extLst>
+                  <a:ext uri="{0D108BD9-81ED-4DB2-BD59-A6C34878D82A}">
+                    <a16:rowId xmlns:a16="http://schemas.microsoft.com/office/drawing/2014/main" val="10003"/>
+                  </a:ext>
+                </a:extLst>
               </a:tr>
             </a:tbl>
           </a:graphicData>
@@ -8266,7 +8490,7 @@
         </p:nvGraphicFramePr>
         <p:xfrm>
           <a:off x="952500" y="3219450"/>
-          <a:ext cx="3000000" cy="3000000"/>
+          <a:ext cx="7239000" cy="1188630"/>
         </p:xfrm>
         <a:graphic>
           <a:graphicData uri="http://schemas.openxmlformats.org/drawingml/2006/table">
@@ -8276,8 +8500,20 @@
                 <a:tableStyleId>{6CF5CAB3-CDFD-420D-B779-05C50FE4364F}</a:tableStyleId>
               </a:tblPr>
               <a:tblGrid>
-                <a:gridCol w="3619500"/>
-                <a:gridCol w="3619500"/>
+                <a:gridCol w="3619500">
+                  <a:extLst>
+                    <a:ext uri="{9D8B030D-6E8A-4147-A177-3AD203B41FA5}">
+                      <a16:colId xmlns:a16="http://schemas.microsoft.com/office/drawing/2014/main" val="20000"/>
+                    </a:ext>
+                  </a:extLst>
+                </a:gridCol>
+                <a:gridCol w="3619500">
+                  <a:extLst>
+                    <a:ext uri="{9D8B030D-6E8A-4147-A177-3AD203B41FA5}">
+                      <a16:colId xmlns:a16="http://schemas.microsoft.com/office/drawing/2014/main" val="20001"/>
+                    </a:ext>
+                  </a:extLst>
+                </a:gridCol>
               </a:tblGrid>
               <a:tr h="381000">
                 <a:tc>
@@ -8285,7 +8521,7 @@
                     <a:bodyPr/>
                     <a:lstStyle/>
                     <a:p>
-                      <a:pPr indent="0" lvl="0" marL="0" rtl="0" algn="ctr">
+                      <a:pPr marL="0" lvl="0" indent="0" algn="ctr" rtl="0">
                         <a:spcBef>
                           <a:spcPts val="0"/>
                         </a:spcBef>
@@ -8294,13 +8530,10 @@
                         </a:spcAft>
                         <a:buNone/>
                       </a:pPr>
-                      <a:r>
-                        <a:t/>
-                      </a:r>
                       <a:endParaRPr/>
                     </a:p>
                   </a:txBody>
-                  <a:tcPr marT="91425" marB="91425" marR="91425" marL="91425">
+                  <a:tcPr marL="91425" marR="91425" marT="91425" marB="91425">
                     <a:solidFill>
                       <a:srgbClr val="C9DAF8"/>
                     </a:solidFill>
@@ -8311,7 +8544,7 @@
                     <a:bodyPr/>
                     <a:lstStyle/>
                     <a:p>
-                      <a:pPr indent="0" lvl="0" marL="0" rtl="0" algn="ctr">
+                      <a:pPr marL="0" lvl="0" indent="0" algn="ctr" rtl="0">
                         <a:spcBef>
                           <a:spcPts val="0"/>
                         </a:spcBef>
@@ -8327,12 +8560,17 @@
                       <a:endParaRPr/>
                     </a:p>
                   </a:txBody>
-                  <a:tcPr marT="91425" marB="91425" marR="91425" marL="91425">
+                  <a:tcPr marL="91425" marR="91425" marT="91425" marB="91425">
                     <a:solidFill>
                       <a:srgbClr val="C9DAF8"/>
                     </a:solidFill>
                   </a:tcPr>
                 </a:tc>
+                <a:extLst>
+                  <a:ext uri="{0D108BD9-81ED-4DB2-BD59-A6C34878D82A}">
+                    <a16:rowId xmlns:a16="http://schemas.microsoft.com/office/drawing/2014/main" val="10000"/>
+                  </a:ext>
+                </a:extLst>
               </a:tr>
               <a:tr h="381000">
                 <a:tc>
@@ -8340,7 +8578,7 @@
                     <a:bodyPr/>
                     <a:lstStyle/>
                     <a:p>
-                      <a:pPr indent="0" lvl="0" marL="0" rtl="0" algn="l">
+                      <a:pPr marL="0" lvl="0" indent="0" algn="l" rtl="0">
                         <a:spcBef>
                           <a:spcPts val="0"/>
                         </a:spcBef>
@@ -8356,7 +8594,7 @@
                       <a:endParaRPr/>
                     </a:p>
                   </a:txBody>
-                  <a:tcPr marT="91425" marB="91425" marR="91425" marL="91425">
+                  <a:tcPr marL="91425" marR="91425" marT="91425" marB="91425">
                     <a:solidFill>
                       <a:srgbClr val="CFE2F3"/>
                     </a:solidFill>
@@ -8367,7 +8605,7 @@
                     <a:bodyPr/>
                     <a:lstStyle/>
                     <a:p>
-                      <a:pPr indent="0" lvl="0" marL="0" rtl="0" algn="ctr">
+                      <a:pPr marL="0" lvl="0" indent="0" algn="ctr" rtl="0">
                         <a:spcBef>
                           <a:spcPts val="0"/>
                         </a:spcBef>
@@ -8383,8 +8621,13 @@
                       <a:endParaRPr/>
                     </a:p>
                   </a:txBody>
-                  <a:tcPr marT="91425" marB="91425" marR="91425" marL="91425"/>
+                  <a:tcPr marL="91425" marR="91425" marT="91425" marB="91425"/>
                 </a:tc>
+                <a:extLst>
+                  <a:ext uri="{0D108BD9-81ED-4DB2-BD59-A6C34878D82A}">
+                    <a16:rowId xmlns:a16="http://schemas.microsoft.com/office/drawing/2014/main" val="10001"/>
+                  </a:ext>
+                </a:extLst>
               </a:tr>
               <a:tr h="381000">
                 <a:tc>
@@ -8392,7 +8635,7 @@
                     <a:bodyPr/>
                     <a:lstStyle/>
                     <a:p>
-                      <a:pPr indent="0" lvl="0" marL="0" rtl="0" algn="l">
+                      <a:pPr marL="0" lvl="0" indent="0" algn="l" rtl="0">
                         <a:spcBef>
                           <a:spcPts val="0"/>
                         </a:spcBef>
@@ -8408,7 +8651,7 @@
                       <a:endParaRPr/>
                     </a:p>
                   </a:txBody>
-                  <a:tcPr marT="91425" marB="91425" marR="91425" marL="91425">
+                  <a:tcPr marL="91425" marR="91425" marT="91425" marB="91425">
                     <a:solidFill>
                       <a:srgbClr val="CFE2F3"/>
                     </a:solidFill>
@@ -8419,7 +8662,7 @@
                     <a:bodyPr/>
                     <a:lstStyle/>
                     <a:p>
-                      <a:pPr indent="0" lvl="0" marL="0" rtl="0" algn="ctr">
+                      <a:pPr marL="0" lvl="0" indent="0" algn="ctr" rtl="0">
                         <a:spcBef>
                           <a:spcPts val="0"/>
                         </a:spcBef>
@@ -8435,8 +8678,13 @@
                       <a:endParaRPr/>
                     </a:p>
                   </a:txBody>
-                  <a:tcPr marT="91425" marB="91425" marR="91425" marL="91425"/>
+                  <a:tcPr marL="91425" marR="91425" marT="91425" marB="91425"/>
                 </a:tc>
+                <a:extLst>
+                  <a:ext uri="{0D108BD9-81ED-4DB2-BD59-A6C34878D82A}">
+                    <a16:rowId xmlns:a16="http://schemas.microsoft.com/office/drawing/2014/main" val="10002"/>
+                  </a:ext>
+                </a:extLst>
               </a:tr>
             </a:tbl>
           </a:graphicData>
@@ -8451,11 +8699,11 @@
 </file>
 
 <file path=ppt/slides/slide12.xml><?xml version="1.0" encoding="utf-8"?>
-<p:sld xmlns:a="http://schemas.openxmlformats.org/drawingml/2006/main" xmlns:r="http://schemas.openxmlformats.org/officeDocument/2006/relationships" xmlns:mc="http://schemas.openxmlformats.org/markup-compatibility/2006" xmlns:mv="urn:schemas-microsoft-com:mac:vml" xmlns:p="http://schemas.openxmlformats.org/presentationml/2006/main" xmlns:c="http://schemas.openxmlformats.org/drawingml/2006/chart" xmlns:dgm="http://schemas.openxmlformats.org/drawingml/2006/diagram" xmlns:o="urn:schemas-microsoft-com:office:office" xmlns:v="urn:schemas-microsoft-com:vml" xmlns:pvml="urn:schemas-microsoft-com:office:powerpoint" xmlns:com="http://schemas.openxmlformats.org/drawingml/2006/compatibility" xmlns:p14="http://schemas.microsoft.com/office/powerpoint/2010/main" xmlns:p15="http://schemas.microsoft.com/office/powerpoint/2012/main" xmlns:ahyp="http://schemas.microsoft.com/office/drawing/2018/hyperlinkcolor">
+<p:sld xmlns:a="http://schemas.openxmlformats.org/drawingml/2006/main" xmlns:r="http://schemas.openxmlformats.org/officeDocument/2006/relationships" xmlns:p="http://schemas.openxmlformats.org/presentationml/2006/main">
   <p:cSld>
     <p:spTree>
       <p:nvGrpSpPr>
-        <p:cNvPr id="146" name="Shape 146"/>
+        <p:cNvPr id="1" name="Shape 146"/>
         <p:cNvGrpSpPr/>
         <p:nvPr/>
       </p:nvGrpSpPr>
@@ -8470,7 +8718,9 @@
       <p:sp>
         <p:nvSpPr>
           <p:cNvPr id="147" name="Google Shape;147;p24"/>
-          <p:cNvSpPr txBox="1"/>
+          <p:cNvSpPr txBox="1">
+            <a:spLocks noGrp="1"/>
+          </p:cNvSpPr>
           <p:nvPr>
             <p:ph type="title"/>
           </p:nvPr>
@@ -8485,12 +8735,12 @@
           </a:prstGeom>
         </p:spPr>
         <p:txBody>
-          <a:bodyPr anchorCtr="0" anchor="t" bIns="91425" lIns="91425" spcFirstLastPara="1" rIns="91425" wrap="square" tIns="91425">
+          <a:bodyPr spcFirstLastPara="1" wrap="square" lIns="91425" tIns="91425" rIns="91425" bIns="91425" anchor="t" anchorCtr="0">
             <a:normAutofit fontScale="90000"/>
           </a:bodyPr>
           <a:lstStyle/>
           <a:p>
-            <a:pPr indent="0" lvl="0" marL="0" rtl="0" algn="l">
+            <a:pPr marL="0" lvl="0" indent="0" algn="l" rtl="0">
               <a:spcBef>
                 <a:spcPts val="0"/>
               </a:spcBef>
@@ -8501,11 +8751,7 @@
             </a:pPr>
             <a:r>
               <a:rPr lang="de"/>
-              <a:t>8</a:t>
-            </a:r>
-            <a:r>
-              <a:rPr lang="de"/>
-              <a:t>. Fazit und Ausblick</a:t>
+              <a:t>8. Fazit und Ausblick</a:t>
             </a:r>
             <a:endParaRPr/>
           </a:p>
@@ -8514,9 +8760,11 @@
       <p:sp>
         <p:nvSpPr>
           <p:cNvPr id="148" name="Google Shape;148;p24"/>
-          <p:cNvSpPr txBox="1"/>
+          <p:cNvSpPr txBox="1">
+            <a:spLocks noGrp="1"/>
+          </p:cNvSpPr>
           <p:nvPr>
-            <p:ph idx="12" type="sldNum"/>
+            <p:ph type="sldNum" idx="12"/>
           </p:nvPr>
         </p:nvSpPr>
         <p:spPr>
@@ -8529,12 +8777,12 @@
           </a:prstGeom>
         </p:spPr>
         <p:txBody>
-          <a:bodyPr anchorCtr="0" anchor="ctr" bIns="91425" lIns="91425" spcFirstLastPara="1" rIns="91425" wrap="square" tIns="91425">
+          <a:bodyPr spcFirstLastPara="1" wrap="square" lIns="91425" tIns="91425" rIns="91425" bIns="91425" anchor="ctr" anchorCtr="0">
             <a:normAutofit/>
           </a:bodyPr>
           <a:lstStyle/>
           <a:p>
-            <a:pPr indent="0" lvl="0" marL="0" rtl="0" algn="r">
+            <a:pPr marL="0" lvl="0" indent="0" algn="r" rtl="0">
               <a:spcBef>
                 <a:spcPts val="0"/>
               </a:spcBef>
@@ -8545,7 +8793,7 @@
             </a:pPr>
             <a:fld id="{00000000-1234-1234-1234-123412341234}" type="slidenum">
               <a:rPr lang="de"/>
-              <a:t>‹#›</a:t>
+              <a:t>12</a:t>
             </a:fld>
             <a:endParaRPr/>
           </a:p>
@@ -8561,7 +8809,7 @@
           <a:blip r:embed="rId3">
             <a:alphaModFix/>
           </a:blip>
-          <a:srcRect b="1996" l="0" r="0" t="19082"/>
+          <a:srcRect t="19082" b="1996"/>
           <a:stretch/>
         </p:blipFill>
         <p:spPr>
@@ -8587,11 +8835,11 @@
 </file>
 
 <file path=ppt/slides/slide13.xml><?xml version="1.0" encoding="utf-8"?>
-<p:sld xmlns:a="http://schemas.openxmlformats.org/drawingml/2006/main" xmlns:r="http://schemas.openxmlformats.org/officeDocument/2006/relationships" xmlns:mc="http://schemas.openxmlformats.org/markup-compatibility/2006" xmlns:mv="urn:schemas-microsoft-com:mac:vml" xmlns:p="http://schemas.openxmlformats.org/presentationml/2006/main" xmlns:c="http://schemas.openxmlformats.org/drawingml/2006/chart" xmlns:dgm="http://schemas.openxmlformats.org/drawingml/2006/diagram" xmlns:o="urn:schemas-microsoft-com:office:office" xmlns:v="urn:schemas-microsoft-com:vml" xmlns:pvml="urn:schemas-microsoft-com:office:powerpoint" xmlns:com="http://schemas.openxmlformats.org/drawingml/2006/compatibility" xmlns:p14="http://schemas.microsoft.com/office/powerpoint/2010/main" xmlns:p15="http://schemas.microsoft.com/office/powerpoint/2012/main" xmlns:ahyp="http://schemas.microsoft.com/office/drawing/2018/hyperlinkcolor">
+<p:sld xmlns:a="http://schemas.openxmlformats.org/drawingml/2006/main" xmlns:r="http://schemas.openxmlformats.org/officeDocument/2006/relationships" xmlns:p="http://schemas.openxmlformats.org/presentationml/2006/main">
   <p:cSld>
     <p:spTree>
       <p:nvGrpSpPr>
-        <p:cNvPr id="153" name="Shape 153"/>
+        <p:cNvPr id="1" name="Shape 153"/>
         <p:cNvGrpSpPr/>
         <p:nvPr/>
       </p:nvGrpSpPr>
@@ -8620,23 +8868,23 @@
           <a:solidFill>
             <a:srgbClr val="CFE2F3"/>
           </a:solidFill>
-          <a:ln cap="flat" cmpd="sng" w="9525">
+          <a:ln w="9525" cap="flat" cmpd="sng">
             <a:solidFill>
               <a:schemeClr val="dk2"/>
             </a:solidFill>
             <a:prstDash val="solid"/>
             <a:round/>
-            <a:headEnd len="sm" w="sm" type="none"/>
-            <a:tailEnd len="sm" w="sm" type="none"/>
+            <a:headEnd type="none" w="sm" len="sm"/>
+            <a:tailEnd type="none" w="sm" len="sm"/>
           </a:ln>
         </p:spPr>
         <p:txBody>
-          <a:bodyPr anchorCtr="0" anchor="ctr" bIns="91425" lIns="91425" spcFirstLastPara="1" rIns="91425" wrap="square" tIns="91425">
+          <a:bodyPr spcFirstLastPara="1" wrap="square" lIns="91425" tIns="91425" rIns="91425" bIns="91425" anchor="ctr" anchorCtr="0">
             <a:noAutofit/>
           </a:bodyPr>
           <a:lstStyle/>
           <a:p>
-            <a:pPr indent="0" lvl="0" marL="0" rtl="0" algn="l">
+            <a:pPr marL="0" lvl="0" indent="0" algn="l" rtl="0">
               <a:spcBef>
                 <a:spcPts val="0"/>
               </a:spcBef>
@@ -8645,9 +8893,6 @@
               </a:spcAft>
               <a:buNone/>
             </a:pPr>
-            <a:r>
-              <a:t/>
-            </a:r>
             <a:endParaRPr/>
           </a:p>
         </p:txBody>
@@ -8655,7 +8900,9 @@
       <p:sp>
         <p:nvSpPr>
           <p:cNvPr id="155" name="Google Shape;155;p25"/>
-          <p:cNvSpPr txBox="1"/>
+          <p:cNvSpPr txBox="1">
+            <a:spLocks noGrp="1"/>
+          </p:cNvSpPr>
           <p:nvPr>
             <p:ph type="title"/>
           </p:nvPr>
@@ -8670,12 +8917,12 @@
           </a:prstGeom>
         </p:spPr>
         <p:txBody>
-          <a:bodyPr anchorCtr="0" anchor="t" bIns="91425" lIns="91425" spcFirstLastPara="1" rIns="91425" wrap="square" tIns="91425">
+          <a:bodyPr spcFirstLastPara="1" wrap="square" lIns="91425" tIns="91425" rIns="91425" bIns="91425" anchor="t" anchorCtr="0">
             <a:normAutofit fontScale="90000"/>
           </a:bodyPr>
           <a:lstStyle/>
           <a:p>
-            <a:pPr indent="0" lvl="0" marL="0" rtl="0" algn="l">
+            <a:pPr marL="0" lvl="0" indent="0" algn="l" rtl="0">
               <a:spcBef>
                 <a:spcPts val="0"/>
               </a:spcBef>
@@ -8695,9 +8942,11 @@
       <p:sp>
         <p:nvSpPr>
           <p:cNvPr id="156" name="Google Shape;156;p25"/>
-          <p:cNvSpPr txBox="1"/>
+          <p:cNvSpPr txBox="1">
+            <a:spLocks noGrp="1"/>
+          </p:cNvSpPr>
           <p:nvPr>
-            <p:ph idx="12" type="sldNum"/>
+            <p:ph type="sldNum" idx="12"/>
           </p:nvPr>
         </p:nvSpPr>
         <p:spPr>
@@ -8710,12 +8959,12 @@
           </a:prstGeom>
         </p:spPr>
         <p:txBody>
-          <a:bodyPr anchorCtr="0" anchor="ctr" bIns="91425" lIns="91425" spcFirstLastPara="1" rIns="91425" wrap="square" tIns="91425">
+          <a:bodyPr spcFirstLastPara="1" wrap="square" lIns="91425" tIns="91425" rIns="91425" bIns="91425" anchor="ctr" anchorCtr="0">
             <a:normAutofit/>
           </a:bodyPr>
           <a:lstStyle/>
           <a:p>
-            <a:pPr indent="0" lvl="0" marL="0" rtl="0" algn="r">
+            <a:pPr marL="0" lvl="0" indent="0" algn="r" rtl="0">
               <a:spcBef>
                 <a:spcPts val="0"/>
               </a:spcBef>
@@ -8726,7 +8975,7 @@
             </a:pPr>
             <a:fld id="{00000000-1234-1234-1234-123412341234}" type="slidenum">
               <a:rPr lang="de"/>
-              <a:t>‹#›</a:t>
+              <a:t>13</a:t>
             </a:fld>
             <a:endParaRPr/>
           </a:p>
@@ -8735,7 +8984,9 @@
       <p:sp>
         <p:nvSpPr>
           <p:cNvPr id="157" name="Google Shape;157;p25"/>
-          <p:cNvSpPr txBox="1"/>
+          <p:cNvSpPr txBox="1">
+            <a:spLocks noGrp="1"/>
+          </p:cNvSpPr>
           <p:nvPr>
             <p:ph type="title"/>
           </p:nvPr>
@@ -8750,12 +9001,12 @@
           </a:prstGeom>
         </p:spPr>
         <p:txBody>
-          <a:bodyPr anchorCtr="0" anchor="t" bIns="91425" lIns="91425" spcFirstLastPara="1" rIns="91425" wrap="square" tIns="91425">
+          <a:bodyPr spcFirstLastPara="1" wrap="square" lIns="91425" tIns="91425" rIns="91425" bIns="91425" anchor="t" anchorCtr="0">
             <a:normAutofit/>
           </a:bodyPr>
           <a:lstStyle/>
           <a:p>
-            <a:pPr indent="0" lvl="0" marL="0" rtl="0" algn="l">
+            <a:pPr marL="0" lvl="0" indent="0" algn="l" rtl="0">
               <a:spcBef>
                 <a:spcPts val="0"/>
               </a:spcBef>
@@ -8776,7 +9027,9 @@
       <p:sp>
         <p:nvSpPr>
           <p:cNvPr id="158" name="Google Shape;158;p25"/>
-          <p:cNvSpPr txBox="1"/>
+          <p:cNvSpPr txBox="1">
+            <a:spLocks noGrp="1"/>
+          </p:cNvSpPr>
           <p:nvPr>
             <p:ph type="title"/>
           </p:nvPr>
@@ -8791,12 +9044,12 @@
           </a:prstGeom>
         </p:spPr>
         <p:txBody>
-          <a:bodyPr anchorCtr="0" anchor="t" bIns="91425" lIns="91425" spcFirstLastPara="1" rIns="91425" wrap="square" tIns="91425">
+          <a:bodyPr spcFirstLastPara="1" wrap="square" lIns="91425" tIns="91425" rIns="91425" bIns="91425" anchor="t" anchorCtr="0">
             <a:normAutofit/>
           </a:bodyPr>
           <a:lstStyle/>
           <a:p>
-            <a:pPr indent="0" lvl="0" marL="0" rtl="0" algn="l">
+            <a:pPr marL="0" lvl="0" indent="0" algn="l" rtl="0">
               <a:spcBef>
                 <a:spcPts val="0"/>
               </a:spcBef>
@@ -8817,7 +9070,9 @@
       <p:sp>
         <p:nvSpPr>
           <p:cNvPr id="159" name="Google Shape;159;p25"/>
-          <p:cNvSpPr txBox="1"/>
+          <p:cNvSpPr txBox="1">
+            <a:spLocks noGrp="1"/>
+          </p:cNvSpPr>
           <p:nvPr>
             <p:ph type="title"/>
           </p:nvPr>
@@ -8832,12 +9087,12 @@
           </a:prstGeom>
         </p:spPr>
         <p:txBody>
-          <a:bodyPr anchorCtr="0" anchor="t" bIns="91425" lIns="91425" spcFirstLastPara="1" rIns="91425" wrap="square" tIns="91425">
+          <a:bodyPr spcFirstLastPara="1" wrap="square" lIns="91425" tIns="91425" rIns="91425" bIns="91425" anchor="t" anchorCtr="0">
             <a:normAutofit/>
           </a:bodyPr>
           <a:lstStyle/>
           <a:p>
-            <a:pPr indent="0" lvl="0" marL="0" rtl="0" algn="l">
+            <a:pPr marL="0" lvl="0" indent="0" algn="l" rtl="0">
               <a:spcBef>
                 <a:spcPts val="0"/>
               </a:spcBef>
@@ -8858,7 +9113,9 @@
       <p:sp>
         <p:nvSpPr>
           <p:cNvPr id="160" name="Google Shape;160;p25"/>
-          <p:cNvSpPr txBox="1"/>
+          <p:cNvSpPr txBox="1">
+            <a:spLocks noGrp="1"/>
+          </p:cNvSpPr>
           <p:nvPr>
             <p:ph type="title"/>
           </p:nvPr>
@@ -8873,12 +9130,12 @@
           </a:prstGeom>
         </p:spPr>
         <p:txBody>
-          <a:bodyPr anchorCtr="0" anchor="t" bIns="91425" lIns="91425" spcFirstLastPara="1" rIns="91425" wrap="square" tIns="91425">
+          <a:bodyPr spcFirstLastPara="1" wrap="square" lIns="91425" tIns="91425" rIns="91425" bIns="91425" anchor="t" anchorCtr="0">
             <a:normAutofit fontScale="90000"/>
           </a:bodyPr>
           <a:lstStyle/>
           <a:p>
-            <a:pPr indent="0" lvl="0" marL="0" rtl="0" algn="l">
+            <a:pPr marL="0" lvl="0" indent="0" algn="l" rtl="0">
               <a:spcBef>
                 <a:spcPts val="0"/>
               </a:spcBef>
@@ -8899,7 +9156,9 @@
       <p:sp>
         <p:nvSpPr>
           <p:cNvPr id="161" name="Google Shape;161;p25"/>
-          <p:cNvSpPr txBox="1"/>
+          <p:cNvSpPr txBox="1">
+            <a:spLocks noGrp="1"/>
+          </p:cNvSpPr>
           <p:nvPr>
             <p:ph type="title"/>
           </p:nvPr>
@@ -8914,12 +9173,12 @@
           </a:prstGeom>
         </p:spPr>
         <p:txBody>
-          <a:bodyPr anchorCtr="0" anchor="t" bIns="91425" lIns="91425" spcFirstLastPara="1" rIns="91425" wrap="square" tIns="91425">
+          <a:bodyPr spcFirstLastPara="1" wrap="square" lIns="91425" tIns="91425" rIns="91425" bIns="91425" anchor="t" anchorCtr="0">
             <a:normAutofit/>
           </a:bodyPr>
           <a:lstStyle/>
           <a:p>
-            <a:pPr indent="0" lvl="0" marL="0" rtl="0" algn="l">
+            <a:pPr marL="0" lvl="0" indent="0" algn="l" rtl="0">
               <a:spcBef>
                 <a:spcPts val="0"/>
               </a:spcBef>
@@ -8952,21 +9211,23 @@
             <a:avLst/>
           </a:prstGeom>
           <a:noFill/>
-          <a:ln cap="flat" cmpd="sng" w="9525">
+          <a:ln w="9525" cap="flat" cmpd="sng">
             <a:solidFill>
               <a:schemeClr val="accent1"/>
             </a:solidFill>
             <a:prstDash val="solid"/>
             <a:round/>
-            <a:headEnd len="med" w="med" type="stealth"/>
-            <a:tailEnd len="med" w="med" type="none"/>
+            <a:headEnd type="stealth" w="med" len="med"/>
+            <a:tailEnd type="none" w="med" len="med"/>
           </a:ln>
         </p:spPr>
       </p:cxnSp>
       <p:sp>
         <p:nvSpPr>
           <p:cNvPr id="163" name="Google Shape;163;p25"/>
-          <p:cNvSpPr txBox="1"/>
+          <p:cNvSpPr txBox="1">
+            <a:spLocks noGrp="1"/>
+          </p:cNvSpPr>
           <p:nvPr>
             <p:ph type="title"/>
           </p:nvPr>
@@ -8981,12 +9242,12 @@
           </a:prstGeom>
         </p:spPr>
         <p:txBody>
-          <a:bodyPr anchorCtr="0" anchor="t" bIns="91425" lIns="91425" spcFirstLastPara="1" rIns="91425" wrap="square" tIns="91425">
+          <a:bodyPr spcFirstLastPara="1" wrap="square" lIns="91425" tIns="91425" rIns="91425" bIns="91425" anchor="t" anchorCtr="0">
             <a:normAutofit/>
           </a:bodyPr>
           <a:lstStyle/>
           <a:p>
-            <a:pPr indent="0" lvl="0" marL="0" rtl="0" algn="l">
+            <a:pPr marL="0" lvl="0" indent="0" algn="l" rtl="0">
               <a:spcBef>
                 <a:spcPts val="0"/>
               </a:spcBef>
@@ -9011,7 +9272,7 @@
           <p:nvPr/>
         </p:nvCxnSpPr>
         <p:spPr>
-          <a:xfrm flipH="1" rot="10800000">
+          <a:xfrm rot="10800000" flipH="1">
             <a:off x="2829300" y="2608250"/>
             <a:ext cx="958800" cy="982500"/>
           </a:xfrm>
@@ -9019,14 +9280,14 @@
             <a:avLst/>
           </a:prstGeom>
           <a:noFill/>
-          <a:ln cap="flat" cmpd="sng" w="9525">
+          <a:ln w="9525" cap="flat" cmpd="sng">
             <a:solidFill>
               <a:schemeClr val="accent1"/>
             </a:solidFill>
             <a:prstDash val="solid"/>
             <a:round/>
-            <a:headEnd len="med" w="med" type="stealth"/>
-            <a:tailEnd len="med" w="med" type="none"/>
+            <a:headEnd type="stealth" w="med" len="med"/>
+            <a:tailEnd type="none" w="med" len="med"/>
           </a:ln>
         </p:spPr>
       </p:cxnSp>
@@ -9037,7 +9298,7 @@
           <p:nvPr/>
         </p:nvCxnSpPr>
         <p:spPr>
-          <a:xfrm flipH="1" rot="10800000">
+          <a:xfrm rot="10800000" flipH="1">
             <a:off x="4046125" y="2702475"/>
             <a:ext cx="231600" cy="1395900"/>
           </a:xfrm>
@@ -9045,14 +9306,14 @@
             <a:avLst/>
           </a:prstGeom>
           <a:noFill/>
-          <a:ln cap="flat" cmpd="sng" w="9525">
+          <a:ln w="9525" cap="flat" cmpd="sng">
             <a:solidFill>
               <a:schemeClr val="accent1"/>
             </a:solidFill>
             <a:prstDash val="solid"/>
             <a:round/>
-            <a:headEnd len="med" w="med" type="stealth"/>
-            <a:tailEnd len="med" w="med" type="none"/>
+            <a:headEnd type="stealth" w="med" len="med"/>
+            <a:tailEnd type="none" w="med" len="med"/>
           </a:ln>
         </p:spPr>
       </p:cxnSp>
@@ -9073,21 +9334,23 @@
             <a:avLst/>
           </a:prstGeom>
           <a:noFill/>
-          <a:ln cap="flat" cmpd="sng" w="9525">
+          <a:ln w="9525" cap="flat" cmpd="sng">
             <a:solidFill>
               <a:schemeClr val="accent1"/>
             </a:solidFill>
             <a:prstDash val="solid"/>
             <a:round/>
-            <a:headEnd len="med" w="med" type="stealth"/>
-            <a:tailEnd len="med" w="med" type="none"/>
+            <a:headEnd type="stealth" w="med" len="med"/>
+            <a:tailEnd type="none" w="med" len="med"/>
           </a:ln>
         </p:spPr>
       </p:cxnSp>
       <p:sp>
         <p:nvSpPr>
           <p:cNvPr id="167" name="Google Shape;167;p25"/>
-          <p:cNvSpPr txBox="1"/>
+          <p:cNvSpPr txBox="1">
+            <a:spLocks noGrp="1"/>
+          </p:cNvSpPr>
           <p:nvPr>
             <p:ph type="title"/>
           </p:nvPr>
@@ -9102,12 +9365,12 @@
           </a:prstGeom>
         </p:spPr>
         <p:txBody>
-          <a:bodyPr anchorCtr="0" anchor="t" bIns="91425" lIns="91425" spcFirstLastPara="1" rIns="91425" wrap="square" tIns="91425">
+          <a:bodyPr spcFirstLastPara="1" wrap="square" lIns="91425" tIns="91425" rIns="91425" bIns="91425" anchor="t" anchorCtr="0">
             <a:normAutofit/>
           </a:bodyPr>
           <a:lstStyle/>
           <a:p>
-            <a:pPr indent="0" lvl="0" marL="0" rtl="0" algn="l">
+            <a:pPr marL="0" lvl="0" indent="0" algn="l" rtl="0">
               <a:spcBef>
                 <a:spcPts val="0"/>
               </a:spcBef>
@@ -9140,14 +9403,14 @@
             <a:avLst/>
           </a:prstGeom>
           <a:noFill/>
-          <a:ln cap="flat" cmpd="sng" w="9525">
+          <a:ln w="9525" cap="flat" cmpd="sng">
             <a:solidFill>
               <a:schemeClr val="accent1"/>
             </a:solidFill>
             <a:prstDash val="solid"/>
             <a:round/>
-            <a:headEnd len="med" w="med" type="stealth"/>
-            <a:tailEnd len="med" w="med" type="none"/>
+            <a:headEnd type="stealth" w="med" len="med"/>
+            <a:tailEnd type="none" w="med" len="med"/>
           </a:ln>
         </p:spPr>
       </p:cxnSp>
@@ -9166,14 +9429,14 @@
             <a:avLst/>
           </a:prstGeom>
           <a:noFill/>
-          <a:ln cap="flat" cmpd="sng" w="9525">
+          <a:ln w="9525" cap="flat" cmpd="sng">
             <a:solidFill>
               <a:schemeClr val="accent1"/>
             </a:solidFill>
             <a:prstDash val="solid"/>
             <a:round/>
-            <a:headEnd len="med" w="med" type="stealth"/>
-            <a:tailEnd len="med" w="med" type="none"/>
+            <a:headEnd type="stealth" w="med" len="med"/>
+            <a:tailEnd type="none" w="med" len="med"/>
           </a:ln>
         </p:spPr>
       </p:cxnSp>
@@ -9194,14 +9457,14 @@
             <a:avLst/>
           </a:prstGeom>
           <a:noFill/>
-          <a:ln cap="flat" cmpd="sng" w="9525">
+          <a:ln w="9525" cap="flat" cmpd="sng">
             <a:solidFill>
               <a:schemeClr val="accent1"/>
             </a:solidFill>
             <a:prstDash val="solid"/>
             <a:round/>
-            <a:headEnd len="med" w="med" type="stealth"/>
-            <a:tailEnd len="med" w="med" type="none"/>
+            <a:headEnd type="stealth" w="med" len="med"/>
+            <a:tailEnd type="none" w="med" len="med"/>
           </a:ln>
         </p:spPr>
       </p:cxnSp>
@@ -9214,11 +9477,11 @@
 </file>
 
 <file path=ppt/slides/slide14.xml><?xml version="1.0" encoding="utf-8"?>
-<p:sld xmlns:a="http://schemas.openxmlformats.org/drawingml/2006/main" xmlns:r="http://schemas.openxmlformats.org/officeDocument/2006/relationships" xmlns:mc="http://schemas.openxmlformats.org/markup-compatibility/2006" xmlns:mv="urn:schemas-microsoft-com:mac:vml" xmlns:p="http://schemas.openxmlformats.org/presentationml/2006/main" xmlns:c="http://schemas.openxmlformats.org/drawingml/2006/chart" xmlns:dgm="http://schemas.openxmlformats.org/drawingml/2006/diagram" xmlns:o="urn:schemas-microsoft-com:office:office" xmlns:v="urn:schemas-microsoft-com:vml" xmlns:pvml="urn:schemas-microsoft-com:office:powerpoint" xmlns:com="http://schemas.openxmlformats.org/drawingml/2006/compatibility" xmlns:p14="http://schemas.microsoft.com/office/powerpoint/2010/main" xmlns:p15="http://schemas.microsoft.com/office/powerpoint/2012/main" xmlns:ahyp="http://schemas.microsoft.com/office/drawing/2018/hyperlinkcolor" show="0">
+<p:sld xmlns:a="http://schemas.openxmlformats.org/drawingml/2006/main" xmlns:r="http://schemas.openxmlformats.org/officeDocument/2006/relationships" xmlns:p="http://schemas.openxmlformats.org/presentationml/2006/main" show="0">
   <p:cSld>
     <p:spTree>
       <p:nvGrpSpPr>
-        <p:cNvPr id="174" name="Shape 174"/>
+        <p:cNvPr id="1" name="Shape 174"/>
         <p:cNvGrpSpPr/>
         <p:nvPr/>
       </p:nvGrpSpPr>
@@ -9233,7 +9496,9 @@
       <p:sp>
         <p:nvSpPr>
           <p:cNvPr id="175" name="Google Shape;175;p26"/>
-          <p:cNvSpPr txBox="1"/>
+          <p:cNvSpPr txBox="1">
+            <a:spLocks noGrp="1"/>
+          </p:cNvSpPr>
           <p:nvPr>
             <p:ph type="title"/>
           </p:nvPr>
@@ -9248,12 +9513,12 @@
           </a:prstGeom>
         </p:spPr>
         <p:txBody>
-          <a:bodyPr anchorCtr="0" anchor="t" bIns="91425" lIns="91425" spcFirstLastPara="1" rIns="91425" wrap="square" tIns="91425">
+          <a:bodyPr spcFirstLastPara="1" wrap="square" lIns="91425" tIns="91425" rIns="91425" bIns="91425" anchor="t" anchorCtr="0">
             <a:normAutofit fontScale="90000"/>
           </a:bodyPr>
           <a:lstStyle/>
           <a:p>
-            <a:pPr indent="0" lvl="0" marL="0" rtl="0" algn="l">
+            <a:pPr marL="0" lvl="0" indent="0" algn="l" rtl="0">
               <a:spcBef>
                 <a:spcPts val="0"/>
               </a:spcBef>
@@ -9273,9 +9538,11 @@
       <p:sp>
         <p:nvSpPr>
           <p:cNvPr id="176" name="Google Shape;176;p26"/>
-          <p:cNvSpPr txBox="1"/>
+          <p:cNvSpPr txBox="1">
+            <a:spLocks noGrp="1"/>
+          </p:cNvSpPr>
           <p:nvPr>
-            <p:ph idx="1" type="body"/>
+            <p:ph type="body" idx="1"/>
           </p:nvPr>
         </p:nvSpPr>
         <p:spPr>
@@ -9288,12 +9555,12 @@
           </a:prstGeom>
         </p:spPr>
         <p:txBody>
-          <a:bodyPr anchorCtr="0" anchor="t" bIns="91425" lIns="91425" spcFirstLastPara="1" rIns="91425" wrap="square" tIns="91425">
+          <a:bodyPr spcFirstLastPara="1" wrap="square" lIns="91425" tIns="91425" rIns="91425" bIns="91425" anchor="t" anchorCtr="0">
             <a:normAutofit lnSpcReduction="20000"/>
           </a:bodyPr>
           <a:lstStyle/>
           <a:p>
-            <a:pPr indent="0" lvl="0" marL="0" rtl="0" algn="l">
+            <a:pPr marL="0" lvl="0" indent="0" algn="l" rtl="0">
               <a:spcBef>
                 <a:spcPts val="0"/>
               </a:spcBef>
@@ -9309,7 +9576,7 @@
             <a:endParaRPr/>
           </a:p>
           <a:p>
-            <a:pPr indent="-342900" lvl="0" marL="457200" rtl="0" algn="l">
+            <a:pPr marL="457200" lvl="0" indent="-342900" algn="l" rtl="0">
               <a:spcBef>
                 <a:spcPts val="1200"/>
               </a:spcBef>
@@ -9326,7 +9593,7 @@
             <a:endParaRPr/>
           </a:p>
           <a:p>
-            <a:pPr indent="-342900" lvl="0" marL="457200" rtl="0" algn="l">
+            <a:pPr marL="457200" lvl="0" indent="-342900" algn="l" rtl="0">
               <a:spcBef>
                 <a:spcPts val="0"/>
               </a:spcBef>
@@ -9343,7 +9610,7 @@
             <a:endParaRPr/>
           </a:p>
           <a:p>
-            <a:pPr indent="-342900" lvl="0" marL="457200" rtl="0" algn="l">
+            <a:pPr marL="457200" lvl="0" indent="-342900" algn="l" rtl="0">
               <a:spcBef>
                 <a:spcPts val="0"/>
               </a:spcBef>
@@ -9360,7 +9627,7 @@
             <a:endParaRPr/>
           </a:p>
           <a:p>
-            <a:pPr indent="-342900" lvl="0" marL="457200" rtl="0" algn="l">
+            <a:pPr marL="457200" lvl="0" indent="-342900" algn="l" rtl="0">
               <a:spcBef>
                 <a:spcPts val="0"/>
               </a:spcBef>
@@ -9377,7 +9644,7 @@
             <a:endParaRPr/>
           </a:p>
           <a:p>
-            <a:pPr indent="-342900" lvl="0" marL="457200" rtl="0" algn="l">
+            <a:pPr marL="457200" lvl="0" indent="-342900" algn="l" rtl="0">
               <a:spcBef>
                 <a:spcPts val="0"/>
               </a:spcBef>
@@ -9394,7 +9661,7 @@
             <a:endParaRPr/>
           </a:p>
           <a:p>
-            <a:pPr indent="-342900" lvl="0" marL="457200" rtl="0" algn="l">
+            <a:pPr marL="457200" lvl="0" indent="-342900" algn="l" rtl="0">
               <a:spcBef>
                 <a:spcPts val="0"/>
               </a:spcBef>
@@ -9411,7 +9678,7 @@
             <a:endParaRPr/>
           </a:p>
           <a:p>
-            <a:pPr indent="0" lvl="0" marL="0" rtl="0" algn="l">
+            <a:pPr marL="0" lvl="0" indent="0" algn="l" rtl="0">
               <a:spcBef>
                 <a:spcPts val="1200"/>
               </a:spcBef>
@@ -9427,7 +9694,7 @@
             <a:endParaRPr/>
           </a:p>
           <a:p>
-            <a:pPr indent="0" lvl="0" marL="0" rtl="0" algn="l">
+            <a:pPr marL="0" lvl="0" indent="0" algn="l" rtl="0">
               <a:spcBef>
                 <a:spcPts val="1200"/>
               </a:spcBef>
@@ -9443,7 +9710,7 @@
             <a:endParaRPr/>
           </a:p>
           <a:p>
-            <a:pPr indent="0" lvl="0" marL="0" rtl="0" algn="l">
+            <a:pPr marL="0" lvl="0" indent="0" algn="l" rtl="0">
               <a:spcBef>
                 <a:spcPts val="1200"/>
               </a:spcBef>
@@ -9463,9 +9730,11 @@
       <p:sp>
         <p:nvSpPr>
           <p:cNvPr id="177" name="Google Shape;177;p26"/>
-          <p:cNvSpPr txBox="1"/>
+          <p:cNvSpPr txBox="1">
+            <a:spLocks noGrp="1"/>
+          </p:cNvSpPr>
           <p:nvPr>
-            <p:ph idx="12" type="sldNum"/>
+            <p:ph type="sldNum" idx="12"/>
           </p:nvPr>
         </p:nvSpPr>
         <p:spPr>
@@ -9478,12 +9747,12 @@
           </a:prstGeom>
         </p:spPr>
         <p:txBody>
-          <a:bodyPr anchorCtr="0" anchor="ctr" bIns="91425" lIns="91425" spcFirstLastPara="1" rIns="91425" wrap="square" tIns="91425">
+          <a:bodyPr spcFirstLastPara="1" wrap="square" lIns="91425" tIns="91425" rIns="91425" bIns="91425" anchor="ctr" anchorCtr="0">
             <a:normAutofit/>
           </a:bodyPr>
           <a:lstStyle/>
           <a:p>
-            <a:pPr indent="0" lvl="0" marL="0" rtl="0" algn="r">
+            <a:pPr marL="0" lvl="0" indent="0" algn="r" rtl="0">
               <a:spcBef>
                 <a:spcPts val="0"/>
               </a:spcBef>
@@ -9494,7 +9763,7 @@
             </a:pPr>
             <a:fld id="{00000000-1234-1234-1234-123412341234}" type="slidenum">
               <a:rPr lang="de"/>
-              <a:t>‹#›</a:t>
+              <a:t>14</a:t>
             </a:fld>
             <a:endParaRPr/>
           </a:p>
@@ -9509,11 +9778,11 @@
 </file>
 
 <file path=ppt/slides/slide2.xml><?xml version="1.0" encoding="utf-8"?>
-<p:sld xmlns:a="http://schemas.openxmlformats.org/drawingml/2006/main" xmlns:r="http://schemas.openxmlformats.org/officeDocument/2006/relationships" xmlns:mc="http://schemas.openxmlformats.org/markup-compatibility/2006" xmlns:mv="urn:schemas-microsoft-com:mac:vml" xmlns:p="http://schemas.openxmlformats.org/presentationml/2006/main" xmlns:c="http://schemas.openxmlformats.org/drawingml/2006/chart" xmlns:dgm="http://schemas.openxmlformats.org/drawingml/2006/diagram" xmlns:o="urn:schemas-microsoft-com:office:office" xmlns:v="urn:schemas-microsoft-com:vml" xmlns:pvml="urn:schemas-microsoft-com:office:powerpoint" xmlns:com="http://schemas.openxmlformats.org/drawingml/2006/compatibility" xmlns:p14="http://schemas.microsoft.com/office/powerpoint/2010/main" xmlns:p15="http://schemas.microsoft.com/office/powerpoint/2012/main" xmlns:ahyp="http://schemas.microsoft.com/office/drawing/2018/hyperlinkcolor">
+<p:sld xmlns:a="http://schemas.openxmlformats.org/drawingml/2006/main" xmlns:r="http://schemas.openxmlformats.org/officeDocument/2006/relationships" xmlns:p="http://schemas.openxmlformats.org/presentationml/2006/main">
   <p:cSld>
     <p:spTree>
       <p:nvGrpSpPr>
-        <p:cNvPr id="65" name="Shape 65"/>
+        <p:cNvPr id="1" name="Shape 65"/>
         <p:cNvGrpSpPr/>
         <p:nvPr/>
       </p:nvGrpSpPr>
@@ -9528,7 +9797,9 @@
       <p:sp>
         <p:nvSpPr>
           <p:cNvPr id="66" name="Google Shape;66;p14"/>
-          <p:cNvSpPr txBox="1"/>
+          <p:cNvSpPr txBox="1">
+            <a:spLocks noGrp="1"/>
+          </p:cNvSpPr>
           <p:nvPr>
             <p:ph type="title"/>
           </p:nvPr>
@@ -9543,12 +9814,12 @@
           </a:prstGeom>
         </p:spPr>
         <p:txBody>
-          <a:bodyPr anchorCtr="0" anchor="t" bIns="91425" lIns="91425" spcFirstLastPara="1" rIns="91425" wrap="square" tIns="91425">
+          <a:bodyPr spcFirstLastPara="1" wrap="square" lIns="91425" tIns="91425" rIns="91425" bIns="91425" anchor="t" anchorCtr="0">
             <a:normAutofit fontScale="90000"/>
           </a:bodyPr>
           <a:lstStyle/>
           <a:p>
-            <a:pPr indent="0" lvl="0" marL="0" rtl="0" algn="l">
+            <a:pPr marL="0" lvl="0" indent="0" algn="l" rtl="0">
               <a:spcBef>
                 <a:spcPts val="0"/>
               </a:spcBef>
@@ -9568,9 +9839,11 @@
       <p:sp>
         <p:nvSpPr>
           <p:cNvPr id="67" name="Google Shape;67;p14"/>
-          <p:cNvSpPr txBox="1"/>
+          <p:cNvSpPr txBox="1">
+            <a:spLocks noGrp="1"/>
+          </p:cNvSpPr>
           <p:nvPr>
-            <p:ph idx="1" type="body"/>
+            <p:ph type="body" idx="1"/>
           </p:nvPr>
         </p:nvSpPr>
         <p:spPr>
@@ -9583,12 +9856,12 @@
           </a:prstGeom>
         </p:spPr>
         <p:txBody>
-          <a:bodyPr anchorCtr="0" anchor="t" bIns="91425" lIns="91425" spcFirstLastPara="1" rIns="91425" wrap="square" tIns="91425">
+          <a:bodyPr spcFirstLastPara="1" wrap="square" lIns="91425" tIns="91425" rIns="91425" bIns="91425" anchor="t" anchorCtr="0">
             <a:normAutofit/>
           </a:bodyPr>
           <a:lstStyle/>
           <a:p>
-            <a:pPr indent="-342900" lvl="0" marL="457200" rtl="0" algn="l">
+            <a:pPr marL="457200" lvl="0" indent="-342900" algn="l" rtl="0">
               <a:spcBef>
                 <a:spcPts val="0"/>
               </a:spcBef>
@@ -9605,7 +9878,7 @@
             <a:endParaRPr/>
           </a:p>
           <a:p>
-            <a:pPr indent="-342900" lvl="0" marL="457200" rtl="0" algn="l">
+            <a:pPr marL="457200" lvl="0" indent="-342900" algn="l" rtl="0">
               <a:spcBef>
                 <a:spcPts val="0"/>
               </a:spcBef>
@@ -9622,7 +9895,7 @@
             <a:endParaRPr/>
           </a:p>
           <a:p>
-            <a:pPr indent="-342900" lvl="0" marL="457200" rtl="0" algn="l">
+            <a:pPr marL="457200" lvl="0" indent="-342900" algn="l" rtl="0">
               <a:spcBef>
                 <a:spcPts val="0"/>
               </a:spcBef>
@@ -9639,7 +9912,7 @@
             <a:endParaRPr/>
           </a:p>
           <a:p>
-            <a:pPr indent="-342900" lvl="0" marL="457200" rtl="0" algn="l">
+            <a:pPr marL="457200" lvl="0" indent="-342900" algn="l" rtl="0">
               <a:spcBef>
                 <a:spcPts val="0"/>
               </a:spcBef>
@@ -9656,7 +9929,7 @@
             <a:endParaRPr/>
           </a:p>
           <a:p>
-            <a:pPr indent="-342900" lvl="0" marL="457200" rtl="0" algn="l">
+            <a:pPr marL="457200" lvl="0" indent="-342900" algn="l" rtl="0">
               <a:spcBef>
                 <a:spcPts val="0"/>
               </a:spcBef>
@@ -9673,7 +9946,7 @@
             <a:endParaRPr/>
           </a:p>
           <a:p>
-            <a:pPr indent="-342900" lvl="0" marL="457200" rtl="0" algn="l">
+            <a:pPr marL="457200" lvl="0" indent="-342900" algn="l" rtl="0">
               <a:spcBef>
                 <a:spcPts val="0"/>
               </a:spcBef>
@@ -9690,7 +9963,7 @@
             <a:endParaRPr/>
           </a:p>
           <a:p>
-            <a:pPr indent="-342900" lvl="0" marL="457200" rtl="0" algn="l">
+            <a:pPr marL="457200" lvl="0" indent="-342900" algn="l" rtl="0">
               <a:spcBef>
                 <a:spcPts val="0"/>
               </a:spcBef>
@@ -9707,7 +9980,7 @@
             <a:endParaRPr/>
           </a:p>
           <a:p>
-            <a:pPr indent="-342900" lvl="0" marL="457200" rtl="0" algn="l">
+            <a:pPr marL="457200" lvl="0" indent="-342900" algn="l" rtl="0">
               <a:spcBef>
                 <a:spcPts val="0"/>
               </a:spcBef>
@@ -9784,9 +10057,11 @@
       <p:sp>
         <p:nvSpPr>
           <p:cNvPr id="70" name="Google Shape;70;p14"/>
-          <p:cNvSpPr txBox="1"/>
+          <p:cNvSpPr txBox="1">
+            <a:spLocks noGrp="1"/>
+          </p:cNvSpPr>
           <p:nvPr>
-            <p:ph idx="12" type="sldNum"/>
+            <p:ph type="sldNum" idx="12"/>
           </p:nvPr>
         </p:nvSpPr>
         <p:spPr>
@@ -9799,12 +10074,12 @@
           </a:prstGeom>
         </p:spPr>
         <p:txBody>
-          <a:bodyPr anchorCtr="0" anchor="ctr" bIns="91425" lIns="91425" spcFirstLastPara="1" rIns="91425" wrap="square" tIns="91425">
+          <a:bodyPr spcFirstLastPara="1" wrap="square" lIns="91425" tIns="91425" rIns="91425" bIns="91425" anchor="ctr" anchorCtr="0">
             <a:normAutofit/>
           </a:bodyPr>
           <a:lstStyle/>
           <a:p>
-            <a:pPr indent="0" lvl="0" marL="0" rtl="0" algn="r">
+            <a:pPr marL="0" lvl="0" indent="0" algn="r" rtl="0">
               <a:spcBef>
                 <a:spcPts val="0"/>
               </a:spcBef>
@@ -9815,7 +10090,7 @@
             </a:pPr>
             <a:fld id="{00000000-1234-1234-1234-123412341234}" type="slidenum">
               <a:rPr lang="de"/>
-              <a:t>‹#›</a:t>
+              <a:t>2</a:t>
             </a:fld>
             <a:endParaRPr/>
           </a:p>
@@ -9830,11 +10105,11 @@
 </file>
 
 <file path=ppt/slides/slide3.xml><?xml version="1.0" encoding="utf-8"?>
-<p:sld xmlns:a="http://schemas.openxmlformats.org/drawingml/2006/main" xmlns:r="http://schemas.openxmlformats.org/officeDocument/2006/relationships" xmlns:mc="http://schemas.openxmlformats.org/markup-compatibility/2006" xmlns:mv="urn:schemas-microsoft-com:mac:vml" xmlns:p="http://schemas.openxmlformats.org/presentationml/2006/main" xmlns:c="http://schemas.openxmlformats.org/drawingml/2006/chart" xmlns:dgm="http://schemas.openxmlformats.org/drawingml/2006/diagram" xmlns:o="urn:schemas-microsoft-com:office:office" xmlns:v="urn:schemas-microsoft-com:vml" xmlns:pvml="urn:schemas-microsoft-com:office:powerpoint" xmlns:com="http://schemas.openxmlformats.org/drawingml/2006/compatibility" xmlns:p14="http://schemas.microsoft.com/office/powerpoint/2010/main" xmlns:p15="http://schemas.microsoft.com/office/powerpoint/2012/main" xmlns:ahyp="http://schemas.microsoft.com/office/drawing/2018/hyperlinkcolor">
+<p:sld xmlns:a="http://schemas.openxmlformats.org/drawingml/2006/main" xmlns:r="http://schemas.openxmlformats.org/officeDocument/2006/relationships" xmlns:p="http://schemas.openxmlformats.org/presentationml/2006/main">
   <p:cSld>
     <p:spTree>
       <p:nvGrpSpPr>
-        <p:cNvPr id="74" name="Shape 74"/>
+        <p:cNvPr id="1" name="Shape 74"/>
         <p:cNvGrpSpPr/>
         <p:nvPr/>
       </p:nvGrpSpPr>
@@ -9849,7 +10124,9 @@
       <p:sp>
         <p:nvSpPr>
           <p:cNvPr id="75" name="Google Shape;75;p15"/>
-          <p:cNvSpPr txBox="1"/>
+          <p:cNvSpPr txBox="1">
+            <a:spLocks noGrp="1"/>
+          </p:cNvSpPr>
           <p:nvPr>
             <p:ph type="title"/>
           </p:nvPr>
@@ -9864,12 +10141,12 @@
           </a:prstGeom>
         </p:spPr>
         <p:txBody>
-          <a:bodyPr anchorCtr="0" anchor="t" bIns="91425" lIns="91425" spcFirstLastPara="1" rIns="91425" wrap="square" tIns="91425">
+          <a:bodyPr spcFirstLastPara="1" wrap="square" lIns="91425" tIns="91425" rIns="91425" bIns="91425" anchor="t" anchorCtr="0">
             <a:normAutofit fontScale="90000"/>
           </a:bodyPr>
           <a:lstStyle/>
           <a:p>
-            <a:pPr indent="-388620" lvl="0" marL="457200" rtl="0" algn="l">
+            <a:pPr marL="457200" lvl="0" indent="-388620" algn="l" rtl="0">
               <a:spcBef>
                 <a:spcPts val="0"/>
               </a:spcBef>
@@ -9890,9 +10167,11 @@
       <p:sp>
         <p:nvSpPr>
           <p:cNvPr id="76" name="Google Shape;76;p15"/>
-          <p:cNvSpPr txBox="1"/>
+          <p:cNvSpPr txBox="1">
+            <a:spLocks noGrp="1"/>
+          </p:cNvSpPr>
           <p:nvPr>
-            <p:ph idx="1" type="body"/>
+            <p:ph type="body" idx="1"/>
           </p:nvPr>
         </p:nvSpPr>
         <p:spPr>
@@ -9905,12 +10184,12 @@
           </a:prstGeom>
         </p:spPr>
         <p:txBody>
-          <a:bodyPr anchorCtr="0" anchor="t" bIns="91425" lIns="91425" spcFirstLastPara="1" rIns="91425" wrap="square" tIns="91425">
+          <a:bodyPr spcFirstLastPara="1" wrap="square" lIns="91425" tIns="91425" rIns="91425" bIns="91425" anchor="t" anchorCtr="0">
             <a:normAutofit/>
           </a:bodyPr>
           <a:lstStyle/>
           <a:p>
-            <a:pPr indent="0" lvl="0" marL="0" rtl="0" algn="l">
+            <a:pPr marL="0" lvl="0" indent="0" algn="l" rtl="0">
               <a:spcBef>
                 <a:spcPts val="0"/>
               </a:spcBef>
@@ -9920,7 +10199,7 @@
               <a:buNone/>
             </a:pPr>
             <a:r>
-              <a:rPr b="1" lang="de"/>
+              <a:rPr lang="de" b="1"/>
               <a:t>12-13 %</a:t>
             </a:r>
             <a:r>
@@ -9930,7 +10209,7 @@
             <a:endParaRPr/>
           </a:p>
           <a:p>
-            <a:pPr indent="-342900" lvl="0" marL="457200" rtl="0" algn="l">
+            <a:pPr marL="457200" lvl="0" indent="-342900" algn="l" rtl="0">
               <a:spcBef>
                 <a:spcPts val="1200"/>
               </a:spcBef>
@@ -9947,7 +10226,7 @@
             <a:endParaRPr/>
           </a:p>
           <a:p>
-            <a:pPr indent="-342900" lvl="0" marL="457200" rtl="0" algn="l">
+            <a:pPr marL="457200" lvl="0" indent="-342900" algn="l" rtl="0">
               <a:spcBef>
                 <a:spcPts val="0"/>
               </a:spcBef>
@@ -9958,7 +10237,7 @@
               <a:buChar char="➔"/>
             </a:pPr>
             <a:r>
-              <a:rPr b="1" lang="de"/>
+              <a:rPr lang="de" b="1"/>
               <a:t>rechtzeitig</a:t>
             </a:r>
             <a:r>
@@ -9968,7 +10247,7 @@
             <a:endParaRPr/>
           </a:p>
           <a:p>
-            <a:pPr indent="-342900" lvl="0" marL="457200" rtl="0" algn="l">
+            <a:pPr marL="457200" lvl="0" indent="-342900" algn="l" rtl="0">
               <a:spcBef>
                 <a:spcPts val="0"/>
               </a:spcBef>
@@ -10017,9 +10296,11 @@
       <p:sp>
         <p:nvSpPr>
           <p:cNvPr id="78" name="Google Shape;78;p15"/>
-          <p:cNvSpPr txBox="1"/>
+          <p:cNvSpPr txBox="1">
+            <a:spLocks noGrp="1"/>
+          </p:cNvSpPr>
           <p:nvPr>
-            <p:ph idx="12" type="sldNum"/>
+            <p:ph type="sldNum" idx="12"/>
           </p:nvPr>
         </p:nvSpPr>
         <p:spPr>
@@ -10032,12 +10313,12 @@
           </a:prstGeom>
         </p:spPr>
         <p:txBody>
-          <a:bodyPr anchorCtr="0" anchor="ctr" bIns="91425" lIns="91425" spcFirstLastPara="1" rIns="91425" wrap="square" tIns="91425">
+          <a:bodyPr spcFirstLastPara="1" wrap="square" lIns="91425" tIns="91425" rIns="91425" bIns="91425" anchor="ctr" anchorCtr="0">
             <a:normAutofit/>
           </a:bodyPr>
           <a:lstStyle/>
           <a:p>
-            <a:pPr indent="0" lvl="0" marL="0" rtl="0" algn="r">
+            <a:pPr marL="0" lvl="0" indent="0" algn="r" rtl="0">
               <a:spcBef>
                 <a:spcPts val="0"/>
               </a:spcBef>
@@ -10048,7 +10329,7 @@
             </a:pPr>
             <a:fld id="{00000000-1234-1234-1234-123412341234}" type="slidenum">
               <a:rPr lang="de"/>
-              <a:t>‹#›</a:t>
+              <a:t>3</a:t>
             </a:fld>
             <a:endParaRPr/>
           </a:p>
@@ -10063,11 +10344,11 @@
 </file>
 
 <file path=ppt/slides/slide4.xml><?xml version="1.0" encoding="utf-8"?>
-<p:sld xmlns:a="http://schemas.openxmlformats.org/drawingml/2006/main" xmlns:r="http://schemas.openxmlformats.org/officeDocument/2006/relationships" xmlns:mc="http://schemas.openxmlformats.org/markup-compatibility/2006" xmlns:mv="urn:schemas-microsoft-com:mac:vml" xmlns:p="http://schemas.openxmlformats.org/presentationml/2006/main" xmlns:c="http://schemas.openxmlformats.org/drawingml/2006/chart" xmlns:dgm="http://schemas.openxmlformats.org/drawingml/2006/diagram" xmlns:o="urn:schemas-microsoft-com:office:office" xmlns:v="urn:schemas-microsoft-com:vml" xmlns:pvml="urn:schemas-microsoft-com:office:powerpoint" xmlns:com="http://schemas.openxmlformats.org/drawingml/2006/compatibility" xmlns:p14="http://schemas.microsoft.com/office/powerpoint/2010/main" xmlns:p15="http://schemas.microsoft.com/office/powerpoint/2012/main" xmlns:ahyp="http://schemas.microsoft.com/office/drawing/2018/hyperlinkcolor">
+<p:sld xmlns:a="http://schemas.openxmlformats.org/drawingml/2006/main" xmlns:r="http://schemas.openxmlformats.org/officeDocument/2006/relationships" xmlns:p="http://schemas.openxmlformats.org/presentationml/2006/main">
   <p:cSld>
     <p:spTree>
       <p:nvGrpSpPr>
-        <p:cNvPr id="82" name="Shape 82"/>
+        <p:cNvPr id="1" name="Shape 82"/>
         <p:cNvGrpSpPr/>
         <p:nvPr/>
       </p:nvGrpSpPr>
@@ -10082,7 +10363,9 @@
       <p:sp>
         <p:nvSpPr>
           <p:cNvPr id="83" name="Google Shape;83;p16"/>
-          <p:cNvSpPr txBox="1"/>
+          <p:cNvSpPr txBox="1">
+            <a:spLocks noGrp="1"/>
+          </p:cNvSpPr>
           <p:nvPr>
             <p:ph type="title"/>
           </p:nvPr>
@@ -10097,12 +10380,12 @@
           </a:prstGeom>
         </p:spPr>
         <p:txBody>
-          <a:bodyPr anchorCtr="0" anchor="t" bIns="91425" lIns="91425" spcFirstLastPara="1" rIns="91425" wrap="square" tIns="91425">
+          <a:bodyPr spcFirstLastPara="1" wrap="square" lIns="91425" tIns="91425" rIns="91425" bIns="91425" anchor="t" anchorCtr="0">
             <a:normAutofit fontScale="90000"/>
           </a:bodyPr>
           <a:lstStyle/>
           <a:p>
-            <a:pPr indent="0" lvl="0" marL="0" rtl="0" algn="l">
+            <a:pPr marL="0" lvl="0" indent="0" algn="l" rtl="0">
               <a:spcBef>
                 <a:spcPts val="0"/>
               </a:spcBef>
@@ -10122,9 +10405,11 @@
       <p:sp>
         <p:nvSpPr>
           <p:cNvPr id="84" name="Google Shape;84;p16"/>
-          <p:cNvSpPr txBox="1"/>
+          <p:cNvSpPr txBox="1">
+            <a:spLocks noGrp="1"/>
+          </p:cNvSpPr>
           <p:nvPr>
-            <p:ph idx="1" type="body"/>
+            <p:ph type="body" idx="1"/>
           </p:nvPr>
         </p:nvSpPr>
         <p:spPr>
@@ -10137,12 +10422,12 @@
           </a:prstGeom>
         </p:spPr>
         <p:txBody>
-          <a:bodyPr anchorCtr="0" anchor="t" bIns="91425" lIns="91425" spcFirstLastPara="1" rIns="91425" wrap="square" tIns="91425">
+          <a:bodyPr spcFirstLastPara="1" wrap="square" lIns="91425" tIns="91425" rIns="91425" bIns="91425" anchor="t" anchorCtr="0">
             <a:normAutofit/>
           </a:bodyPr>
           <a:lstStyle/>
           <a:p>
-            <a:pPr indent="0" lvl="0" marL="0" rtl="0" algn="l">
+            <a:pPr marL="0" lvl="0" indent="0" algn="l" rtl="0">
               <a:spcBef>
                 <a:spcPts val="0"/>
               </a:spcBef>
@@ -10156,7 +10441,7 @@
               <a:t>Daten verbinden und erste Features entwickeln in </a:t>
             </a:r>
             <a:r>
-              <a:rPr b="1" lang="de"/>
+              <a:rPr lang="de" b="1"/>
               <a:t>Alteryx</a:t>
             </a:r>
             <a:endParaRPr b="1"/>
@@ -10194,9 +10479,11 @@
       <p:sp>
         <p:nvSpPr>
           <p:cNvPr id="86" name="Google Shape;86;p16"/>
-          <p:cNvSpPr txBox="1"/>
+          <p:cNvSpPr txBox="1">
+            <a:spLocks noGrp="1"/>
+          </p:cNvSpPr>
           <p:nvPr>
-            <p:ph idx="12" type="sldNum"/>
+            <p:ph type="sldNum" idx="12"/>
           </p:nvPr>
         </p:nvSpPr>
         <p:spPr>
@@ -10209,12 +10496,12 @@
           </a:prstGeom>
         </p:spPr>
         <p:txBody>
-          <a:bodyPr anchorCtr="0" anchor="ctr" bIns="91425" lIns="91425" spcFirstLastPara="1" rIns="91425" wrap="square" tIns="91425">
+          <a:bodyPr spcFirstLastPara="1" wrap="square" lIns="91425" tIns="91425" rIns="91425" bIns="91425" anchor="ctr" anchorCtr="0">
             <a:normAutofit/>
           </a:bodyPr>
           <a:lstStyle/>
           <a:p>
-            <a:pPr indent="0" lvl="0" marL="0" rtl="0" algn="r">
+            <a:pPr marL="0" lvl="0" indent="0" algn="r" rtl="0">
               <a:spcBef>
                 <a:spcPts val="0"/>
               </a:spcBef>
@@ -10225,7 +10512,7 @@
             </a:pPr>
             <a:fld id="{00000000-1234-1234-1234-123412341234}" type="slidenum">
               <a:rPr lang="de"/>
-              <a:t>‹#›</a:t>
+              <a:t>4</a:t>
             </a:fld>
             <a:endParaRPr/>
           </a:p>
@@ -10239,32 +10526,32 @@
   <p:timing>
     <p:tnLst>
       <p:par>
-        <p:cTn dur="indefinite" nodeType="tmRoot" restart="never">
+        <p:cTn id="1" dur="indefinite" restart="never" nodeType="tmRoot">
           <p:childTnLst>
             <p:seq concurrent="1" nextAc="seek">
-              <p:cTn dur="indefinite" id="2" nodeType="mainSeq">
+              <p:cTn id="2" dur="indefinite" nodeType="mainSeq">
                 <p:childTnLst>
                   <p:par>
-                    <p:cTn fill="hold">
+                    <p:cTn id="3" fill="hold">
                       <p:stCondLst>
                         <p:cond delay="indefinite"/>
                       </p:stCondLst>
                       <p:childTnLst>
                         <p:par>
-                          <p:cTn fill="hold">
+                          <p:cTn id="4" fill="hold">
                             <p:stCondLst>
                               <p:cond delay="0"/>
                             </p:stCondLst>
                             <p:childTnLst>
                               <p:par>
-                                <p:cTn fill="hold" nodeType="clickEffect" presetClass="entr" presetID="10" presetSubtype="0">
+                                <p:cTn id="5" presetID="10" presetClass="entr" presetSubtype="0" fill="hold" nodeType="clickEffect">
                                   <p:stCondLst>
                                     <p:cond delay="0"/>
                                   </p:stCondLst>
                                   <p:childTnLst>
                                     <p:set>
                                       <p:cBhvr>
-                                        <p:cTn dur="1" fill="hold">
+                                        <p:cTn id="6" dur="1" fill="hold">
                                           <p:stCondLst>
                                             <p:cond delay="0"/>
                                           </p:stCondLst>
@@ -10280,9 +10567,9 @@
                                         <p:strVal val="visible"/>
                                       </p:to>
                                     </p:set>
-                                    <p:animEffect filter="fade" transition="in">
+                                    <p:animEffect transition="in" filter="fade">
                                       <p:cBhvr>
-                                        <p:cTn dur="1000"/>
+                                        <p:cTn id="7" dur="1000"/>
                                         <p:tgtEl>
                                           <p:spTgt spid="85"/>
                                         </p:tgtEl>
@@ -10300,14 +10587,14 @@
                 </p:childTnLst>
               </p:cTn>
               <p:prevCondLst>
-                <p:cond evt="onPrev">
+                <p:cond evt="onPrev" delay="0">
                   <p:tgtEl>
                     <p:sldTgt/>
                   </p:tgtEl>
                 </p:cond>
               </p:prevCondLst>
               <p:nextCondLst>
-                <p:cond evt="onNext">
+                <p:cond evt="onNext" delay="0">
                   <p:tgtEl>
                     <p:sldTgt/>
                   </p:tgtEl>
@@ -10323,11 +10610,11 @@
 </file>
 
 <file path=ppt/slides/slide5.xml><?xml version="1.0" encoding="utf-8"?>
-<p:sld xmlns:a="http://schemas.openxmlformats.org/drawingml/2006/main" xmlns:r="http://schemas.openxmlformats.org/officeDocument/2006/relationships" xmlns:mc="http://schemas.openxmlformats.org/markup-compatibility/2006" xmlns:mv="urn:schemas-microsoft-com:mac:vml" xmlns:p="http://schemas.openxmlformats.org/presentationml/2006/main" xmlns:c="http://schemas.openxmlformats.org/drawingml/2006/chart" xmlns:dgm="http://schemas.openxmlformats.org/drawingml/2006/diagram" xmlns:o="urn:schemas-microsoft-com:office:office" xmlns:v="urn:schemas-microsoft-com:vml" xmlns:pvml="urn:schemas-microsoft-com:office:powerpoint" xmlns:com="http://schemas.openxmlformats.org/drawingml/2006/compatibility" xmlns:p14="http://schemas.microsoft.com/office/powerpoint/2010/main" xmlns:p15="http://schemas.microsoft.com/office/powerpoint/2012/main" xmlns:ahyp="http://schemas.microsoft.com/office/drawing/2018/hyperlinkcolor">
+<p:sld xmlns:a="http://schemas.openxmlformats.org/drawingml/2006/main" xmlns:r="http://schemas.openxmlformats.org/officeDocument/2006/relationships" xmlns:p="http://schemas.openxmlformats.org/presentationml/2006/main">
   <p:cSld>
     <p:spTree>
       <p:nvGrpSpPr>
-        <p:cNvPr id="90" name="Shape 90"/>
+        <p:cNvPr id="1" name="Shape 90"/>
         <p:cNvGrpSpPr/>
         <p:nvPr/>
       </p:nvGrpSpPr>
@@ -10342,7 +10629,9 @@
       <p:sp>
         <p:nvSpPr>
           <p:cNvPr id="91" name="Google Shape;91;p17"/>
-          <p:cNvSpPr txBox="1"/>
+          <p:cNvSpPr txBox="1">
+            <a:spLocks noGrp="1"/>
+          </p:cNvSpPr>
           <p:nvPr>
             <p:ph type="title"/>
           </p:nvPr>
@@ -10357,12 +10646,12 @@
           </a:prstGeom>
         </p:spPr>
         <p:txBody>
-          <a:bodyPr anchorCtr="0" anchor="t" bIns="91425" lIns="91425" spcFirstLastPara="1" rIns="91425" wrap="square" tIns="91425">
+          <a:bodyPr spcFirstLastPara="1" wrap="square" lIns="91425" tIns="91425" rIns="91425" bIns="91425" anchor="t" anchorCtr="0">
             <a:normAutofit fontScale="90000"/>
           </a:bodyPr>
           <a:lstStyle/>
           <a:p>
-            <a:pPr indent="0" lvl="0" marL="0" rtl="0" algn="l">
+            <a:pPr marL="0" lvl="0" indent="0" algn="l" rtl="0">
               <a:spcBef>
                 <a:spcPts val="0"/>
               </a:spcBef>
@@ -10373,11 +10662,7 @@
             </a:pPr>
             <a:r>
               <a:rPr lang="de"/>
-              <a:t>2</a:t>
-            </a:r>
-            <a:r>
-              <a:rPr lang="de"/>
-              <a:t>. Datengrundlage</a:t>
+              <a:t>2. Datengrundlage</a:t>
             </a:r>
             <a:endParaRPr/>
           </a:p>
@@ -10386,9 +10671,11 @@
       <p:sp>
         <p:nvSpPr>
           <p:cNvPr id="92" name="Google Shape;92;p17"/>
-          <p:cNvSpPr txBox="1"/>
+          <p:cNvSpPr txBox="1">
+            <a:spLocks noGrp="1"/>
+          </p:cNvSpPr>
           <p:nvPr>
-            <p:ph idx="1" type="body"/>
+            <p:ph type="body" idx="1"/>
           </p:nvPr>
         </p:nvSpPr>
         <p:spPr>
@@ -10401,12 +10688,12 @@
           </a:prstGeom>
         </p:spPr>
         <p:txBody>
-          <a:bodyPr anchorCtr="0" anchor="t" bIns="91425" lIns="91425" spcFirstLastPara="1" rIns="91425" wrap="square" tIns="91425">
+          <a:bodyPr spcFirstLastPara="1" wrap="square" lIns="91425" tIns="91425" rIns="91425" bIns="91425" anchor="t" anchorCtr="0">
             <a:normAutofit/>
           </a:bodyPr>
           <a:lstStyle/>
           <a:p>
-            <a:pPr indent="-342900" lvl="0" marL="457200" marR="0" rtl="0" algn="l">
+            <a:pPr marL="457200" marR="0" lvl="0" indent="-342900" algn="l" rtl="0">
               <a:lnSpc>
                 <a:spcPct val="115000"/>
               </a:lnSpc>
@@ -10426,7 +10713,7 @@
             <a:endParaRPr/>
           </a:p>
           <a:p>
-            <a:pPr indent="-342900" lvl="0" marL="457200" marR="0" rtl="0" algn="l">
+            <a:pPr marL="457200" marR="0" lvl="0" indent="-342900" algn="l" rtl="0">
               <a:lnSpc>
                 <a:spcPct val="115000"/>
               </a:lnSpc>
@@ -10446,7 +10733,7 @@
             <a:endParaRPr/>
           </a:p>
           <a:p>
-            <a:pPr indent="-317500" lvl="1" marL="914400" marR="0" rtl="0" algn="l">
+            <a:pPr marL="914400" marR="0" lvl="1" indent="-317500" algn="l" rtl="0">
               <a:lnSpc>
                 <a:spcPct val="115000"/>
               </a:lnSpc>
@@ -10466,7 +10753,7 @@
             <a:endParaRPr/>
           </a:p>
           <a:p>
-            <a:pPr indent="-317500" lvl="1" marL="914400" marR="0" rtl="0" algn="l">
+            <a:pPr marL="914400" marR="0" lvl="1" indent="-317500" algn="l" rtl="0">
               <a:lnSpc>
                 <a:spcPct val="115000"/>
               </a:lnSpc>
@@ -10486,7 +10773,7 @@
             <a:endParaRPr/>
           </a:p>
           <a:p>
-            <a:pPr indent="-317500" lvl="1" marL="914400" marR="0" rtl="0" algn="l">
+            <a:pPr marL="914400" marR="0" lvl="1" indent="-317500" algn="l" rtl="0">
               <a:lnSpc>
                 <a:spcPct val="115000"/>
               </a:lnSpc>
@@ -10506,7 +10793,7 @@
             <a:endParaRPr/>
           </a:p>
           <a:p>
-            <a:pPr indent="-342900" lvl="0" marL="457200" marR="0" rtl="0" algn="l">
+            <a:pPr marL="457200" marR="0" lvl="0" indent="-342900" algn="l" rtl="0">
               <a:lnSpc>
                 <a:spcPct val="115000"/>
               </a:lnSpc>
@@ -10526,7 +10813,7 @@
             <a:endParaRPr/>
           </a:p>
           <a:p>
-            <a:pPr indent="-342900" lvl="0" marL="457200" marR="0" rtl="0" algn="l">
+            <a:pPr marL="457200" marR="0" lvl="0" indent="-342900" algn="l" rtl="0">
               <a:lnSpc>
                 <a:spcPct val="115000"/>
               </a:lnSpc>
@@ -10546,7 +10833,7 @@
             <a:endParaRPr/>
           </a:p>
           <a:p>
-            <a:pPr indent="-342900" lvl="0" marL="457200" marR="0" rtl="0" algn="l">
+            <a:pPr marL="457200" marR="0" lvl="0" indent="-342900" algn="l" rtl="0">
               <a:lnSpc>
                 <a:spcPct val="115000"/>
               </a:lnSpc>
@@ -10570,9 +10857,11 @@
       <p:sp>
         <p:nvSpPr>
           <p:cNvPr id="93" name="Google Shape;93;p17"/>
-          <p:cNvSpPr txBox="1"/>
+          <p:cNvSpPr txBox="1">
+            <a:spLocks noGrp="1"/>
+          </p:cNvSpPr>
           <p:nvPr>
-            <p:ph idx="12" type="sldNum"/>
+            <p:ph type="sldNum" idx="12"/>
           </p:nvPr>
         </p:nvSpPr>
         <p:spPr>
@@ -10585,12 +10874,12 @@
           </a:prstGeom>
         </p:spPr>
         <p:txBody>
-          <a:bodyPr anchorCtr="0" anchor="ctr" bIns="91425" lIns="91425" spcFirstLastPara="1" rIns="91425" wrap="square" tIns="91425">
+          <a:bodyPr spcFirstLastPara="1" wrap="square" lIns="91425" tIns="91425" rIns="91425" bIns="91425" anchor="ctr" anchorCtr="0">
             <a:normAutofit/>
           </a:bodyPr>
           <a:lstStyle/>
           <a:p>
-            <a:pPr indent="0" lvl="0" marL="0" rtl="0" algn="r">
+            <a:pPr marL="0" lvl="0" indent="0" algn="r" rtl="0">
               <a:spcBef>
                 <a:spcPts val="0"/>
               </a:spcBef>
@@ -10601,7 +10890,7 @@
             </a:pPr>
             <a:fld id="{00000000-1234-1234-1234-123412341234}" type="slidenum">
               <a:rPr lang="de"/>
-              <a:t>‹#›</a:t>
+              <a:t>5</a:t>
             </a:fld>
             <a:endParaRPr/>
           </a:p>
@@ -10638,9 +10927,11 @@
       <p:sp>
         <p:nvSpPr>
           <p:cNvPr id="95" name="Google Shape;95;p17"/>
-          <p:cNvSpPr txBox="1"/>
+          <p:cNvSpPr txBox="1">
+            <a:spLocks noGrp="1"/>
+          </p:cNvSpPr>
           <p:nvPr>
-            <p:ph idx="1" type="body"/>
+            <p:ph type="body" idx="1"/>
           </p:nvPr>
         </p:nvSpPr>
         <p:spPr>
@@ -10653,12 +10944,12 @@
           </a:prstGeom>
         </p:spPr>
         <p:txBody>
-          <a:bodyPr anchorCtr="0" anchor="t" bIns="91425" lIns="91425" spcFirstLastPara="1" rIns="91425" wrap="square" tIns="91425">
+          <a:bodyPr spcFirstLastPara="1" wrap="square" lIns="91425" tIns="91425" rIns="91425" bIns="91425" anchor="t" anchorCtr="0">
             <a:normAutofit/>
           </a:bodyPr>
           <a:lstStyle/>
           <a:p>
-            <a:pPr indent="0" lvl="0" marL="0" marR="0" rtl="0" algn="l">
+            <a:pPr marL="0" marR="0" lvl="0" indent="0" algn="l" rtl="0">
               <a:lnSpc>
                 <a:spcPct val="115000"/>
               </a:lnSpc>
@@ -10687,11 +10978,11 @@
 </file>
 
 <file path=ppt/slides/slide6.xml><?xml version="1.0" encoding="utf-8"?>
-<p:sld xmlns:a="http://schemas.openxmlformats.org/drawingml/2006/main" xmlns:r="http://schemas.openxmlformats.org/officeDocument/2006/relationships" xmlns:mc="http://schemas.openxmlformats.org/markup-compatibility/2006" xmlns:mv="urn:schemas-microsoft-com:mac:vml" xmlns:p="http://schemas.openxmlformats.org/presentationml/2006/main" xmlns:c="http://schemas.openxmlformats.org/drawingml/2006/chart" xmlns:dgm="http://schemas.openxmlformats.org/drawingml/2006/diagram" xmlns:o="urn:schemas-microsoft-com:office:office" xmlns:v="urn:schemas-microsoft-com:vml" xmlns:pvml="urn:schemas-microsoft-com:office:powerpoint" xmlns:com="http://schemas.openxmlformats.org/drawingml/2006/compatibility" xmlns:p14="http://schemas.microsoft.com/office/powerpoint/2010/main" xmlns:p15="http://schemas.microsoft.com/office/powerpoint/2012/main" xmlns:ahyp="http://schemas.microsoft.com/office/drawing/2018/hyperlinkcolor">
+<p:sld xmlns:a="http://schemas.openxmlformats.org/drawingml/2006/main" xmlns:r="http://schemas.openxmlformats.org/officeDocument/2006/relationships" xmlns:p="http://schemas.openxmlformats.org/presentationml/2006/main">
   <p:cSld>
     <p:spTree>
       <p:nvGrpSpPr>
-        <p:cNvPr id="99" name="Shape 99"/>
+        <p:cNvPr id="1" name="Shape 99"/>
         <p:cNvGrpSpPr/>
         <p:nvPr/>
       </p:nvGrpSpPr>
@@ -10706,7 +10997,9 @@
       <p:sp>
         <p:nvSpPr>
           <p:cNvPr id="100" name="Google Shape;100;p18"/>
-          <p:cNvSpPr txBox="1"/>
+          <p:cNvSpPr txBox="1">
+            <a:spLocks noGrp="1"/>
+          </p:cNvSpPr>
           <p:nvPr>
             <p:ph type="title"/>
           </p:nvPr>
@@ -10721,12 +11014,12 @@
           </a:prstGeom>
         </p:spPr>
         <p:txBody>
-          <a:bodyPr anchorCtr="0" anchor="t" bIns="91425" lIns="91425" spcFirstLastPara="1" rIns="91425" wrap="square" tIns="91425">
+          <a:bodyPr spcFirstLastPara="1" wrap="square" lIns="91425" tIns="91425" rIns="91425" bIns="91425" anchor="t" anchorCtr="0">
             <a:normAutofit fontScale="90000"/>
           </a:bodyPr>
           <a:lstStyle/>
           <a:p>
-            <a:pPr indent="0" lvl="0" marL="0" rtl="0" algn="l">
+            <a:pPr marL="0" lvl="0" indent="0" algn="l" rtl="0">
               <a:spcBef>
                 <a:spcPts val="0"/>
               </a:spcBef>
@@ -10746,9 +11039,11 @@
       <p:sp>
         <p:nvSpPr>
           <p:cNvPr id="101" name="Google Shape;101;p18"/>
-          <p:cNvSpPr txBox="1"/>
+          <p:cNvSpPr txBox="1">
+            <a:spLocks noGrp="1"/>
+          </p:cNvSpPr>
           <p:nvPr>
-            <p:ph idx="1" type="body"/>
+            <p:ph type="body" idx="1"/>
           </p:nvPr>
         </p:nvSpPr>
         <p:spPr>
@@ -10761,12 +11056,12 @@
           </a:prstGeom>
         </p:spPr>
         <p:txBody>
-          <a:bodyPr anchorCtr="0" anchor="t" bIns="91425" lIns="91425" spcFirstLastPara="1" rIns="91425" wrap="square" tIns="91425">
+          <a:bodyPr spcFirstLastPara="1" wrap="square" lIns="91425" tIns="91425" rIns="91425" bIns="91425" anchor="t" anchorCtr="0">
             <a:normAutofit/>
           </a:bodyPr>
           <a:lstStyle/>
           <a:p>
-            <a:pPr indent="-342900" lvl="0" marL="457200" marR="0" rtl="0" algn="l">
+            <a:pPr marL="457200" marR="0" lvl="0" indent="-342900" algn="l" rtl="0">
               <a:lnSpc>
                 <a:spcPct val="115000"/>
               </a:lnSpc>
@@ -10786,7 +11081,7 @@
             <a:endParaRPr/>
           </a:p>
           <a:p>
-            <a:pPr indent="-317500" lvl="1" marL="914400" marR="0" rtl="0" algn="l">
+            <a:pPr marL="914400" marR="0" lvl="1" indent="-317500" algn="l" rtl="0">
               <a:lnSpc>
                 <a:spcPct val="115000"/>
               </a:lnSpc>
@@ -10806,7 +11101,7 @@
             <a:endParaRPr/>
           </a:p>
           <a:p>
-            <a:pPr indent="-342900" lvl="0" marL="457200" marR="0" rtl="0" algn="l">
+            <a:pPr marL="457200" marR="0" lvl="0" indent="-342900" algn="l" rtl="0">
               <a:lnSpc>
                 <a:spcPct val="115000"/>
               </a:lnSpc>
@@ -10826,7 +11121,7 @@
             <a:endParaRPr/>
           </a:p>
           <a:p>
-            <a:pPr indent="-317500" lvl="1" marL="914400" marR="0" rtl="0" algn="l">
+            <a:pPr marL="914400" marR="0" lvl="1" indent="-317500" algn="l" rtl="0">
               <a:lnSpc>
                 <a:spcPct val="115000"/>
               </a:lnSpc>
@@ -10846,7 +11141,7 @@
             <a:endParaRPr sz="1800"/>
           </a:p>
           <a:p>
-            <a:pPr indent="-342900" lvl="0" marL="457200" marR="0" rtl="0" algn="l">
+            <a:pPr marL="457200" marR="0" lvl="0" indent="-342900" algn="l" rtl="0">
               <a:lnSpc>
                 <a:spcPct val="115000"/>
               </a:lnSpc>
@@ -10866,7 +11161,7 @@
             <a:endParaRPr/>
           </a:p>
           <a:p>
-            <a:pPr indent="-317500" lvl="1" marL="914400" marR="0" rtl="0" algn="l">
+            <a:pPr marL="914400" marR="0" lvl="1" indent="-317500" algn="l" rtl="0">
               <a:lnSpc>
                 <a:spcPct val="115000"/>
               </a:lnSpc>
@@ -10886,7 +11181,7 @@
             <a:endParaRPr sz="1800"/>
           </a:p>
           <a:p>
-            <a:pPr indent="-342900" lvl="0" marL="457200" marR="0" rtl="0" algn="l">
+            <a:pPr marL="457200" marR="0" lvl="0" indent="-342900" algn="l" rtl="0">
               <a:lnSpc>
                 <a:spcPct val="115000"/>
               </a:lnSpc>
@@ -10906,7 +11201,7 @@
             <a:endParaRPr/>
           </a:p>
           <a:p>
-            <a:pPr indent="-317500" lvl="1" marL="914400" marR="0" rtl="0" algn="l">
+            <a:pPr marL="914400" marR="0" lvl="1" indent="-317500" algn="l" rtl="0">
               <a:lnSpc>
                 <a:spcPct val="115000"/>
               </a:lnSpc>
@@ -10926,7 +11221,7 @@
             <a:endParaRPr/>
           </a:p>
           <a:p>
-            <a:pPr indent="0" lvl="0" marL="457200" rtl="0" algn="l">
+            <a:pPr marL="457200" lvl="0" indent="0" algn="l" rtl="0">
               <a:spcBef>
                 <a:spcPts val="1200"/>
               </a:spcBef>
@@ -10946,9 +11241,11 @@
       <p:sp>
         <p:nvSpPr>
           <p:cNvPr id="102" name="Google Shape;102;p18"/>
-          <p:cNvSpPr txBox="1"/>
+          <p:cNvSpPr txBox="1">
+            <a:spLocks noGrp="1"/>
+          </p:cNvSpPr>
           <p:nvPr>
-            <p:ph idx="12" type="sldNum"/>
+            <p:ph type="sldNum" idx="12"/>
           </p:nvPr>
         </p:nvSpPr>
         <p:spPr>
@@ -10961,12 +11258,12 @@
           </a:prstGeom>
         </p:spPr>
         <p:txBody>
-          <a:bodyPr anchorCtr="0" anchor="ctr" bIns="91425" lIns="91425" spcFirstLastPara="1" rIns="91425" wrap="square" tIns="91425">
+          <a:bodyPr spcFirstLastPara="1" wrap="square" lIns="91425" tIns="91425" rIns="91425" bIns="91425" anchor="ctr" anchorCtr="0">
             <a:normAutofit/>
           </a:bodyPr>
           <a:lstStyle/>
           <a:p>
-            <a:pPr indent="0" lvl="0" marL="0" rtl="0" algn="r">
+            <a:pPr marL="0" lvl="0" indent="0" algn="r" rtl="0">
               <a:spcBef>
                 <a:spcPts val="0"/>
               </a:spcBef>
@@ -10977,7 +11274,7 @@
             </a:pPr>
             <a:fld id="{00000000-1234-1234-1234-123412341234}" type="slidenum">
               <a:rPr lang="de"/>
-              <a:t>‹#›</a:t>
+              <a:t>6</a:t>
             </a:fld>
             <a:endParaRPr/>
           </a:p>
@@ -10992,11 +11289,11 @@
 </file>
 
 <file path=ppt/slides/slide7.xml><?xml version="1.0" encoding="utf-8"?>
-<p:sld xmlns:a="http://schemas.openxmlformats.org/drawingml/2006/main" xmlns:r="http://schemas.openxmlformats.org/officeDocument/2006/relationships" xmlns:mc="http://schemas.openxmlformats.org/markup-compatibility/2006" xmlns:mv="urn:schemas-microsoft-com:mac:vml" xmlns:p="http://schemas.openxmlformats.org/presentationml/2006/main" xmlns:c="http://schemas.openxmlformats.org/drawingml/2006/chart" xmlns:dgm="http://schemas.openxmlformats.org/drawingml/2006/diagram" xmlns:o="urn:schemas-microsoft-com:office:office" xmlns:v="urn:schemas-microsoft-com:vml" xmlns:pvml="urn:schemas-microsoft-com:office:powerpoint" xmlns:com="http://schemas.openxmlformats.org/drawingml/2006/compatibility" xmlns:p14="http://schemas.microsoft.com/office/powerpoint/2010/main" xmlns:p15="http://schemas.microsoft.com/office/powerpoint/2012/main" xmlns:ahyp="http://schemas.microsoft.com/office/drawing/2018/hyperlinkcolor">
+<p:sld xmlns:a="http://schemas.openxmlformats.org/drawingml/2006/main" xmlns:r="http://schemas.openxmlformats.org/officeDocument/2006/relationships" xmlns:p="http://schemas.openxmlformats.org/presentationml/2006/main">
   <p:cSld>
     <p:spTree>
       <p:nvGrpSpPr>
-        <p:cNvPr id="106" name="Shape 106"/>
+        <p:cNvPr id="1" name="Shape 106"/>
         <p:cNvGrpSpPr/>
         <p:nvPr/>
       </p:nvGrpSpPr>
@@ -11011,7 +11308,9 @@
       <p:sp>
         <p:nvSpPr>
           <p:cNvPr id="107" name="Google Shape;107;p19"/>
-          <p:cNvSpPr txBox="1"/>
+          <p:cNvSpPr txBox="1">
+            <a:spLocks noGrp="1"/>
+          </p:cNvSpPr>
           <p:nvPr>
             <p:ph type="title"/>
           </p:nvPr>
@@ -11026,12 +11325,12 @@
           </a:prstGeom>
         </p:spPr>
         <p:txBody>
-          <a:bodyPr anchorCtr="0" anchor="t" bIns="91425" lIns="91425" spcFirstLastPara="1" rIns="91425" wrap="square" tIns="91425">
+          <a:bodyPr spcFirstLastPara="1" wrap="square" lIns="91425" tIns="91425" rIns="91425" bIns="91425" anchor="t" anchorCtr="0">
             <a:normAutofit fontScale="90000"/>
           </a:bodyPr>
           <a:lstStyle/>
           <a:p>
-            <a:pPr indent="0" lvl="0" marL="0" rtl="0" algn="l">
+            <a:pPr marL="0" lvl="0" indent="0" algn="l" rtl="0">
               <a:spcBef>
                 <a:spcPts val="0"/>
               </a:spcBef>
@@ -11042,11 +11341,7 @@
             </a:pPr>
             <a:r>
               <a:rPr lang="de"/>
-              <a:t>4. </a:t>
-            </a:r>
-            <a:r>
-              <a:rPr lang="de"/>
-              <a:t>Modellauswahl</a:t>
+              <a:t>4. Modellauswahl</a:t>
             </a:r>
             <a:endParaRPr/>
           </a:p>
@@ -11055,9 +11350,11 @@
       <p:sp>
         <p:nvSpPr>
           <p:cNvPr id="108" name="Google Shape;108;p19"/>
-          <p:cNvSpPr txBox="1"/>
+          <p:cNvSpPr txBox="1">
+            <a:spLocks noGrp="1"/>
+          </p:cNvSpPr>
           <p:nvPr>
-            <p:ph idx="1" type="body"/>
+            <p:ph type="body" idx="1"/>
           </p:nvPr>
         </p:nvSpPr>
         <p:spPr>
@@ -11070,12 +11367,12 @@
           </a:prstGeom>
         </p:spPr>
         <p:txBody>
-          <a:bodyPr anchorCtr="0" anchor="t" bIns="91425" lIns="91425" spcFirstLastPara="1" rIns="91425" wrap="square" tIns="91425">
+          <a:bodyPr spcFirstLastPara="1" wrap="square" lIns="91425" tIns="91425" rIns="91425" bIns="91425" anchor="t" anchorCtr="0">
             <a:normAutofit/>
           </a:bodyPr>
           <a:lstStyle/>
           <a:p>
-            <a:pPr indent="-342900" lvl="0" marL="457200" rtl="0" algn="l">
+            <a:pPr marL="457200" lvl="0" indent="-342900" algn="l" rtl="0">
               <a:spcBef>
                 <a:spcPts val="0"/>
               </a:spcBef>
@@ -11087,16 +11384,12 @@
             </a:pPr>
             <a:r>
               <a:rPr lang="de"/>
-              <a:t>S</a:t>
-            </a:r>
-            <a:r>
-              <a:rPr lang="de"/>
-              <a:t>upervised Learning - Daten mit Label (Arbeitskraft gegangen/ noch aktiv)</a:t>
+              <a:t>Supervised Learning - Daten mit Label (Arbeitskraft gegangen/ noch aktiv)</a:t>
             </a:r>
             <a:endParaRPr/>
           </a:p>
           <a:p>
-            <a:pPr indent="0" lvl="0" marL="0" rtl="0" algn="l">
+            <a:pPr marL="0" lvl="0" indent="0" algn="l" rtl="0">
               <a:spcBef>
                 <a:spcPts val="1200"/>
               </a:spcBef>
@@ -11105,13 +11398,10 @@
               </a:spcAft>
               <a:buNone/>
             </a:pPr>
-            <a:r>
-              <a:t/>
-            </a:r>
             <a:endParaRPr/>
           </a:p>
           <a:p>
-            <a:pPr indent="-342900" lvl="0" marL="457200" rtl="0" algn="l">
+            <a:pPr marL="457200" lvl="0" indent="-342900" algn="l" rtl="0">
               <a:spcBef>
                 <a:spcPts val="1200"/>
               </a:spcBef>
@@ -11128,7 +11418,7 @@
             <a:endParaRPr/>
           </a:p>
           <a:p>
-            <a:pPr indent="-342900" lvl="0" marL="457200" rtl="0" algn="l">
+            <a:pPr marL="457200" lvl="0" indent="-342900" algn="l" rtl="0">
               <a:spcBef>
                 <a:spcPts val="0"/>
               </a:spcBef>
@@ -11145,7 +11435,7 @@
             <a:endParaRPr/>
           </a:p>
           <a:p>
-            <a:pPr indent="-342900" lvl="0" marL="457200" rtl="0" algn="l">
+            <a:pPr marL="457200" lvl="0" indent="-342900" algn="l" rtl="0">
               <a:spcBef>
                 <a:spcPts val="0"/>
               </a:spcBef>
@@ -11166,9 +11456,11 @@
       <p:sp>
         <p:nvSpPr>
           <p:cNvPr id="109" name="Google Shape;109;p19"/>
-          <p:cNvSpPr txBox="1"/>
+          <p:cNvSpPr txBox="1">
+            <a:spLocks noGrp="1"/>
+          </p:cNvSpPr>
           <p:nvPr>
-            <p:ph idx="12" type="sldNum"/>
+            <p:ph type="sldNum" idx="12"/>
           </p:nvPr>
         </p:nvSpPr>
         <p:spPr>
@@ -11181,12 +11473,12 @@
           </a:prstGeom>
         </p:spPr>
         <p:txBody>
-          <a:bodyPr anchorCtr="0" anchor="ctr" bIns="91425" lIns="91425" spcFirstLastPara="1" rIns="91425" wrap="square" tIns="91425">
+          <a:bodyPr spcFirstLastPara="1" wrap="square" lIns="91425" tIns="91425" rIns="91425" bIns="91425" anchor="ctr" anchorCtr="0">
             <a:normAutofit/>
           </a:bodyPr>
           <a:lstStyle/>
           <a:p>
-            <a:pPr indent="0" lvl="0" marL="0" rtl="0" algn="r">
+            <a:pPr marL="0" lvl="0" indent="0" algn="r" rtl="0">
               <a:spcBef>
                 <a:spcPts val="0"/>
               </a:spcBef>
@@ -11197,7 +11489,7 @@
             </a:pPr>
             <a:fld id="{00000000-1234-1234-1234-123412341234}" type="slidenum">
               <a:rPr lang="de"/>
-              <a:t>‹#›</a:t>
+              <a:t>7</a:t>
             </a:fld>
             <a:endParaRPr/>
           </a:p>
@@ -11240,11 +11532,11 @@
 </file>
 
 <file path=ppt/slides/slide8.xml><?xml version="1.0" encoding="utf-8"?>
-<p:sld xmlns:a="http://schemas.openxmlformats.org/drawingml/2006/main" xmlns:r="http://schemas.openxmlformats.org/officeDocument/2006/relationships" xmlns:mc="http://schemas.openxmlformats.org/markup-compatibility/2006" xmlns:mv="urn:schemas-microsoft-com:mac:vml" xmlns:p="http://schemas.openxmlformats.org/presentationml/2006/main" xmlns:c="http://schemas.openxmlformats.org/drawingml/2006/chart" xmlns:dgm="http://schemas.openxmlformats.org/drawingml/2006/diagram" xmlns:o="urn:schemas-microsoft-com:office:office" xmlns:v="urn:schemas-microsoft-com:vml" xmlns:pvml="urn:schemas-microsoft-com:office:powerpoint" xmlns:com="http://schemas.openxmlformats.org/drawingml/2006/compatibility" xmlns:p14="http://schemas.microsoft.com/office/powerpoint/2010/main" xmlns:p15="http://schemas.microsoft.com/office/powerpoint/2012/main" xmlns:ahyp="http://schemas.microsoft.com/office/drawing/2018/hyperlinkcolor">
+<p:sld xmlns:a="http://schemas.openxmlformats.org/drawingml/2006/main" xmlns:r="http://schemas.openxmlformats.org/officeDocument/2006/relationships" xmlns:p="http://schemas.openxmlformats.org/presentationml/2006/main">
   <p:cSld>
     <p:spTree>
       <p:nvGrpSpPr>
-        <p:cNvPr id="114" name="Shape 114"/>
+        <p:cNvPr id="1" name="Shape 114"/>
         <p:cNvGrpSpPr/>
         <p:nvPr/>
       </p:nvGrpSpPr>
@@ -11259,7 +11551,9 @@
       <p:sp>
         <p:nvSpPr>
           <p:cNvPr id="115" name="Google Shape;115;p20"/>
-          <p:cNvSpPr txBox="1"/>
+          <p:cNvSpPr txBox="1">
+            <a:spLocks noGrp="1"/>
+          </p:cNvSpPr>
           <p:nvPr>
             <p:ph type="title"/>
           </p:nvPr>
@@ -11274,12 +11568,12 @@
           </a:prstGeom>
         </p:spPr>
         <p:txBody>
-          <a:bodyPr anchorCtr="0" anchor="t" bIns="91425" lIns="91425" spcFirstLastPara="1" rIns="91425" wrap="square" tIns="91425">
+          <a:bodyPr spcFirstLastPara="1" wrap="square" lIns="91425" tIns="91425" rIns="91425" bIns="91425" anchor="t" anchorCtr="0">
             <a:normAutofit fontScale="90000"/>
           </a:bodyPr>
           <a:lstStyle/>
           <a:p>
-            <a:pPr indent="0" lvl="0" marL="0" rtl="0" algn="l">
+            <a:pPr marL="0" lvl="0" indent="0" algn="l" rtl="0">
               <a:spcBef>
                 <a:spcPts val="0"/>
               </a:spcBef>
@@ -11299,9 +11593,11 @@
       <p:sp>
         <p:nvSpPr>
           <p:cNvPr id="116" name="Google Shape;116;p20"/>
-          <p:cNvSpPr txBox="1"/>
+          <p:cNvSpPr txBox="1">
+            <a:spLocks noGrp="1"/>
+          </p:cNvSpPr>
           <p:nvPr>
-            <p:ph idx="1" type="body"/>
+            <p:ph type="body" idx="1"/>
           </p:nvPr>
         </p:nvSpPr>
         <p:spPr>
@@ -11314,12 +11610,12 @@
           </a:prstGeom>
         </p:spPr>
         <p:txBody>
-          <a:bodyPr anchorCtr="0" anchor="t" bIns="91425" lIns="91425" spcFirstLastPara="1" rIns="91425" wrap="square" tIns="91425">
+          <a:bodyPr spcFirstLastPara="1" wrap="square" lIns="91425" tIns="91425" rIns="91425" bIns="91425" anchor="t" anchorCtr="0">
             <a:normAutofit/>
           </a:bodyPr>
           <a:lstStyle/>
           <a:p>
-            <a:pPr indent="0" lvl="0" marL="457200" rtl="0" algn="l">
+            <a:pPr marL="457200" lvl="0" indent="0" algn="l" rtl="0">
               <a:spcBef>
                 <a:spcPts val="0"/>
               </a:spcBef>
@@ -11329,7 +11625,7 @@
               <a:buNone/>
             </a:pPr>
             <a:r>
-              <a:rPr b="1" lang="de"/>
+              <a:rPr lang="de" b="1"/>
               <a:t>Güte:</a:t>
             </a:r>
             <a:r>
@@ -11339,7 +11635,7 @@
             <a:endParaRPr/>
           </a:p>
           <a:p>
-            <a:pPr indent="-342900" lvl="0" marL="457200" rtl="0" algn="l">
+            <a:pPr marL="457200" lvl="0" indent="-342900" algn="l" rtl="0">
               <a:spcBef>
                 <a:spcPts val="1200"/>
               </a:spcBef>
@@ -11356,7 +11652,7 @@
             <a:endParaRPr/>
           </a:p>
           <a:p>
-            <a:pPr indent="-342900" lvl="0" marL="457200" rtl="0" algn="l">
+            <a:pPr marL="457200" lvl="0" indent="-342900" algn="l" rtl="0">
               <a:spcBef>
                 <a:spcPts val="0"/>
               </a:spcBef>
@@ -11377,9 +11673,11 @@
       <p:sp>
         <p:nvSpPr>
           <p:cNvPr id="117" name="Google Shape;117;p20"/>
-          <p:cNvSpPr txBox="1"/>
+          <p:cNvSpPr txBox="1">
+            <a:spLocks noGrp="1"/>
+          </p:cNvSpPr>
           <p:nvPr>
-            <p:ph idx="12" type="sldNum"/>
+            <p:ph type="sldNum" idx="12"/>
           </p:nvPr>
         </p:nvSpPr>
         <p:spPr>
@@ -11392,12 +11690,12 @@
           </a:prstGeom>
         </p:spPr>
         <p:txBody>
-          <a:bodyPr anchorCtr="0" anchor="ctr" bIns="91425" lIns="91425" spcFirstLastPara="1" rIns="91425" wrap="square" tIns="91425">
+          <a:bodyPr spcFirstLastPara="1" wrap="square" lIns="91425" tIns="91425" rIns="91425" bIns="91425" anchor="ctr" anchorCtr="0">
             <a:normAutofit/>
           </a:bodyPr>
           <a:lstStyle/>
           <a:p>
-            <a:pPr indent="0" lvl="0" marL="0" rtl="0" algn="r">
+            <a:pPr marL="0" lvl="0" indent="0" algn="r" rtl="0">
               <a:spcBef>
                 <a:spcPts val="0"/>
               </a:spcBef>
@@ -11408,7 +11706,7 @@
             </a:pPr>
             <a:fld id="{00000000-1234-1234-1234-123412341234}" type="slidenum">
               <a:rPr lang="de"/>
-              <a:t>‹#›</a:t>
+              <a:t>8</a:t>
             </a:fld>
             <a:endParaRPr/>
           </a:p>
@@ -11432,9 +11730,27 @@
                 <a:tableStyleId>{6CF5CAB3-CDFD-420D-B779-05C50FE4364F}</a:tableStyleId>
               </a:tblPr>
               <a:tblGrid>
-                <a:gridCol w="2706275"/>
-                <a:gridCol w="2426725"/>
-                <a:gridCol w="2733550"/>
+                <a:gridCol w="2706275">
+                  <a:extLst>
+                    <a:ext uri="{9D8B030D-6E8A-4147-A177-3AD203B41FA5}">
+                      <a16:colId xmlns:a16="http://schemas.microsoft.com/office/drawing/2014/main" val="20000"/>
+                    </a:ext>
+                  </a:extLst>
+                </a:gridCol>
+                <a:gridCol w="2426725">
+                  <a:extLst>
+                    <a:ext uri="{9D8B030D-6E8A-4147-A177-3AD203B41FA5}">
+                      <a16:colId xmlns:a16="http://schemas.microsoft.com/office/drawing/2014/main" val="20001"/>
+                    </a:ext>
+                  </a:extLst>
+                </a:gridCol>
+                <a:gridCol w="2733550">
+                  <a:extLst>
+                    <a:ext uri="{9D8B030D-6E8A-4147-A177-3AD203B41FA5}">
+                      <a16:colId xmlns:a16="http://schemas.microsoft.com/office/drawing/2014/main" val="20002"/>
+                    </a:ext>
+                  </a:extLst>
+                </a:gridCol>
               </a:tblGrid>
               <a:tr h="396200">
                 <a:tc>
@@ -11442,7 +11758,7 @@
                     <a:bodyPr/>
                     <a:lstStyle/>
                     <a:p>
-                      <a:pPr indent="0" lvl="0" marL="0" marR="0" rtl="0" algn="l">
+                      <a:pPr marL="0" marR="0" lvl="0" indent="0" algn="l" rtl="0">
                         <a:lnSpc>
                           <a:spcPct val="100000"/>
                         </a:lnSpc>
@@ -11454,13 +11770,10 @@
                         </a:spcAft>
                         <a:buNone/>
                       </a:pPr>
-                      <a:r>
-                        <a:t/>
-                      </a:r>
                       <a:endParaRPr/>
                     </a:p>
                   </a:txBody>
-                  <a:tcPr marT="91425" marB="91425" marR="91425" marL="91425">
+                  <a:tcPr marL="91425" marR="91425" marT="91425" marB="91425">
                     <a:solidFill>
                       <a:srgbClr val="C9DAF8"/>
                     </a:solidFill>
@@ -11471,7 +11784,7 @@
                     <a:bodyPr/>
                     <a:lstStyle/>
                     <a:p>
-                      <a:pPr indent="0" lvl="0" marL="0" marR="0" rtl="0" algn="ctr">
+                      <a:pPr marL="0" marR="0" lvl="0" indent="0" algn="ctr" rtl="0">
                         <a:lnSpc>
                           <a:spcPct val="100000"/>
                         </a:lnSpc>
@@ -11490,7 +11803,7 @@
                       <a:endParaRPr/>
                     </a:p>
                   </a:txBody>
-                  <a:tcPr marT="91425" marB="91425" marR="91425" marL="91425">
+                  <a:tcPr marL="91425" marR="91425" marT="91425" marB="91425">
                     <a:solidFill>
                       <a:srgbClr val="C9DAF8"/>
                     </a:solidFill>
@@ -11501,7 +11814,7 @@
                     <a:bodyPr/>
                     <a:lstStyle/>
                     <a:p>
-                      <a:pPr indent="0" lvl="0" marL="0" marR="0" rtl="0" algn="ctr">
+                      <a:pPr marL="0" marR="0" lvl="0" indent="0" algn="ctr" rtl="0">
                         <a:lnSpc>
                           <a:spcPct val="100000"/>
                         </a:lnSpc>
@@ -11520,12 +11833,17 @@
                       <a:endParaRPr/>
                     </a:p>
                   </a:txBody>
-                  <a:tcPr marT="91425" marB="91425" marR="91425" marL="91425">
+                  <a:tcPr marL="91425" marR="91425" marT="91425" marB="91425">
                     <a:solidFill>
                       <a:srgbClr val="C9DAF8"/>
                     </a:solidFill>
                   </a:tcPr>
                 </a:tc>
+                <a:extLst>
+                  <a:ext uri="{0D108BD9-81ED-4DB2-BD59-A6C34878D82A}">
+                    <a16:rowId xmlns:a16="http://schemas.microsoft.com/office/drawing/2014/main" val="10000"/>
+                  </a:ext>
+                </a:extLst>
               </a:tr>
               <a:tr h="609575">
                 <a:tc>
@@ -11533,7 +11851,7 @@
                     <a:bodyPr/>
                     <a:lstStyle/>
                     <a:p>
-                      <a:pPr indent="0" lvl="0" marL="0" rtl="0" algn="l">
+                      <a:pPr marL="0" lvl="0" indent="0" algn="l" rtl="0">
                         <a:spcBef>
                           <a:spcPts val="0"/>
                         </a:spcBef>
@@ -11544,27 +11862,19 @@
                       </a:pPr>
                       <a:r>
                         <a:rPr lang="de"/>
-                        <a:t>Vorhersage Mit</a:t>
-                      </a:r>
-                      <a:r>
-                        <a:rPr lang="de"/>
-                        <a:t>a</a:t>
-                      </a:r>
-                      <a:r>
-                        <a:rPr lang="de"/>
-                        <a:t>rbeiter:in geht</a:t>
+                        <a:t>Vorhersage Mitarbeiter:in geht</a:t>
                       </a:r>
                       <a:endParaRPr/>
                     </a:p>
                   </a:txBody>
-                  <a:tcPr marT="91425" marB="91425" marR="91425" marL="91425"/>
+                  <a:tcPr marL="91425" marR="91425" marT="91425" marB="91425"/>
                 </a:tc>
                 <a:tc>
                   <a:txBody>
                     <a:bodyPr/>
                     <a:lstStyle/>
                     <a:p>
-                      <a:pPr indent="0" lvl="0" marL="0" rtl="0" algn="ctr">
+                      <a:pPr marL="0" lvl="0" indent="0" algn="ctr" rtl="0">
                         <a:spcBef>
                           <a:spcPts val="0"/>
                         </a:spcBef>
@@ -11580,14 +11890,14 @@
                       <a:endParaRPr/>
                     </a:p>
                   </a:txBody>
-                  <a:tcPr marT="91425" marB="91425" marR="91425" marL="91425"/>
+                  <a:tcPr marL="91425" marR="91425" marT="91425" marB="91425"/>
                 </a:tc>
                 <a:tc>
                   <a:txBody>
                     <a:bodyPr/>
                     <a:lstStyle/>
                     <a:p>
-                      <a:pPr indent="0" lvl="0" marL="0" rtl="0" algn="ctr">
+                      <a:pPr marL="0" lvl="0" indent="0" algn="ctr" rtl="0">
                         <a:spcBef>
                           <a:spcPts val="0"/>
                         </a:spcBef>
@@ -11603,8 +11913,13 @@
                       <a:endParaRPr/>
                     </a:p>
                   </a:txBody>
-                  <a:tcPr marT="91425" marB="91425" marR="91425" marL="91425"/>
+                  <a:tcPr marL="91425" marR="91425" marT="91425" marB="91425"/>
                 </a:tc>
+                <a:extLst>
+                  <a:ext uri="{0D108BD9-81ED-4DB2-BD59-A6C34878D82A}">
+                    <a16:rowId xmlns:a16="http://schemas.microsoft.com/office/drawing/2014/main" val="10001"/>
+                  </a:ext>
+                </a:extLst>
               </a:tr>
               <a:tr h="609575">
                 <a:tc>
@@ -11612,7 +11927,7 @@
                     <a:bodyPr/>
                     <a:lstStyle/>
                     <a:p>
-                      <a:pPr indent="0" lvl="0" marL="0" rtl="0" algn="l">
+                      <a:pPr marL="0" lvl="0" indent="0" algn="l" rtl="0">
                         <a:spcBef>
                           <a:spcPts val="0"/>
                         </a:spcBef>
@@ -11628,14 +11943,14 @@
                       <a:endParaRPr/>
                     </a:p>
                   </a:txBody>
-                  <a:tcPr marT="91425" marB="91425" marR="91425" marL="91425"/>
+                  <a:tcPr marL="91425" marR="91425" marT="91425" marB="91425"/>
                 </a:tc>
                 <a:tc>
                   <a:txBody>
                     <a:bodyPr/>
                     <a:lstStyle/>
                     <a:p>
-                      <a:pPr indent="0" lvl="0" marL="0" rtl="0" algn="ctr">
+                      <a:pPr marL="0" lvl="0" indent="0" algn="ctr" rtl="0">
                         <a:spcBef>
                           <a:spcPts val="0"/>
                         </a:spcBef>
@@ -11651,14 +11966,14 @@
                       <a:endParaRPr/>
                     </a:p>
                   </a:txBody>
-                  <a:tcPr marT="91425" marB="91425" marR="91425" marL="91425"/>
+                  <a:tcPr marL="91425" marR="91425" marT="91425" marB="91425"/>
                 </a:tc>
                 <a:tc>
                   <a:txBody>
                     <a:bodyPr/>
                     <a:lstStyle/>
                     <a:p>
-                      <a:pPr indent="0" lvl="0" marL="0" rtl="0" algn="ctr">
+                      <a:pPr marL="0" lvl="0" indent="0" algn="ctr" rtl="0">
                         <a:spcBef>
                           <a:spcPts val="0"/>
                         </a:spcBef>
@@ -11674,8 +11989,13 @@
                       <a:endParaRPr/>
                     </a:p>
                   </a:txBody>
-                  <a:tcPr marT="91425" marB="91425" marR="91425" marL="91425"/>
+                  <a:tcPr marL="91425" marR="91425" marT="91425" marB="91425"/>
                 </a:tc>
+                <a:extLst>
+                  <a:ext uri="{0D108BD9-81ED-4DB2-BD59-A6C34878D82A}">
+                    <a16:rowId xmlns:a16="http://schemas.microsoft.com/office/drawing/2014/main" val="10002"/>
+                  </a:ext>
+                </a:extLst>
               </a:tr>
             </a:tbl>
           </a:graphicData>
@@ -11690,11 +12010,11 @@
 </file>
 
 <file path=ppt/slides/slide9.xml><?xml version="1.0" encoding="utf-8"?>
-<p:sld xmlns:a="http://schemas.openxmlformats.org/drawingml/2006/main" xmlns:r="http://schemas.openxmlformats.org/officeDocument/2006/relationships" xmlns:mc="http://schemas.openxmlformats.org/markup-compatibility/2006" xmlns:mv="urn:schemas-microsoft-com:mac:vml" xmlns:p="http://schemas.openxmlformats.org/presentationml/2006/main" xmlns:c="http://schemas.openxmlformats.org/drawingml/2006/chart" xmlns:dgm="http://schemas.openxmlformats.org/drawingml/2006/diagram" xmlns:o="urn:schemas-microsoft-com:office:office" xmlns:v="urn:schemas-microsoft-com:vml" xmlns:pvml="urn:schemas-microsoft-com:office:powerpoint" xmlns:com="http://schemas.openxmlformats.org/drawingml/2006/compatibility" xmlns:p14="http://schemas.microsoft.com/office/powerpoint/2010/main" xmlns:p15="http://schemas.microsoft.com/office/powerpoint/2012/main" xmlns:ahyp="http://schemas.microsoft.com/office/drawing/2018/hyperlinkcolor">
+<p:sld xmlns:a="http://schemas.openxmlformats.org/drawingml/2006/main" xmlns:r="http://schemas.openxmlformats.org/officeDocument/2006/relationships" xmlns:p="http://schemas.openxmlformats.org/presentationml/2006/main">
   <p:cSld>
     <p:spTree>
       <p:nvGrpSpPr>
-        <p:cNvPr id="122" name="Shape 122"/>
+        <p:cNvPr id="1" name="Shape 122"/>
         <p:cNvGrpSpPr/>
         <p:nvPr/>
       </p:nvGrpSpPr>
@@ -11709,7 +12029,9 @@
       <p:sp>
         <p:nvSpPr>
           <p:cNvPr id="123" name="Google Shape;123;p21"/>
-          <p:cNvSpPr txBox="1"/>
+          <p:cNvSpPr txBox="1">
+            <a:spLocks noGrp="1"/>
+          </p:cNvSpPr>
           <p:nvPr>
             <p:ph type="title"/>
           </p:nvPr>
@@ -11724,12 +12046,12 @@
           </a:prstGeom>
         </p:spPr>
         <p:txBody>
-          <a:bodyPr anchorCtr="0" anchor="t" bIns="91425" lIns="91425" spcFirstLastPara="1" rIns="91425" wrap="square" tIns="91425">
+          <a:bodyPr spcFirstLastPara="1" wrap="square" lIns="91425" tIns="91425" rIns="91425" bIns="91425" anchor="t" anchorCtr="0">
             <a:normAutofit fontScale="90000"/>
           </a:bodyPr>
           <a:lstStyle/>
           <a:p>
-            <a:pPr indent="0" lvl="0" marL="0" rtl="0" algn="l">
+            <a:pPr marL="0" lvl="0" indent="0" algn="l" rtl="0">
               <a:spcBef>
                 <a:spcPts val="0"/>
               </a:spcBef>
@@ -11749,9 +12071,11 @@
       <p:sp>
         <p:nvSpPr>
           <p:cNvPr id="124" name="Google Shape;124;p21"/>
-          <p:cNvSpPr txBox="1"/>
+          <p:cNvSpPr txBox="1">
+            <a:spLocks noGrp="1"/>
+          </p:cNvSpPr>
           <p:nvPr>
-            <p:ph idx="1" type="body"/>
+            <p:ph type="body" idx="1"/>
           </p:nvPr>
         </p:nvSpPr>
         <p:spPr>
@@ -11764,12 +12088,12 @@
           </a:prstGeom>
         </p:spPr>
         <p:txBody>
-          <a:bodyPr anchorCtr="0" anchor="t" bIns="91425" lIns="91425" spcFirstLastPara="1" rIns="91425" wrap="square" tIns="91425">
+          <a:bodyPr spcFirstLastPara="1" wrap="square" lIns="91425" tIns="91425" rIns="91425" bIns="91425" anchor="t" anchorCtr="0">
             <a:normAutofit/>
           </a:bodyPr>
           <a:lstStyle/>
           <a:p>
-            <a:pPr indent="0" lvl="0" marL="457200" rtl="0" algn="l">
+            <a:pPr marL="457200" lvl="0" indent="0" algn="l" rtl="0">
               <a:spcBef>
                 <a:spcPts val="0"/>
               </a:spcBef>
@@ -11778,13 +12102,10 @@
               </a:spcAft>
               <a:buNone/>
             </a:pPr>
-            <a:r>
-              <a:t/>
-            </a:r>
             <a:endParaRPr sz="1500"/>
           </a:p>
           <a:p>
-            <a:pPr indent="0" lvl="0" marL="0" rtl="0" algn="l">
+            <a:pPr marL="0" lvl="0" indent="0" algn="l" rtl="0">
               <a:spcBef>
                 <a:spcPts val="1200"/>
               </a:spcBef>
@@ -11793,13 +12114,10 @@
               </a:spcAft>
               <a:buNone/>
             </a:pPr>
-            <a:r>
-              <a:t/>
-            </a:r>
             <a:endParaRPr sz="1500"/>
           </a:p>
           <a:p>
-            <a:pPr indent="0" lvl="0" marL="0" rtl="0" algn="l">
+            <a:pPr marL="0" lvl="0" indent="0" algn="l" rtl="0">
               <a:spcBef>
                 <a:spcPts val="1200"/>
               </a:spcBef>
@@ -11808,13 +12126,10 @@
               </a:spcAft>
               <a:buNone/>
             </a:pPr>
-            <a:r>
-              <a:t/>
-            </a:r>
             <a:endParaRPr sz="1500"/>
           </a:p>
           <a:p>
-            <a:pPr indent="0" lvl="0" marL="0" rtl="0" algn="l">
+            <a:pPr marL="0" lvl="0" indent="0" algn="l" rtl="0">
               <a:spcBef>
                 <a:spcPts val="1200"/>
               </a:spcBef>
@@ -11834,9 +12149,11 @@
       <p:sp>
         <p:nvSpPr>
           <p:cNvPr id="125" name="Google Shape;125;p21"/>
-          <p:cNvSpPr txBox="1"/>
+          <p:cNvSpPr txBox="1">
+            <a:spLocks noGrp="1"/>
+          </p:cNvSpPr>
           <p:nvPr>
-            <p:ph idx="12" type="sldNum"/>
+            <p:ph type="sldNum" idx="12"/>
           </p:nvPr>
         </p:nvSpPr>
         <p:spPr>
@@ -11849,12 +12166,12 @@
           </a:prstGeom>
         </p:spPr>
         <p:txBody>
-          <a:bodyPr anchorCtr="0" anchor="ctr" bIns="91425" lIns="91425" spcFirstLastPara="1" rIns="91425" wrap="square" tIns="91425">
+          <a:bodyPr spcFirstLastPara="1" wrap="square" lIns="91425" tIns="91425" rIns="91425" bIns="91425" anchor="ctr" anchorCtr="0">
             <a:normAutofit/>
           </a:bodyPr>
           <a:lstStyle/>
           <a:p>
-            <a:pPr indent="0" lvl="0" marL="0" rtl="0" algn="r">
+            <a:pPr marL="0" lvl="0" indent="0" algn="r" rtl="0">
               <a:spcBef>
                 <a:spcPts val="0"/>
               </a:spcBef>
@@ -11865,7 +12182,7 @@
             </a:pPr>
             <a:fld id="{00000000-1234-1234-1234-123412341234}" type="slidenum">
               <a:rPr lang="de"/>
-              <a:t>‹#›</a:t>
+              <a:t>9</a:t>
             </a:fld>
             <a:endParaRPr/>
           </a:p>
@@ -11908,7 +12225,288 @@
 </file>
 
 <file path=ppt/theme/theme1.xml><?xml version="1.0" encoding="utf-8"?>
-<a:theme xmlns:a="http://schemas.openxmlformats.org/drawingml/2006/main" xmlns:r="http://schemas.openxmlformats.org/officeDocument/2006/relationships">
+<a:theme xmlns:a="http://schemas.openxmlformats.org/drawingml/2006/main" name="Spearmint">
+  <a:themeElements>
+    <a:clrScheme name="Spearmint">
+      <a:dk1>
+        <a:srgbClr val="202729"/>
+      </a:dk1>
+      <a:lt1>
+        <a:srgbClr val="FFFFFF"/>
+      </a:lt1>
+      <a:dk2>
+        <a:srgbClr val="4BA173"/>
+      </a:dk2>
+      <a:lt2>
+        <a:srgbClr val="63D297"/>
+      </a:lt2>
+      <a:accent1>
+        <a:srgbClr val="353744"/>
+      </a:accent1>
+      <a:accent2>
+        <a:srgbClr val="424242"/>
+      </a:accent2>
+      <a:accent3>
+        <a:srgbClr val="616161"/>
+      </a:accent3>
+      <a:accent4>
+        <a:srgbClr val="999999"/>
+      </a:accent4>
+      <a:accent5>
+        <a:srgbClr val="FF5252"/>
+      </a:accent5>
+      <a:accent6>
+        <a:srgbClr val="FFF176"/>
+      </a:accent6>
+      <a:hlink>
+        <a:srgbClr val="FF5252"/>
+      </a:hlink>
+      <a:folHlink>
+        <a:srgbClr val="FF5252"/>
+      </a:folHlink>
+    </a:clrScheme>
+    <a:fontScheme name="Office">
+      <a:majorFont>
+        <a:latin typeface="Arial"/>
+        <a:ea typeface=""/>
+        <a:cs typeface=""/>
+        <a:font script="Jpan" typeface="ＭＳ Ｐゴシック"/>
+        <a:font script="Hang" typeface="맑은 고딕"/>
+        <a:font script="Hans" typeface="宋体"/>
+        <a:font script="Hant" typeface="新細明體"/>
+        <a:font script="Arab" typeface="Times New Roman"/>
+        <a:font script="Hebr" typeface="Times New Roman"/>
+        <a:font script="Thai" typeface="Angsana New"/>
+        <a:font script="Ethi" typeface="Nyala"/>
+        <a:font script="Beng" typeface="Vrinda"/>
+        <a:font script="Gujr" typeface="Shruti"/>
+        <a:font script="Khmr" typeface="MoolBoran"/>
+        <a:font script="Knda" typeface="Tunga"/>
+        <a:font script="Guru" typeface="Raavi"/>
+        <a:font script="Cans" typeface="Euphemia"/>
+        <a:font script="Cher" typeface="Plantagenet Cherokee"/>
+        <a:font script="Yiii" typeface="Microsoft Yi Baiti"/>
+        <a:font script="Tibt" typeface="Microsoft Himalaya"/>
+        <a:font script="Thaa" typeface="MV Boli"/>
+        <a:font script="Deva" typeface="Mangal"/>
+        <a:font script="Telu" typeface="Gautami"/>
+        <a:font script="Taml" typeface="Latha"/>
+        <a:font script="Syrc" typeface="Estrangelo Edessa"/>
+        <a:font script="Orya" typeface="Kalinga"/>
+        <a:font script="Mlym" typeface="Kartika"/>
+        <a:font script="Laoo" typeface="DokChampa"/>
+        <a:font script="Sinh" typeface="Iskoola Pota"/>
+        <a:font script="Mong" typeface="Mongolian Baiti"/>
+        <a:font script="Viet" typeface="Times New Roman"/>
+        <a:font script="Uigh" typeface="Microsoft Uighur"/>
+        <a:font script="Geor" typeface="Sylfaen"/>
+      </a:majorFont>
+      <a:minorFont>
+        <a:latin typeface="Arial"/>
+        <a:ea typeface=""/>
+        <a:cs typeface=""/>
+        <a:font script="Jpan" typeface="ＭＳ Ｐゴシック"/>
+        <a:font script="Hang" typeface="맑은 고딕"/>
+        <a:font script="Hans" typeface="宋体"/>
+        <a:font script="Hant" typeface="新細明體"/>
+        <a:font script="Arab" typeface="Arial"/>
+        <a:font script="Hebr" typeface="Arial"/>
+        <a:font script="Thai" typeface="Cordia New"/>
+        <a:font script="Ethi" typeface="Nyala"/>
+        <a:font script="Beng" typeface="Vrinda"/>
+        <a:font script="Gujr" typeface="Shruti"/>
+        <a:font script="Khmr" typeface="DaunPenh"/>
+        <a:font script="Knda" typeface="Tunga"/>
+        <a:font script="Guru" typeface="Raavi"/>
+        <a:font script="Cans" typeface="Euphemia"/>
+        <a:font script="Cher" typeface="Plantagenet Cherokee"/>
+        <a:font script="Yiii" typeface="Microsoft Yi Baiti"/>
+        <a:font script="Tibt" typeface="Microsoft Himalaya"/>
+        <a:font script="Thaa" typeface="MV Boli"/>
+        <a:font script="Deva" typeface="Mangal"/>
+        <a:font script="Telu" typeface="Gautami"/>
+        <a:font script="Taml" typeface="Latha"/>
+        <a:font script="Syrc" typeface="Estrangelo Edessa"/>
+        <a:font script="Orya" typeface="Kalinga"/>
+        <a:font script="Mlym" typeface="Kartika"/>
+        <a:font script="Laoo" typeface="DokChampa"/>
+        <a:font script="Sinh" typeface="Iskoola Pota"/>
+        <a:font script="Mong" typeface="Mongolian Baiti"/>
+        <a:font script="Viet" typeface="Arial"/>
+        <a:font script="Uigh" typeface="Microsoft Uighur"/>
+        <a:font script="Geor" typeface="Sylfaen"/>
+      </a:minorFont>
+    </a:fontScheme>
+    <a:fmtScheme name="Office">
+      <a:fillStyleLst>
+        <a:solidFill>
+          <a:schemeClr val="phClr"/>
+        </a:solidFill>
+        <a:gradFill rotWithShape="1">
+          <a:gsLst>
+            <a:gs pos="0">
+              <a:schemeClr val="phClr">
+                <a:tint val="50000"/>
+                <a:satMod val="300000"/>
+              </a:schemeClr>
+            </a:gs>
+            <a:gs pos="35000">
+              <a:schemeClr val="phClr">
+                <a:tint val="37000"/>
+                <a:satMod val="300000"/>
+              </a:schemeClr>
+            </a:gs>
+            <a:gs pos="100000">
+              <a:schemeClr val="phClr">
+                <a:tint val="15000"/>
+                <a:satMod val="350000"/>
+              </a:schemeClr>
+            </a:gs>
+          </a:gsLst>
+          <a:lin ang="16200000" scaled="1"/>
+        </a:gradFill>
+        <a:gradFill rotWithShape="1">
+          <a:gsLst>
+            <a:gs pos="0">
+              <a:schemeClr val="phClr">
+                <a:tint val="100000"/>
+                <a:shade val="100000"/>
+                <a:satMod val="130000"/>
+              </a:schemeClr>
+            </a:gs>
+            <a:gs pos="100000">
+              <a:schemeClr val="phClr">
+                <a:tint val="50000"/>
+                <a:shade val="100000"/>
+                <a:satMod val="350000"/>
+              </a:schemeClr>
+            </a:gs>
+          </a:gsLst>
+          <a:lin ang="16200000" scaled="0"/>
+        </a:gradFill>
+      </a:fillStyleLst>
+      <a:lnStyleLst>
+        <a:ln w="9525" cap="flat" cmpd="sng" algn="ctr">
+          <a:solidFill>
+            <a:schemeClr val="phClr">
+              <a:shade val="95000"/>
+              <a:satMod val="105000"/>
+            </a:schemeClr>
+          </a:solidFill>
+          <a:prstDash val="solid"/>
+        </a:ln>
+        <a:ln w="25400" cap="flat" cmpd="sng" algn="ctr">
+          <a:solidFill>
+            <a:schemeClr val="phClr"/>
+          </a:solidFill>
+          <a:prstDash val="solid"/>
+        </a:ln>
+        <a:ln w="38100" cap="flat" cmpd="sng" algn="ctr">
+          <a:solidFill>
+            <a:schemeClr val="phClr"/>
+          </a:solidFill>
+          <a:prstDash val="solid"/>
+        </a:ln>
+      </a:lnStyleLst>
+      <a:effectStyleLst>
+        <a:effectStyle>
+          <a:effectLst>
+            <a:outerShdw blurRad="40000" dist="20000" dir="5400000" rotWithShape="0">
+              <a:srgbClr val="000000">
+                <a:alpha val="38000"/>
+              </a:srgbClr>
+            </a:outerShdw>
+          </a:effectLst>
+        </a:effectStyle>
+        <a:effectStyle>
+          <a:effectLst>
+            <a:outerShdw blurRad="40000" dist="23000" dir="5400000" rotWithShape="0">
+              <a:srgbClr val="000000">
+                <a:alpha val="35000"/>
+              </a:srgbClr>
+            </a:outerShdw>
+          </a:effectLst>
+        </a:effectStyle>
+        <a:effectStyle>
+          <a:effectLst>
+            <a:outerShdw blurRad="40000" dist="23000" dir="5400000" rotWithShape="0">
+              <a:srgbClr val="000000">
+                <a:alpha val="35000"/>
+              </a:srgbClr>
+            </a:outerShdw>
+          </a:effectLst>
+          <a:scene3d>
+            <a:camera prst="orthographicFront">
+              <a:rot lat="0" lon="0" rev="0"/>
+            </a:camera>
+            <a:lightRig rig="threePt" dir="t">
+              <a:rot lat="0" lon="0" rev="1200000"/>
+            </a:lightRig>
+          </a:scene3d>
+          <a:sp3d>
+            <a:bevelT w="63500" h="25400"/>
+          </a:sp3d>
+        </a:effectStyle>
+      </a:effectStyleLst>
+      <a:bgFillStyleLst>
+        <a:solidFill>
+          <a:schemeClr val="phClr"/>
+        </a:solidFill>
+        <a:gradFill rotWithShape="1">
+          <a:gsLst>
+            <a:gs pos="0">
+              <a:schemeClr val="phClr">
+                <a:tint val="40000"/>
+                <a:satMod val="350000"/>
+              </a:schemeClr>
+            </a:gs>
+            <a:gs pos="40000">
+              <a:schemeClr val="phClr">
+                <a:tint val="45000"/>
+                <a:shade val="99000"/>
+                <a:satMod val="350000"/>
+              </a:schemeClr>
+            </a:gs>
+            <a:gs pos="100000">
+              <a:schemeClr val="phClr">
+                <a:shade val="20000"/>
+                <a:satMod val="255000"/>
+              </a:schemeClr>
+            </a:gs>
+          </a:gsLst>
+          <a:path path="circle">
+            <a:fillToRect l="50000" t="-80000" r="50000" b="180000"/>
+          </a:path>
+        </a:gradFill>
+        <a:gradFill rotWithShape="1">
+          <a:gsLst>
+            <a:gs pos="0">
+              <a:schemeClr val="phClr">
+                <a:tint val="80000"/>
+                <a:satMod val="300000"/>
+              </a:schemeClr>
+            </a:gs>
+            <a:gs pos="100000">
+              <a:schemeClr val="phClr">
+                <a:shade val="30000"/>
+                <a:satMod val="200000"/>
+              </a:schemeClr>
+            </a:gs>
+          </a:gsLst>
+          <a:path path="circle">
+            <a:fillToRect l="50000" t="50000" r="50000" b="50000"/>
+          </a:path>
+        </a:gradFill>
+      </a:bgFillStyleLst>
+    </a:fmtScheme>
+  </a:themeElements>
+  <a:objectDefaults/>
+  <a:extraClrSchemeLst/>
+</a:theme>
+</file>
+
+<file path=ppt/theme/theme2.xml><?xml version="1.0" encoding="utf-8"?>
+<a:theme xmlns:a="http://schemas.openxmlformats.org/drawingml/2006/main">
   <a:themeElements>
     <a:clrScheme name="Default">
       <a:dk1>
@@ -12183,284 +12781,7 @@
       </a:bgFillStyleLst>
     </a:fmtScheme>
   </a:themeElements>
-</a:theme>
-</file>
-
-<file path=ppt/theme/theme2.xml><?xml version="1.0" encoding="utf-8"?>
-<a:theme xmlns:a="http://schemas.openxmlformats.org/drawingml/2006/main" xmlns:r="http://schemas.openxmlformats.org/officeDocument/2006/relationships" name="Spearmint">
-  <a:themeElements>
-    <a:clrScheme name="Spearmint">
-      <a:dk1>
-        <a:srgbClr val="202729"/>
-      </a:dk1>
-      <a:lt1>
-        <a:srgbClr val="FFFFFF"/>
-      </a:lt1>
-      <a:dk2>
-        <a:srgbClr val="4BA173"/>
-      </a:dk2>
-      <a:lt2>
-        <a:srgbClr val="63D297"/>
-      </a:lt2>
-      <a:accent1>
-        <a:srgbClr val="353744"/>
-      </a:accent1>
-      <a:accent2>
-        <a:srgbClr val="424242"/>
-      </a:accent2>
-      <a:accent3>
-        <a:srgbClr val="616161"/>
-      </a:accent3>
-      <a:accent4>
-        <a:srgbClr val="999999"/>
-      </a:accent4>
-      <a:accent5>
-        <a:srgbClr val="FF5252"/>
-      </a:accent5>
-      <a:accent6>
-        <a:srgbClr val="FFF176"/>
-      </a:accent6>
-      <a:hlink>
-        <a:srgbClr val="FF5252"/>
-      </a:hlink>
-      <a:folHlink>
-        <a:srgbClr val="FF5252"/>
-      </a:folHlink>
-    </a:clrScheme>
-    <a:fontScheme name="Office">
-      <a:majorFont>
-        <a:latin typeface="Arial"/>
-        <a:ea typeface=""/>
-        <a:cs typeface=""/>
-        <a:font script="Jpan" typeface="ＭＳ Ｐゴシック"/>
-        <a:font script="Hang" typeface="맑은 고딕"/>
-        <a:font script="Hans" typeface="宋体"/>
-        <a:font script="Hant" typeface="新細明體"/>
-        <a:font script="Arab" typeface="Times New Roman"/>
-        <a:font script="Hebr" typeface="Times New Roman"/>
-        <a:font script="Thai" typeface="Angsana New"/>
-        <a:font script="Ethi" typeface="Nyala"/>
-        <a:font script="Beng" typeface="Vrinda"/>
-        <a:font script="Gujr" typeface="Shruti"/>
-        <a:font script="Khmr" typeface="MoolBoran"/>
-        <a:font script="Knda" typeface="Tunga"/>
-        <a:font script="Guru" typeface="Raavi"/>
-        <a:font script="Cans" typeface="Euphemia"/>
-        <a:font script="Cher" typeface="Plantagenet Cherokee"/>
-        <a:font script="Yiii" typeface="Microsoft Yi Baiti"/>
-        <a:font script="Tibt" typeface="Microsoft Himalaya"/>
-        <a:font script="Thaa" typeface="MV Boli"/>
-        <a:font script="Deva" typeface="Mangal"/>
-        <a:font script="Telu" typeface="Gautami"/>
-        <a:font script="Taml" typeface="Latha"/>
-        <a:font script="Syrc" typeface="Estrangelo Edessa"/>
-        <a:font script="Orya" typeface="Kalinga"/>
-        <a:font script="Mlym" typeface="Kartika"/>
-        <a:font script="Laoo" typeface="DokChampa"/>
-        <a:font script="Sinh" typeface="Iskoola Pota"/>
-        <a:font script="Mong" typeface="Mongolian Baiti"/>
-        <a:font script="Viet" typeface="Times New Roman"/>
-        <a:font script="Uigh" typeface="Microsoft Uighur"/>
-        <a:font script="Geor" typeface="Sylfaen"/>
-      </a:majorFont>
-      <a:minorFont>
-        <a:latin typeface="Arial"/>
-        <a:ea typeface=""/>
-        <a:cs typeface=""/>
-        <a:font script="Jpan" typeface="ＭＳ Ｐゴシック"/>
-        <a:font script="Hang" typeface="맑은 고딕"/>
-        <a:font script="Hans" typeface="宋体"/>
-        <a:font script="Hant" typeface="新細明體"/>
-        <a:font script="Arab" typeface="Arial"/>
-        <a:font script="Hebr" typeface="Arial"/>
-        <a:font script="Thai" typeface="Cordia New"/>
-        <a:font script="Ethi" typeface="Nyala"/>
-        <a:font script="Beng" typeface="Vrinda"/>
-        <a:font script="Gujr" typeface="Shruti"/>
-        <a:font script="Khmr" typeface="DaunPenh"/>
-        <a:font script="Knda" typeface="Tunga"/>
-        <a:font script="Guru" typeface="Raavi"/>
-        <a:font script="Cans" typeface="Euphemia"/>
-        <a:font script="Cher" typeface="Plantagenet Cherokee"/>
-        <a:font script="Yiii" typeface="Microsoft Yi Baiti"/>
-        <a:font script="Tibt" typeface="Microsoft Himalaya"/>
-        <a:font script="Thaa" typeface="MV Boli"/>
-        <a:font script="Deva" typeface="Mangal"/>
-        <a:font script="Telu" typeface="Gautami"/>
-        <a:font script="Taml" typeface="Latha"/>
-        <a:font script="Syrc" typeface="Estrangelo Edessa"/>
-        <a:font script="Orya" typeface="Kalinga"/>
-        <a:font script="Mlym" typeface="Kartika"/>
-        <a:font script="Laoo" typeface="DokChampa"/>
-        <a:font script="Sinh" typeface="Iskoola Pota"/>
-        <a:font script="Mong" typeface="Mongolian Baiti"/>
-        <a:font script="Viet" typeface="Arial"/>
-        <a:font script="Uigh" typeface="Microsoft Uighur"/>
-        <a:font script="Geor" typeface="Sylfaen"/>
-      </a:minorFont>
-    </a:fontScheme>
-    <a:fmtScheme name="Office">
-      <a:fillStyleLst>
-        <a:solidFill>
-          <a:schemeClr val="phClr"/>
-        </a:solidFill>
-        <a:gradFill rotWithShape="1">
-          <a:gsLst>
-            <a:gs pos="0">
-              <a:schemeClr val="phClr">
-                <a:tint val="50000"/>
-                <a:satMod val="300000"/>
-              </a:schemeClr>
-            </a:gs>
-            <a:gs pos="35000">
-              <a:schemeClr val="phClr">
-                <a:tint val="37000"/>
-                <a:satMod val="300000"/>
-              </a:schemeClr>
-            </a:gs>
-            <a:gs pos="100000">
-              <a:schemeClr val="phClr">
-                <a:tint val="15000"/>
-                <a:satMod val="350000"/>
-              </a:schemeClr>
-            </a:gs>
-          </a:gsLst>
-          <a:lin ang="16200000" scaled="1"/>
-        </a:gradFill>
-        <a:gradFill rotWithShape="1">
-          <a:gsLst>
-            <a:gs pos="0">
-              <a:schemeClr val="phClr">
-                <a:tint val="100000"/>
-                <a:shade val="100000"/>
-                <a:satMod val="130000"/>
-              </a:schemeClr>
-            </a:gs>
-            <a:gs pos="100000">
-              <a:schemeClr val="phClr">
-                <a:tint val="50000"/>
-                <a:shade val="100000"/>
-                <a:satMod val="350000"/>
-              </a:schemeClr>
-            </a:gs>
-          </a:gsLst>
-          <a:lin ang="16200000" scaled="0"/>
-        </a:gradFill>
-      </a:fillStyleLst>
-      <a:lnStyleLst>
-        <a:ln w="9525" cap="flat" cmpd="sng" algn="ctr">
-          <a:solidFill>
-            <a:schemeClr val="phClr">
-              <a:shade val="95000"/>
-              <a:satMod val="105000"/>
-            </a:schemeClr>
-          </a:solidFill>
-          <a:prstDash val="solid"/>
-        </a:ln>
-        <a:ln w="25400" cap="flat" cmpd="sng" algn="ctr">
-          <a:solidFill>
-            <a:schemeClr val="phClr"/>
-          </a:solidFill>
-          <a:prstDash val="solid"/>
-        </a:ln>
-        <a:ln w="38100" cap="flat" cmpd="sng" algn="ctr">
-          <a:solidFill>
-            <a:schemeClr val="phClr"/>
-          </a:solidFill>
-          <a:prstDash val="solid"/>
-        </a:ln>
-      </a:lnStyleLst>
-      <a:effectStyleLst>
-        <a:effectStyle>
-          <a:effectLst>
-            <a:outerShdw blurRad="40000" dist="20000" dir="5400000" rotWithShape="0">
-              <a:srgbClr val="000000">
-                <a:alpha val="38000"/>
-              </a:srgbClr>
-            </a:outerShdw>
-          </a:effectLst>
-        </a:effectStyle>
-        <a:effectStyle>
-          <a:effectLst>
-            <a:outerShdw blurRad="40000" dist="23000" dir="5400000" rotWithShape="0">
-              <a:srgbClr val="000000">
-                <a:alpha val="35000"/>
-              </a:srgbClr>
-            </a:outerShdw>
-          </a:effectLst>
-        </a:effectStyle>
-        <a:effectStyle>
-          <a:effectLst>
-            <a:outerShdw blurRad="40000" dist="23000" dir="5400000" rotWithShape="0">
-              <a:srgbClr val="000000">
-                <a:alpha val="35000"/>
-              </a:srgbClr>
-            </a:outerShdw>
-          </a:effectLst>
-          <a:scene3d>
-            <a:camera prst="orthographicFront">
-              <a:rot lat="0" lon="0" rev="0"/>
-            </a:camera>
-            <a:lightRig rig="threePt" dir="t">
-              <a:rot lat="0" lon="0" rev="1200000"/>
-            </a:lightRig>
-          </a:scene3d>
-          <a:sp3d>
-            <a:bevelT w="63500" h="25400"/>
-          </a:sp3d>
-        </a:effectStyle>
-      </a:effectStyleLst>
-      <a:bgFillStyleLst>
-        <a:solidFill>
-          <a:schemeClr val="phClr"/>
-        </a:solidFill>
-        <a:gradFill rotWithShape="1">
-          <a:gsLst>
-            <a:gs pos="0">
-              <a:schemeClr val="phClr">
-                <a:tint val="40000"/>
-                <a:satMod val="350000"/>
-              </a:schemeClr>
-            </a:gs>
-            <a:gs pos="40000">
-              <a:schemeClr val="phClr">
-                <a:tint val="45000"/>
-                <a:shade val="99000"/>
-                <a:satMod val="350000"/>
-              </a:schemeClr>
-            </a:gs>
-            <a:gs pos="100000">
-              <a:schemeClr val="phClr">
-                <a:shade val="20000"/>
-                <a:satMod val="255000"/>
-              </a:schemeClr>
-            </a:gs>
-          </a:gsLst>
-          <a:path path="circle">
-            <a:fillToRect l="50000" t="-80000" r="50000" b="180000"/>
-          </a:path>
-        </a:gradFill>
-        <a:gradFill rotWithShape="1">
-          <a:gsLst>
-            <a:gs pos="0">
-              <a:schemeClr val="phClr">
-                <a:tint val="80000"/>
-                <a:satMod val="300000"/>
-              </a:schemeClr>
-            </a:gs>
-            <a:gs pos="100000">
-              <a:schemeClr val="phClr">
-                <a:shade val="30000"/>
-                <a:satMod val="200000"/>
-              </a:schemeClr>
-            </a:gs>
-          </a:gsLst>
-          <a:path path="circle">
-            <a:fillToRect l="50000" t="50000" r="50000" b="50000"/>
-          </a:path>
-        </a:gradFill>
-      </a:bgFillStyleLst>
-    </a:fmtScheme>
-  </a:themeElements>
+  <a:objectDefaults/>
+  <a:extraClrSchemeLst/>
 </a:theme>
 </file>